--- a/chart/java/nio.pptx
+++ b/chart/java/nio.pptx
@@ -7,6 +7,9 @@
   <p:sldIdLst>
     <p:sldId id="256" r:id="rId2"/>
     <p:sldId id="257" r:id="rId3"/>
+    <p:sldId id="258" r:id="rId4"/>
+    <p:sldId id="259" r:id="rId5"/>
+    <p:sldId id="260" r:id="rId6"/>
   </p:sldIdLst>
   <p:sldSz cx="12192000" cy="6858000"/>
   <p:notesSz cx="6858000" cy="9144000"/>
@@ -105,6 +108,11 @@
       </a:defRPr>
     </a:lvl9pPr>
   </p:defaultTextStyle>
+  <p:extLst>
+    <p:ext uri="{EFAFB233-063F-42B5-8137-9DF3F51BA10A}">
+      <p15:sldGuideLst xmlns:p15="http://schemas.microsoft.com/office/powerpoint/2012/main"/>
+    </p:ext>
+  </p:extLst>
 </p:presentation>
 </file>
 
@@ -3892,7 +3900,7 @@
         </p:nvSpPr>
         <p:spPr>
           <a:xfrm>
-            <a:off x="616226" y="2445028"/>
+            <a:off x="1397975" y="2454968"/>
             <a:ext cx="536713" cy="387625"/>
           </a:xfrm>
           <a:prstGeom prst="roundRect">
@@ -3940,7 +3948,7 @@
         </p:nvSpPr>
         <p:spPr>
           <a:xfrm>
-            <a:off x="1414139" y="2440059"/>
+            <a:off x="2649119" y="2440054"/>
             <a:ext cx="536713" cy="387625"/>
           </a:xfrm>
           <a:prstGeom prst="roundRect">
@@ -4036,7 +4044,7 @@
         </p:nvSpPr>
         <p:spPr>
           <a:xfrm>
-            <a:off x="5077322" y="2440055"/>
+            <a:off x="4526262" y="2430116"/>
             <a:ext cx="536713" cy="387625"/>
           </a:xfrm>
           <a:prstGeom prst="roundRect">
@@ -4084,7 +4092,7 @@
         </p:nvSpPr>
         <p:spPr>
           <a:xfrm>
-            <a:off x="543783" y="2951922"/>
+            <a:off x="1325532" y="2961862"/>
             <a:ext cx="681597" cy="338554"/>
           </a:xfrm>
           <a:prstGeom prst="rect">
@@ -4120,7 +4128,7 @@
         </p:nvSpPr>
         <p:spPr>
           <a:xfrm>
-            <a:off x="1292214" y="2932044"/>
+            <a:off x="2527194" y="2932039"/>
             <a:ext cx="926547" cy="338554"/>
           </a:xfrm>
           <a:prstGeom prst="rect">
@@ -4156,7 +4164,7 @@
         </p:nvSpPr>
         <p:spPr>
           <a:xfrm>
-            <a:off x="5055871" y="2961862"/>
+            <a:off x="4504811" y="2951923"/>
             <a:ext cx="659130" cy="338554"/>
           </a:xfrm>
           <a:prstGeom prst="rect">
@@ -4220,22 +4228,60 @@
           </a:p>
         </p:txBody>
       </p:sp>
+      <p:sp>
+        <p:nvSpPr>
+          <p:cNvPr id="59" name="文本框 58"/>
+          <p:cNvSpPr txBox="1"/>
+          <p:nvPr/>
+        </p:nvSpPr>
+        <p:spPr>
+          <a:xfrm>
+            <a:off x="2319501" y="3548270"/>
+            <a:ext cx="2646878" cy="338554"/>
+          </a:xfrm>
+          <a:prstGeom prst="rect">
+            <a:avLst/>
+          </a:prstGeom>
+          <a:noFill/>
+        </p:spPr>
+        <p:txBody>
+          <a:bodyPr wrap="none" rtlCol="0">
+            <a:spAutoFit/>
+          </a:bodyPr>
+          <a:lstStyle/>
+          <a:p>
+            <a:r>
+              <a:rPr lang="zh-CN" altLang="en-US" sz="1600" dirty="0" smtClean="0">
+                <a:latin typeface="Times New Roman" panose="02020603050405020304" pitchFamily="18" charset="0"/>
+                <a:cs typeface="Times New Roman" panose="02020603050405020304" pitchFamily="18" charset="0"/>
+              </a:rPr>
+              <a:t>缓冲区初始状态（写模式）</a:t>
+            </a:r>
+            <a:endParaRPr lang="zh-CN" altLang="en-US" sz="1600" dirty="0">
+              <a:latin typeface="Times New Roman" panose="02020603050405020304" pitchFamily="18" charset="0"/>
+              <a:cs typeface="Times New Roman" panose="02020603050405020304" pitchFamily="18" charset="0"/>
+            </a:endParaRPr>
+          </a:p>
+        </p:txBody>
+      </p:sp>
       <p:cxnSp>
         <p:nvCxnSpPr>
-          <p:cNvPr id="50" name="直接箭头连接符 49"/>
+          <p:cNvPr id="9" name="肘形连接符 8"/>
           <p:cNvCxnSpPr>
-            <a:stCxn id="39" idx="0"/>
-            <a:endCxn id="5" idx="2"/>
+            <a:stCxn id="42" idx="0"/>
+            <a:endCxn id="32" idx="2"/>
           </p:cNvCxnSpPr>
           <p:nvPr/>
         </p:nvCxnSpPr>
         <p:spPr>
-          <a:xfrm flipV="1">
-            <a:off x="1682496" y="1801368"/>
-            <a:ext cx="0" cy="638691"/>
-          </a:xfrm>
-          <a:prstGeom prst="straightConnector1">
-            <a:avLst/>
+          <a:xfrm rot="5400000" flipH="1" flipV="1">
+            <a:off x="5118743" y="1477244"/>
+            <a:ext cx="628748" cy="1276997"/>
+          </a:xfrm>
+          <a:prstGeom prst="bentConnector3">
+            <a:avLst>
+              <a:gd name="adj1" fmla="val 50000"/>
+            </a:avLst>
           </a:prstGeom>
           <a:ln w="19050">
             <a:tailEnd type="triangle"/>
@@ -4258,16 +4304,14 @@
       </p:cxnSp>
       <p:cxnSp>
         <p:nvCxnSpPr>
-          <p:cNvPr id="52" name="直接箭头连接符 51"/>
-          <p:cNvCxnSpPr>
-            <a:stCxn id="42" idx="0"/>
-          </p:cNvCxnSpPr>
+          <p:cNvPr id="24" name="直接箭头连接符 23"/>
+          <p:cNvCxnSpPr/>
           <p:nvPr/>
         </p:nvCxnSpPr>
         <p:spPr>
           <a:xfrm flipV="1">
-            <a:off x="5345679" y="1801369"/>
-            <a:ext cx="648800" cy="638686"/>
+            <a:off x="6172200" y="1791430"/>
+            <a:ext cx="0" cy="638686"/>
           </a:xfrm>
           <a:prstGeom prst="straightConnector1">
             <a:avLst/>
@@ -4293,19 +4337,19 @@
       </p:cxnSp>
       <p:cxnSp>
         <p:nvCxnSpPr>
-          <p:cNvPr id="54" name="直接箭头连接符 53"/>
+          <p:cNvPr id="35" name="肘形连接符 34"/>
           <p:cNvCxnSpPr>
-            <a:stCxn id="41" idx="0"/>
-            <a:endCxn id="32" idx="2"/>
+            <a:stCxn id="39" idx="0"/>
+            <a:endCxn id="6" idx="2"/>
           </p:cNvCxnSpPr>
           <p:nvPr/>
         </p:nvCxnSpPr>
         <p:spPr>
-          <a:xfrm flipV="1">
-            <a:off x="6071616" y="1801368"/>
-            <a:ext cx="0" cy="638686"/>
-          </a:xfrm>
-          <a:prstGeom prst="straightConnector1">
+          <a:xfrm rot="16200000" flipV="1">
+            <a:off x="2200099" y="1722677"/>
+            <a:ext cx="638686" cy="796068"/>
+          </a:xfrm>
+          <a:prstGeom prst="bentConnector3">
             <a:avLst/>
           </a:prstGeom>
           <a:ln w="19050">
@@ -4327,42 +4371,6 @@
           </a:fontRef>
         </p:style>
       </p:cxnSp>
-      <p:sp>
-        <p:nvSpPr>
-          <p:cNvPr id="59" name="文本框 58"/>
-          <p:cNvSpPr txBox="1"/>
-          <p:nvPr/>
-        </p:nvSpPr>
-        <p:spPr>
-          <a:xfrm>
-            <a:off x="2319501" y="3548270"/>
-            <a:ext cx="2646878" cy="338554"/>
-          </a:xfrm>
-          <a:prstGeom prst="rect">
-            <a:avLst/>
-          </a:prstGeom>
-          <a:noFill/>
-        </p:spPr>
-        <p:txBody>
-          <a:bodyPr wrap="none" rtlCol="0">
-            <a:spAutoFit/>
-          </a:bodyPr>
-          <a:lstStyle/>
-          <a:p>
-            <a:r>
-              <a:rPr lang="zh-CN" altLang="en-US" sz="1600" dirty="0" smtClean="0">
-                <a:latin typeface="Times New Roman" panose="02020603050405020304" pitchFamily="18" charset="0"/>
-                <a:cs typeface="Times New Roman" panose="02020603050405020304" pitchFamily="18" charset="0"/>
-              </a:rPr>
-              <a:t>缓冲区初始状态（写模式）</a:t>
-            </a:r>
-            <a:endParaRPr lang="zh-CN" altLang="en-US" sz="1600" dirty="0">
-              <a:latin typeface="Times New Roman" panose="02020603050405020304" pitchFamily="18" charset="0"/>
-              <a:cs typeface="Times New Roman" panose="02020603050405020304" pitchFamily="18" charset="0"/>
-            </a:endParaRPr>
-          </a:p>
-        </p:txBody>
-      </p:sp>
     </p:spTree>
     <p:extLst>
       <p:ext uri="{BB962C8B-B14F-4D97-AF65-F5344CB8AC3E}">
@@ -5292,15 +5300,98 @@
           </a:p>
         </p:txBody>
       </p:sp>
-      <p:sp>
-        <p:nvSpPr>
-          <p:cNvPr id="60" name="圆角矩形 59"/>
+      <p:cxnSp>
+        <p:nvCxnSpPr>
+          <p:cNvPr id="70" name="直接箭头连接符 69"/>
+          <p:cNvCxnSpPr/>
+          <p:nvPr/>
+        </p:nvCxnSpPr>
+        <p:spPr>
+          <a:xfrm flipV="1">
+            <a:off x="6197486" y="1791430"/>
+            <a:ext cx="0" cy="638686"/>
+          </a:xfrm>
+          <a:prstGeom prst="straightConnector1">
+            <a:avLst/>
+          </a:prstGeom>
+          <a:ln w="19050">
+            <a:tailEnd type="triangle"/>
+          </a:ln>
+        </p:spPr>
+        <p:style>
+          <a:lnRef idx="1">
+            <a:schemeClr val="accent1"/>
+          </a:lnRef>
+          <a:fillRef idx="0">
+            <a:schemeClr val="accent1"/>
+          </a:fillRef>
+          <a:effectRef idx="0">
+            <a:schemeClr val="accent1"/>
+          </a:effectRef>
+          <a:fontRef idx="minor">
+            <a:schemeClr val="tx1"/>
+          </a:fontRef>
+        </p:style>
+      </p:cxnSp>
+      <p:sp>
+        <p:nvSpPr>
+          <p:cNvPr id="71" name="文本框 70"/>
+          <p:cNvSpPr txBox="1"/>
+          <p:nvPr/>
+        </p:nvSpPr>
+        <p:spPr>
+          <a:xfrm>
+            <a:off x="2319501" y="3548270"/>
+            <a:ext cx="3877985" cy="338554"/>
+          </a:xfrm>
+          <a:prstGeom prst="rect">
+            <a:avLst/>
+          </a:prstGeom>
+          <a:noFill/>
+        </p:spPr>
+        <p:txBody>
+          <a:bodyPr wrap="none" rtlCol="0">
+            <a:spAutoFit/>
+          </a:bodyPr>
+          <a:lstStyle/>
+          <a:p>
+            <a:r>
+              <a:rPr lang="zh-CN" altLang="en-US" sz="1600" dirty="0" smtClean="0">
+                <a:latin typeface="Times New Roman" panose="02020603050405020304" pitchFamily="18" charset="0"/>
+                <a:cs typeface="Times New Roman" panose="02020603050405020304" pitchFamily="18" charset="0"/>
+              </a:rPr>
+              <a:t>缓冲区写入 </a:t>
+            </a:r>
+            <a:r>
+              <a:rPr lang="en-US" altLang="zh-CN" sz="1600" dirty="0" smtClean="0">
+                <a:latin typeface="Times New Roman" panose="02020603050405020304" pitchFamily="18" charset="0"/>
+                <a:cs typeface="Times New Roman" panose="02020603050405020304" pitchFamily="18" charset="0"/>
+              </a:rPr>
+              <a:t>5 </a:t>
+            </a:r>
+            <a:r>
+              <a:rPr lang="zh-CN" altLang="en-US" sz="1600" dirty="0" smtClean="0">
+                <a:latin typeface="Times New Roman" panose="02020603050405020304" pitchFamily="18" charset="0"/>
+                <a:cs typeface="Times New Roman" panose="02020603050405020304" pitchFamily="18" charset="0"/>
+              </a:rPr>
+              <a:t>个元素后的状态（写模式）</a:t>
+            </a:r>
+            <a:endParaRPr lang="zh-CN" altLang="en-US" sz="1600" dirty="0">
+              <a:latin typeface="Times New Roman" panose="02020603050405020304" pitchFamily="18" charset="0"/>
+              <a:cs typeface="Times New Roman" panose="02020603050405020304" pitchFamily="18" charset="0"/>
+            </a:endParaRPr>
+          </a:p>
+        </p:txBody>
+      </p:sp>
+      <p:sp>
+        <p:nvSpPr>
+          <p:cNvPr id="36" name="圆角矩形 35"/>
           <p:cNvSpPr/>
           <p:nvPr/>
         </p:nvSpPr>
         <p:spPr>
           <a:xfrm>
-            <a:off x="616226" y="2445028"/>
+            <a:off x="1397975" y="2454968"/>
             <a:ext cx="536713" cy="387625"/>
           </a:xfrm>
           <a:prstGeom prst="roundRect">
@@ -5342,13 +5433,13 @@
       </p:sp>
       <p:sp>
         <p:nvSpPr>
-          <p:cNvPr id="61" name="圆角矩形 60"/>
+          <p:cNvPr id="37" name="圆角矩形 36"/>
           <p:cNvSpPr/>
           <p:nvPr/>
         </p:nvSpPr>
         <p:spPr>
           <a:xfrm>
-            <a:off x="3581293" y="2440053"/>
+            <a:off x="2649119" y="2440054"/>
             <a:ext cx="536713" cy="387625"/>
           </a:xfrm>
           <a:prstGeom prst="roundRect">
@@ -5375,7 +5466,7 @@
           <a:p>
             <a:pPr algn="ctr"/>
             <a:r>
-              <a:rPr lang="en-US" altLang="zh-CN" sz="1600" dirty="0" smtClean="0">
+              <a:rPr lang="en-US" altLang="zh-CN" sz="1600" dirty="0">
                 <a:latin typeface="Times New Roman" panose="02020603050405020304" pitchFamily="18" charset="0"/>
                 <a:cs typeface="Times New Roman" panose="02020603050405020304" pitchFamily="18" charset="0"/>
               </a:rPr>
@@ -5390,7 +5481,7 @@
       </p:sp>
       <p:sp>
         <p:nvSpPr>
-          <p:cNvPr id="62" name="圆角矩形 61"/>
+          <p:cNvPr id="72" name="圆角矩形 71"/>
           <p:cNvSpPr/>
           <p:nvPr/>
         </p:nvSpPr>
@@ -5438,13 +5529,13 @@
       </p:sp>
       <p:sp>
         <p:nvSpPr>
-          <p:cNvPr id="63" name="圆角矩形 62"/>
+          <p:cNvPr id="73" name="圆角矩形 72"/>
           <p:cNvSpPr/>
           <p:nvPr/>
         </p:nvSpPr>
         <p:spPr>
           <a:xfrm>
-            <a:off x="5077322" y="2440055"/>
+            <a:off x="4526262" y="2430116"/>
             <a:ext cx="536713" cy="387625"/>
           </a:xfrm>
           <a:prstGeom prst="roundRect">
@@ -5486,13 +5577,13 @@
       </p:sp>
       <p:sp>
         <p:nvSpPr>
-          <p:cNvPr id="64" name="文本框 63"/>
+          <p:cNvPr id="74" name="文本框 73"/>
           <p:cNvSpPr txBox="1"/>
           <p:nvPr/>
         </p:nvSpPr>
         <p:spPr>
           <a:xfrm>
-            <a:off x="543783" y="2951922"/>
+            <a:off x="1325532" y="2961862"/>
             <a:ext cx="681597" cy="338554"/>
           </a:xfrm>
           <a:prstGeom prst="rect">
@@ -5522,13 +5613,13 @@
       </p:sp>
       <p:sp>
         <p:nvSpPr>
-          <p:cNvPr id="65" name="文本框 64"/>
+          <p:cNvPr id="75" name="文本框 74"/>
           <p:cNvSpPr txBox="1"/>
           <p:nvPr/>
         </p:nvSpPr>
         <p:spPr>
           <a:xfrm>
-            <a:off x="3413782" y="2909467"/>
+            <a:off x="2527194" y="2932039"/>
             <a:ext cx="926547" cy="338554"/>
           </a:xfrm>
           <a:prstGeom prst="rect">
@@ -5558,13 +5649,13 @@
       </p:sp>
       <p:sp>
         <p:nvSpPr>
-          <p:cNvPr id="66" name="文本框 65"/>
+          <p:cNvPr id="76" name="文本框 75"/>
           <p:cNvSpPr txBox="1"/>
           <p:nvPr/>
         </p:nvSpPr>
         <p:spPr>
           <a:xfrm>
-            <a:off x="5055871" y="2961862"/>
+            <a:off x="4504811" y="2951923"/>
             <a:ext cx="659130" cy="338554"/>
           </a:xfrm>
           <a:prstGeom prst="rect">
@@ -5594,7 +5685,7 @@
       </p:sp>
       <p:sp>
         <p:nvSpPr>
-          <p:cNvPr id="67" name="文本框 66"/>
+          <p:cNvPr id="77" name="文本框 76"/>
           <p:cNvSpPr txBox="1"/>
           <p:nvPr/>
         </p:nvSpPr>
@@ -5630,16 +5721,19 @@
       </p:sp>
       <p:cxnSp>
         <p:nvCxnSpPr>
-          <p:cNvPr id="68" name="直接箭头连接符 67"/>
-          <p:cNvCxnSpPr/>
+          <p:cNvPr id="3" name="肘形连接符 2"/>
+          <p:cNvCxnSpPr>
+            <a:stCxn id="37" idx="0"/>
+            <a:endCxn id="43" idx="2"/>
+          </p:cNvCxnSpPr>
           <p:nvPr/>
         </p:nvCxnSpPr>
         <p:spPr>
-          <a:xfrm flipV="1">
-            <a:off x="3877056" y="1801368"/>
-            <a:ext cx="0" cy="638691"/>
-          </a:xfrm>
-          <a:prstGeom prst="straightConnector1">
+          <a:xfrm rot="5400000" flipH="1" flipV="1">
+            <a:off x="3077923" y="1640921"/>
+            <a:ext cx="638686" cy="959580"/>
+          </a:xfrm>
+          <a:prstGeom prst="bentConnector3">
             <a:avLst/>
           </a:prstGeom>
           <a:ln w="19050">
@@ -5663,18 +5757,1405 @@
       </p:cxnSp>
       <p:cxnSp>
         <p:nvCxnSpPr>
-          <p:cNvPr id="69" name="直接箭头连接符 68"/>
+          <p:cNvPr id="7" name="肘形连接符 6"/>
           <p:cNvCxnSpPr>
-            <a:stCxn id="63" idx="0"/>
+            <a:stCxn id="73" idx="0"/>
+            <a:endCxn id="58" idx="2"/>
           </p:cNvCxnSpPr>
           <p:nvPr/>
         </p:nvCxnSpPr>
         <p:spPr>
+          <a:xfrm rot="5400000" flipH="1" flipV="1">
+            <a:off x="5118743" y="1477244"/>
+            <a:ext cx="628748" cy="1276997"/>
+          </a:xfrm>
+          <a:prstGeom prst="bentConnector3">
+            <a:avLst/>
+          </a:prstGeom>
+          <a:ln w="19050">
+            <a:tailEnd type="triangle"/>
+          </a:ln>
+        </p:spPr>
+        <p:style>
+          <a:lnRef idx="1">
+            <a:schemeClr val="accent1"/>
+          </a:lnRef>
+          <a:fillRef idx="0">
+            <a:schemeClr val="accent1"/>
+          </a:fillRef>
+          <a:effectRef idx="0">
+            <a:schemeClr val="accent1"/>
+          </a:effectRef>
+          <a:fontRef idx="minor">
+            <a:schemeClr val="tx1"/>
+          </a:fontRef>
+        </p:style>
+      </p:cxnSp>
+    </p:spTree>
+    <p:extLst>
+      <p:ext uri="{BB962C8B-B14F-4D97-AF65-F5344CB8AC3E}">
+        <p14:creationId xmlns:p14="http://schemas.microsoft.com/office/powerpoint/2010/main" val="1828920165"/>
+      </p:ext>
+    </p:extLst>
+  </p:cSld>
+  <p:clrMapOvr>
+    <a:masterClrMapping/>
+  </p:clrMapOvr>
+</p:sld>
+</file>
+
+<file path=ppt/slides/slide3.xml><?xml version="1.0" encoding="utf-8"?>
+<p:sld xmlns:a="http://schemas.openxmlformats.org/drawingml/2006/main" xmlns:r="http://schemas.openxmlformats.org/officeDocument/2006/relationships" xmlns:p="http://schemas.openxmlformats.org/presentationml/2006/main">
+  <p:cSld>
+    <p:spTree>
+      <p:nvGrpSpPr>
+        <p:cNvPr id="1" name=""/>
+        <p:cNvGrpSpPr/>
+        <p:nvPr/>
+      </p:nvGrpSpPr>
+      <p:grpSpPr>
+        <a:xfrm>
+          <a:off x="0" y="0"/>
+          <a:ext cx="0" cy="0"/>
+          <a:chOff x="0" y="0"/>
+          <a:chExt cx="0" cy="0"/>
+        </a:xfrm>
+      </p:grpSpPr>
+      <p:sp>
+        <p:nvSpPr>
+          <p:cNvPr id="4" name="矩形 3"/>
+          <p:cNvSpPr/>
+          <p:nvPr/>
+        </p:nvSpPr>
+        <p:spPr>
+          <a:xfrm>
+            <a:off x="1463040" y="1362456"/>
+            <a:ext cx="438912" cy="438912"/>
+          </a:xfrm>
+          <a:prstGeom prst="rect">
+            <a:avLst/>
+          </a:prstGeom>
+          <a:ln>
+            <a:headEnd type="none" w="med" len="med"/>
+            <a:tailEnd type="none" w="med" len="med"/>
+          </a:ln>
+        </p:spPr>
+        <p:style>
+          <a:lnRef idx="2">
+            <a:schemeClr val="accent2">
+              <a:shade val="50000"/>
+            </a:schemeClr>
+          </a:lnRef>
+          <a:fillRef idx="1">
+            <a:schemeClr val="accent2"/>
+          </a:fillRef>
+          <a:effectRef idx="0">
+            <a:schemeClr val="accent2"/>
+          </a:effectRef>
+          <a:fontRef idx="minor">
+            <a:schemeClr val="lt1"/>
+          </a:fontRef>
+        </p:style>
+        <p:txBody>
+          <a:bodyPr rtlCol="0" anchor="ctr"/>
+          <a:lstStyle/>
+          <a:p>
+            <a:pPr algn="ctr"/>
+            <a:endParaRPr lang="zh-CN" altLang="en-US"/>
+          </a:p>
+        </p:txBody>
+      </p:sp>
+      <p:sp>
+        <p:nvSpPr>
+          <p:cNvPr id="5" name="矩形 4"/>
+          <p:cNvSpPr/>
+          <p:nvPr/>
+        </p:nvSpPr>
+        <p:spPr>
+          <a:xfrm>
+            <a:off x="1901952" y="1362456"/>
+            <a:ext cx="438912" cy="438912"/>
+          </a:xfrm>
+          <a:prstGeom prst="rect">
+            <a:avLst/>
+          </a:prstGeom>
+          <a:ln>
+            <a:headEnd type="none" w="med" len="med"/>
+            <a:tailEnd type="none" w="med" len="med"/>
+          </a:ln>
+        </p:spPr>
+        <p:style>
+          <a:lnRef idx="2">
+            <a:schemeClr val="accent2">
+              <a:shade val="50000"/>
+            </a:schemeClr>
+          </a:lnRef>
+          <a:fillRef idx="1">
+            <a:schemeClr val="accent2"/>
+          </a:fillRef>
+          <a:effectRef idx="0">
+            <a:schemeClr val="accent2"/>
+          </a:effectRef>
+          <a:fontRef idx="minor">
+            <a:schemeClr val="lt1"/>
+          </a:fontRef>
+        </p:style>
+        <p:txBody>
+          <a:bodyPr rtlCol="0" anchor="ctr"/>
+          <a:lstStyle/>
+          <a:p>
+            <a:pPr algn="ctr"/>
+            <a:endParaRPr lang="zh-CN" altLang="en-US"/>
+          </a:p>
+        </p:txBody>
+      </p:sp>
+      <p:sp>
+        <p:nvSpPr>
+          <p:cNvPr id="6" name="矩形 5"/>
+          <p:cNvSpPr/>
+          <p:nvPr/>
+        </p:nvSpPr>
+        <p:spPr>
+          <a:xfrm>
+            <a:off x="2340864" y="1362456"/>
+            <a:ext cx="438912" cy="438912"/>
+          </a:xfrm>
+          <a:prstGeom prst="rect">
+            <a:avLst/>
+          </a:prstGeom>
+          <a:ln>
+            <a:headEnd type="none" w="med" len="med"/>
+            <a:tailEnd type="none" w="med" len="med"/>
+          </a:ln>
+        </p:spPr>
+        <p:style>
+          <a:lnRef idx="2">
+            <a:schemeClr val="accent2">
+              <a:shade val="50000"/>
+            </a:schemeClr>
+          </a:lnRef>
+          <a:fillRef idx="1">
+            <a:schemeClr val="accent2"/>
+          </a:fillRef>
+          <a:effectRef idx="0">
+            <a:schemeClr val="accent2"/>
+          </a:effectRef>
+          <a:fontRef idx="minor">
+            <a:schemeClr val="lt1"/>
+          </a:fontRef>
+        </p:style>
+        <p:txBody>
+          <a:bodyPr rtlCol="0" anchor="ctr"/>
+          <a:lstStyle/>
+          <a:p>
+            <a:pPr algn="ctr"/>
+            <a:endParaRPr lang="zh-CN" altLang="en-US"/>
+          </a:p>
+        </p:txBody>
+      </p:sp>
+      <p:sp>
+        <p:nvSpPr>
+          <p:cNvPr id="7" name="矩形 6"/>
+          <p:cNvSpPr/>
+          <p:nvPr/>
+        </p:nvSpPr>
+        <p:spPr>
+          <a:xfrm>
+            <a:off x="2779776" y="1362456"/>
+            <a:ext cx="438912" cy="438912"/>
+          </a:xfrm>
+          <a:prstGeom prst="rect">
+            <a:avLst/>
+          </a:prstGeom>
+          <a:ln>
+            <a:headEnd type="none" w="med" len="med"/>
+            <a:tailEnd type="none" w="med" len="med"/>
+          </a:ln>
+        </p:spPr>
+        <p:style>
+          <a:lnRef idx="2">
+            <a:schemeClr val="accent2">
+              <a:shade val="50000"/>
+            </a:schemeClr>
+          </a:lnRef>
+          <a:fillRef idx="1">
+            <a:schemeClr val="accent2"/>
+          </a:fillRef>
+          <a:effectRef idx="0">
+            <a:schemeClr val="accent2"/>
+          </a:effectRef>
+          <a:fontRef idx="minor">
+            <a:schemeClr val="lt1"/>
+          </a:fontRef>
+        </p:style>
+        <p:txBody>
+          <a:bodyPr rtlCol="0" anchor="ctr"/>
+          <a:lstStyle/>
+          <a:p>
+            <a:pPr algn="ctr"/>
+            <a:endParaRPr lang="zh-CN" altLang="en-US"/>
+          </a:p>
+        </p:txBody>
+      </p:sp>
+      <p:sp>
+        <p:nvSpPr>
+          <p:cNvPr id="8" name="矩形 7"/>
+          <p:cNvSpPr/>
+          <p:nvPr/>
+        </p:nvSpPr>
+        <p:spPr>
+          <a:xfrm>
+            <a:off x="3218688" y="1362456"/>
+            <a:ext cx="438912" cy="438912"/>
+          </a:xfrm>
+          <a:prstGeom prst="rect">
+            <a:avLst/>
+          </a:prstGeom>
+          <a:ln>
+            <a:headEnd type="none" w="med" len="med"/>
+            <a:tailEnd type="none" w="med" len="med"/>
+          </a:ln>
+        </p:spPr>
+        <p:style>
+          <a:lnRef idx="2">
+            <a:schemeClr val="accent2">
+              <a:shade val="50000"/>
+            </a:schemeClr>
+          </a:lnRef>
+          <a:fillRef idx="1">
+            <a:schemeClr val="accent2"/>
+          </a:fillRef>
+          <a:effectRef idx="0">
+            <a:schemeClr val="accent2"/>
+          </a:effectRef>
+          <a:fontRef idx="minor">
+            <a:schemeClr val="lt1"/>
+          </a:fontRef>
+        </p:style>
+        <p:txBody>
+          <a:bodyPr rtlCol="0" anchor="ctr"/>
+          <a:lstStyle/>
+          <a:p>
+            <a:pPr algn="ctr"/>
+            <a:endParaRPr lang="zh-CN" altLang="en-US"/>
+          </a:p>
+        </p:txBody>
+      </p:sp>
+      <p:sp>
+        <p:nvSpPr>
+          <p:cNvPr id="9" name="矩形 8"/>
+          <p:cNvSpPr/>
+          <p:nvPr/>
+        </p:nvSpPr>
+        <p:spPr>
+          <a:xfrm>
+            <a:off x="3657600" y="1362456"/>
+            <a:ext cx="438912" cy="438912"/>
+          </a:xfrm>
+          <a:prstGeom prst="rect">
+            <a:avLst/>
+          </a:prstGeom>
+          <a:noFill/>
+          <a:ln w="9525" cap="flat" cmpd="sng" algn="ctr">
+            <a:solidFill>
+              <a:schemeClr val="accent2"/>
+            </a:solidFill>
+            <a:prstDash val="solid"/>
+            <a:round/>
+            <a:headEnd type="none" w="med" len="med"/>
+            <a:tailEnd type="none" w="med" len="med"/>
+          </a:ln>
+        </p:spPr>
+        <p:style>
+          <a:lnRef idx="0">
+            <a:scrgbClr r="0" g="0" b="0"/>
+          </a:lnRef>
+          <a:fillRef idx="0">
+            <a:scrgbClr r="0" g="0" b="0"/>
+          </a:fillRef>
+          <a:effectRef idx="0">
+            <a:scrgbClr r="0" g="0" b="0"/>
+          </a:effectRef>
+          <a:fontRef idx="minor">
+            <a:schemeClr val="accent2"/>
+          </a:fontRef>
+        </p:style>
+        <p:txBody>
+          <a:bodyPr rtlCol="0" anchor="ctr"/>
+          <a:lstStyle/>
+          <a:p>
+            <a:pPr algn="ctr"/>
+            <a:endParaRPr lang="zh-CN" altLang="en-US"/>
+          </a:p>
+        </p:txBody>
+      </p:sp>
+      <p:sp>
+        <p:nvSpPr>
+          <p:cNvPr id="10" name="矩形 9"/>
+          <p:cNvSpPr/>
+          <p:nvPr/>
+        </p:nvSpPr>
+        <p:spPr>
+          <a:xfrm>
+            <a:off x="4096512" y="1362456"/>
+            <a:ext cx="438912" cy="438912"/>
+          </a:xfrm>
+          <a:prstGeom prst="rect">
+            <a:avLst/>
+          </a:prstGeom>
+          <a:noFill/>
+          <a:ln w="9525" cap="flat" cmpd="sng" algn="ctr">
+            <a:solidFill>
+              <a:schemeClr val="accent2"/>
+            </a:solidFill>
+            <a:prstDash val="solid"/>
+            <a:round/>
+            <a:headEnd type="none" w="med" len="med"/>
+            <a:tailEnd type="none" w="med" len="med"/>
+          </a:ln>
+        </p:spPr>
+        <p:style>
+          <a:lnRef idx="0">
+            <a:scrgbClr r="0" g="0" b="0"/>
+          </a:lnRef>
+          <a:fillRef idx="0">
+            <a:scrgbClr r="0" g="0" b="0"/>
+          </a:fillRef>
+          <a:effectRef idx="0">
+            <a:scrgbClr r="0" g="0" b="0"/>
+          </a:effectRef>
+          <a:fontRef idx="minor">
+            <a:schemeClr val="accent2"/>
+          </a:fontRef>
+        </p:style>
+        <p:txBody>
+          <a:bodyPr rtlCol="0" anchor="ctr"/>
+          <a:lstStyle/>
+          <a:p>
+            <a:pPr algn="ctr"/>
+            <a:endParaRPr lang="zh-CN" altLang="en-US"/>
+          </a:p>
+        </p:txBody>
+      </p:sp>
+      <p:sp>
+        <p:nvSpPr>
+          <p:cNvPr id="11" name="矩形 10"/>
+          <p:cNvSpPr/>
+          <p:nvPr/>
+        </p:nvSpPr>
+        <p:spPr>
+          <a:xfrm>
+            <a:off x="4535424" y="1362456"/>
+            <a:ext cx="438912" cy="438912"/>
+          </a:xfrm>
+          <a:prstGeom prst="rect">
+            <a:avLst/>
+          </a:prstGeom>
+          <a:noFill/>
+          <a:ln w="9525" cap="flat" cmpd="sng" algn="ctr">
+            <a:solidFill>
+              <a:schemeClr val="accent2"/>
+            </a:solidFill>
+            <a:prstDash val="solid"/>
+            <a:round/>
+            <a:headEnd type="none" w="med" len="med"/>
+            <a:tailEnd type="none" w="med" len="med"/>
+          </a:ln>
+        </p:spPr>
+        <p:style>
+          <a:lnRef idx="0">
+            <a:scrgbClr r="0" g="0" b="0"/>
+          </a:lnRef>
+          <a:fillRef idx="0">
+            <a:scrgbClr r="0" g="0" b="0"/>
+          </a:fillRef>
+          <a:effectRef idx="0">
+            <a:scrgbClr r="0" g="0" b="0"/>
+          </a:effectRef>
+          <a:fontRef idx="minor">
+            <a:schemeClr val="accent2"/>
+          </a:fontRef>
+        </p:style>
+        <p:txBody>
+          <a:bodyPr rtlCol="0" anchor="ctr"/>
+          <a:lstStyle/>
+          <a:p>
+            <a:pPr algn="ctr"/>
+            <a:endParaRPr lang="zh-CN" altLang="en-US"/>
+          </a:p>
+        </p:txBody>
+      </p:sp>
+      <p:sp>
+        <p:nvSpPr>
+          <p:cNvPr id="12" name="矩形 11"/>
+          <p:cNvSpPr/>
+          <p:nvPr/>
+        </p:nvSpPr>
+        <p:spPr>
+          <a:xfrm>
+            <a:off x="4974336" y="1362456"/>
+            <a:ext cx="438912" cy="438912"/>
+          </a:xfrm>
+          <a:prstGeom prst="rect">
+            <a:avLst/>
+          </a:prstGeom>
+          <a:noFill/>
+          <a:ln w="9525" cap="flat" cmpd="sng" algn="ctr">
+            <a:solidFill>
+              <a:schemeClr val="accent2"/>
+            </a:solidFill>
+            <a:prstDash val="solid"/>
+            <a:round/>
+            <a:headEnd type="none" w="med" len="med"/>
+            <a:tailEnd type="none" w="med" len="med"/>
+          </a:ln>
+        </p:spPr>
+        <p:style>
+          <a:lnRef idx="0">
+            <a:scrgbClr r="0" g="0" b="0"/>
+          </a:lnRef>
+          <a:fillRef idx="0">
+            <a:scrgbClr r="0" g="0" b="0"/>
+          </a:fillRef>
+          <a:effectRef idx="0">
+            <a:scrgbClr r="0" g="0" b="0"/>
+          </a:effectRef>
+          <a:fontRef idx="minor">
+            <a:schemeClr val="accent2"/>
+          </a:fontRef>
+        </p:style>
+        <p:txBody>
+          <a:bodyPr rtlCol="0" anchor="ctr"/>
+          <a:lstStyle/>
+          <a:p>
+            <a:pPr algn="ctr"/>
+            <a:endParaRPr lang="zh-CN" altLang="en-US"/>
+          </a:p>
+        </p:txBody>
+      </p:sp>
+      <p:sp>
+        <p:nvSpPr>
+          <p:cNvPr id="13" name="矩形 12"/>
+          <p:cNvSpPr/>
+          <p:nvPr/>
+        </p:nvSpPr>
+        <p:spPr>
+          <a:xfrm>
+            <a:off x="5413248" y="1362456"/>
+            <a:ext cx="438912" cy="438912"/>
+          </a:xfrm>
+          <a:prstGeom prst="rect">
+            <a:avLst/>
+          </a:prstGeom>
+          <a:noFill/>
+          <a:ln w="9525" cap="flat" cmpd="sng" algn="ctr">
+            <a:solidFill>
+              <a:schemeClr val="accent2"/>
+            </a:solidFill>
+            <a:prstDash val="solid"/>
+            <a:round/>
+            <a:headEnd type="none" w="med" len="med"/>
+            <a:tailEnd type="none" w="med" len="med"/>
+          </a:ln>
+        </p:spPr>
+        <p:style>
+          <a:lnRef idx="0">
+            <a:scrgbClr r="0" g="0" b="0"/>
+          </a:lnRef>
+          <a:fillRef idx="0">
+            <a:scrgbClr r="0" g="0" b="0"/>
+          </a:fillRef>
+          <a:effectRef idx="0">
+            <a:scrgbClr r="0" g="0" b="0"/>
+          </a:effectRef>
+          <a:fontRef idx="minor">
+            <a:schemeClr val="accent2"/>
+          </a:fontRef>
+        </p:style>
+        <p:txBody>
+          <a:bodyPr rtlCol="0" anchor="ctr"/>
+          <a:lstStyle/>
+          <a:p>
+            <a:pPr algn="ctr"/>
+            <a:endParaRPr lang="zh-CN" altLang="en-US"/>
+          </a:p>
+        </p:txBody>
+      </p:sp>
+      <p:sp>
+        <p:nvSpPr>
+          <p:cNvPr id="14" name="文本框 13"/>
+          <p:cNvSpPr txBox="1"/>
+          <p:nvPr/>
+        </p:nvSpPr>
+        <p:spPr>
+          <a:xfrm>
+            <a:off x="1529249" y="1011412"/>
+            <a:ext cx="306494" cy="369332"/>
+          </a:xfrm>
+          <a:prstGeom prst="rect">
+            <a:avLst/>
+          </a:prstGeom>
+          <a:noFill/>
+        </p:spPr>
+        <p:txBody>
+          <a:bodyPr wrap="none" rtlCol="0">
+            <a:spAutoFit/>
+          </a:bodyPr>
+          <a:lstStyle/>
+          <a:p>
+            <a:r>
+              <a:rPr lang="en-US" altLang="zh-CN" dirty="0" smtClean="0">
+                <a:latin typeface="Times New Roman" panose="02020603050405020304" pitchFamily="18" charset="0"/>
+                <a:cs typeface="Times New Roman" panose="02020603050405020304" pitchFamily="18" charset="0"/>
+              </a:rPr>
+              <a:t>0</a:t>
+            </a:r>
+            <a:endParaRPr lang="zh-CN" altLang="en-US" dirty="0">
+              <a:latin typeface="Times New Roman" panose="02020603050405020304" pitchFamily="18" charset="0"/>
+              <a:cs typeface="Times New Roman" panose="02020603050405020304" pitchFamily="18" charset="0"/>
+            </a:endParaRPr>
+          </a:p>
+        </p:txBody>
+      </p:sp>
+      <p:sp>
+        <p:nvSpPr>
+          <p:cNvPr id="15" name="文本框 14"/>
+          <p:cNvSpPr txBox="1"/>
+          <p:nvPr/>
+        </p:nvSpPr>
+        <p:spPr>
+          <a:xfrm>
+            <a:off x="1968161" y="1011412"/>
+            <a:ext cx="300082" cy="369332"/>
+          </a:xfrm>
+          <a:prstGeom prst="rect">
+            <a:avLst/>
+          </a:prstGeom>
+          <a:noFill/>
+        </p:spPr>
+        <p:txBody>
+          <a:bodyPr wrap="none" rtlCol="0">
+            <a:spAutoFit/>
+          </a:bodyPr>
+          <a:lstStyle/>
+          <a:p>
+            <a:r>
+              <a:rPr lang="en-US" altLang="zh-CN" dirty="0">
+                <a:latin typeface="Times New Roman" panose="02020603050405020304" pitchFamily="18" charset="0"/>
+                <a:cs typeface="Times New Roman" panose="02020603050405020304" pitchFamily="18" charset="0"/>
+              </a:rPr>
+              <a:t>1</a:t>
+            </a:r>
+            <a:endParaRPr lang="zh-CN" altLang="en-US" dirty="0">
+              <a:latin typeface="Times New Roman" panose="02020603050405020304" pitchFamily="18" charset="0"/>
+              <a:cs typeface="Times New Roman" panose="02020603050405020304" pitchFamily="18" charset="0"/>
+            </a:endParaRPr>
+          </a:p>
+        </p:txBody>
+      </p:sp>
+      <p:sp>
+        <p:nvSpPr>
+          <p:cNvPr id="16" name="文本框 15"/>
+          <p:cNvSpPr txBox="1"/>
+          <p:nvPr/>
+        </p:nvSpPr>
+        <p:spPr>
+          <a:xfrm>
+            <a:off x="2413485" y="1011412"/>
+            <a:ext cx="300082" cy="369332"/>
+          </a:xfrm>
+          <a:prstGeom prst="rect">
+            <a:avLst/>
+          </a:prstGeom>
+          <a:noFill/>
+        </p:spPr>
+        <p:txBody>
+          <a:bodyPr wrap="none" rtlCol="0">
+            <a:spAutoFit/>
+          </a:bodyPr>
+          <a:lstStyle/>
+          <a:p>
+            <a:r>
+              <a:rPr lang="en-US" altLang="zh-CN" dirty="0" smtClean="0">
+                <a:latin typeface="Times New Roman" panose="02020603050405020304" pitchFamily="18" charset="0"/>
+                <a:cs typeface="Times New Roman" panose="02020603050405020304" pitchFamily="18" charset="0"/>
+              </a:rPr>
+              <a:t>2</a:t>
+            </a:r>
+            <a:endParaRPr lang="zh-CN" altLang="en-US" dirty="0">
+              <a:latin typeface="Times New Roman" panose="02020603050405020304" pitchFamily="18" charset="0"/>
+              <a:cs typeface="Times New Roman" panose="02020603050405020304" pitchFamily="18" charset="0"/>
+            </a:endParaRPr>
+          </a:p>
+        </p:txBody>
+      </p:sp>
+      <p:sp>
+        <p:nvSpPr>
+          <p:cNvPr id="17" name="文本框 16"/>
+          <p:cNvSpPr txBox="1"/>
+          <p:nvPr/>
+        </p:nvSpPr>
+        <p:spPr>
+          <a:xfrm>
+            <a:off x="2858809" y="1011412"/>
+            <a:ext cx="300082" cy="369332"/>
+          </a:xfrm>
+          <a:prstGeom prst="rect">
+            <a:avLst/>
+          </a:prstGeom>
+          <a:noFill/>
+        </p:spPr>
+        <p:txBody>
+          <a:bodyPr wrap="none" rtlCol="0">
+            <a:spAutoFit/>
+          </a:bodyPr>
+          <a:lstStyle/>
+          <a:p>
+            <a:r>
+              <a:rPr lang="en-US" altLang="zh-CN" dirty="0">
+                <a:latin typeface="Times New Roman" panose="02020603050405020304" pitchFamily="18" charset="0"/>
+                <a:cs typeface="Times New Roman" panose="02020603050405020304" pitchFamily="18" charset="0"/>
+              </a:rPr>
+              <a:t>3</a:t>
+            </a:r>
+            <a:endParaRPr lang="zh-CN" altLang="en-US" dirty="0">
+              <a:latin typeface="Times New Roman" panose="02020603050405020304" pitchFamily="18" charset="0"/>
+              <a:cs typeface="Times New Roman" panose="02020603050405020304" pitchFamily="18" charset="0"/>
+            </a:endParaRPr>
+          </a:p>
+        </p:txBody>
+      </p:sp>
+      <p:sp>
+        <p:nvSpPr>
+          <p:cNvPr id="18" name="文本框 17"/>
+          <p:cNvSpPr txBox="1"/>
+          <p:nvPr/>
+        </p:nvSpPr>
+        <p:spPr>
+          <a:xfrm>
+            <a:off x="3296716" y="1011412"/>
+            <a:ext cx="300082" cy="369332"/>
+          </a:xfrm>
+          <a:prstGeom prst="rect">
+            <a:avLst/>
+          </a:prstGeom>
+          <a:noFill/>
+        </p:spPr>
+        <p:txBody>
+          <a:bodyPr wrap="none" rtlCol="0">
+            <a:spAutoFit/>
+          </a:bodyPr>
+          <a:lstStyle/>
+          <a:p>
+            <a:r>
+              <a:rPr lang="en-US" altLang="zh-CN" dirty="0" smtClean="0">
+                <a:latin typeface="Times New Roman" panose="02020603050405020304" pitchFamily="18" charset="0"/>
+                <a:cs typeface="Times New Roman" panose="02020603050405020304" pitchFamily="18" charset="0"/>
+              </a:rPr>
+              <a:t>4</a:t>
+            </a:r>
+            <a:endParaRPr lang="zh-CN" altLang="en-US" dirty="0">
+              <a:latin typeface="Times New Roman" panose="02020603050405020304" pitchFamily="18" charset="0"/>
+              <a:cs typeface="Times New Roman" panose="02020603050405020304" pitchFamily="18" charset="0"/>
+            </a:endParaRPr>
+          </a:p>
+        </p:txBody>
+      </p:sp>
+      <p:sp>
+        <p:nvSpPr>
+          <p:cNvPr id="19" name="文本框 18"/>
+          <p:cNvSpPr txBox="1"/>
+          <p:nvPr/>
+        </p:nvSpPr>
+        <p:spPr>
+          <a:xfrm>
+            <a:off x="3735628" y="1011412"/>
+            <a:ext cx="300082" cy="369332"/>
+          </a:xfrm>
+          <a:prstGeom prst="rect">
+            <a:avLst/>
+          </a:prstGeom>
+          <a:noFill/>
+        </p:spPr>
+        <p:txBody>
+          <a:bodyPr wrap="none" rtlCol="0">
+            <a:spAutoFit/>
+          </a:bodyPr>
+          <a:lstStyle/>
+          <a:p>
+            <a:r>
+              <a:rPr lang="en-US" altLang="zh-CN" dirty="0" smtClean="0">
+                <a:latin typeface="Times New Roman" panose="02020603050405020304" pitchFamily="18" charset="0"/>
+                <a:cs typeface="Times New Roman" panose="02020603050405020304" pitchFamily="18" charset="0"/>
+              </a:rPr>
+              <a:t>5</a:t>
+            </a:r>
+            <a:endParaRPr lang="zh-CN" altLang="en-US" dirty="0">
+              <a:latin typeface="Times New Roman" panose="02020603050405020304" pitchFamily="18" charset="0"/>
+              <a:cs typeface="Times New Roman" panose="02020603050405020304" pitchFamily="18" charset="0"/>
+            </a:endParaRPr>
+          </a:p>
+        </p:txBody>
+      </p:sp>
+      <p:sp>
+        <p:nvSpPr>
+          <p:cNvPr id="20" name="文本框 19"/>
+          <p:cNvSpPr txBox="1"/>
+          <p:nvPr/>
+        </p:nvSpPr>
+        <p:spPr>
+          <a:xfrm>
+            <a:off x="4180952" y="1011412"/>
+            <a:ext cx="300082" cy="369332"/>
+          </a:xfrm>
+          <a:prstGeom prst="rect">
+            <a:avLst/>
+          </a:prstGeom>
+          <a:noFill/>
+        </p:spPr>
+        <p:txBody>
+          <a:bodyPr wrap="none" rtlCol="0">
+            <a:spAutoFit/>
+          </a:bodyPr>
+          <a:lstStyle/>
+          <a:p>
+            <a:r>
+              <a:rPr lang="en-US" altLang="zh-CN" dirty="0">
+                <a:latin typeface="Times New Roman" panose="02020603050405020304" pitchFamily="18" charset="0"/>
+                <a:cs typeface="Times New Roman" panose="02020603050405020304" pitchFamily="18" charset="0"/>
+              </a:rPr>
+              <a:t>6</a:t>
+            </a:r>
+            <a:endParaRPr lang="zh-CN" altLang="en-US" dirty="0">
+              <a:latin typeface="Times New Roman" panose="02020603050405020304" pitchFamily="18" charset="0"/>
+              <a:cs typeface="Times New Roman" panose="02020603050405020304" pitchFamily="18" charset="0"/>
+            </a:endParaRPr>
+          </a:p>
+        </p:txBody>
+      </p:sp>
+      <p:sp>
+        <p:nvSpPr>
+          <p:cNvPr id="21" name="文本框 20"/>
+          <p:cNvSpPr txBox="1"/>
+          <p:nvPr/>
+        </p:nvSpPr>
+        <p:spPr>
+          <a:xfrm>
+            <a:off x="4626276" y="1011412"/>
+            <a:ext cx="300082" cy="369332"/>
+          </a:xfrm>
+          <a:prstGeom prst="rect">
+            <a:avLst/>
+          </a:prstGeom>
+          <a:noFill/>
+        </p:spPr>
+        <p:txBody>
+          <a:bodyPr wrap="none" rtlCol="0">
+            <a:spAutoFit/>
+          </a:bodyPr>
+          <a:lstStyle/>
+          <a:p>
+            <a:r>
+              <a:rPr lang="en-US" altLang="zh-CN" dirty="0" smtClean="0">
+                <a:latin typeface="Times New Roman" panose="02020603050405020304" pitchFamily="18" charset="0"/>
+                <a:cs typeface="Times New Roman" panose="02020603050405020304" pitchFamily="18" charset="0"/>
+              </a:rPr>
+              <a:t>7</a:t>
+            </a:r>
+            <a:endParaRPr lang="zh-CN" altLang="en-US" dirty="0">
+              <a:latin typeface="Times New Roman" panose="02020603050405020304" pitchFamily="18" charset="0"/>
+              <a:cs typeface="Times New Roman" panose="02020603050405020304" pitchFamily="18" charset="0"/>
+            </a:endParaRPr>
+          </a:p>
+        </p:txBody>
+      </p:sp>
+      <p:sp>
+        <p:nvSpPr>
+          <p:cNvPr id="22" name="文本框 21"/>
+          <p:cNvSpPr txBox="1"/>
+          <p:nvPr/>
+        </p:nvSpPr>
+        <p:spPr>
+          <a:xfrm>
+            <a:off x="5052307" y="1011412"/>
+            <a:ext cx="300082" cy="369332"/>
+          </a:xfrm>
+          <a:prstGeom prst="rect">
+            <a:avLst/>
+          </a:prstGeom>
+          <a:noFill/>
+        </p:spPr>
+        <p:txBody>
+          <a:bodyPr wrap="none" rtlCol="0">
+            <a:spAutoFit/>
+          </a:bodyPr>
+          <a:lstStyle/>
+          <a:p>
+            <a:r>
+              <a:rPr lang="en-US" altLang="zh-CN" dirty="0">
+                <a:latin typeface="Times New Roman" panose="02020603050405020304" pitchFamily="18" charset="0"/>
+                <a:cs typeface="Times New Roman" panose="02020603050405020304" pitchFamily="18" charset="0"/>
+              </a:rPr>
+              <a:t>8</a:t>
+            </a:r>
+            <a:endParaRPr lang="zh-CN" altLang="en-US" dirty="0">
+              <a:latin typeface="Times New Roman" panose="02020603050405020304" pitchFamily="18" charset="0"/>
+              <a:cs typeface="Times New Roman" panose="02020603050405020304" pitchFamily="18" charset="0"/>
+            </a:endParaRPr>
+          </a:p>
+        </p:txBody>
+      </p:sp>
+      <p:sp>
+        <p:nvSpPr>
+          <p:cNvPr id="23" name="文本框 22"/>
+          <p:cNvSpPr txBox="1"/>
+          <p:nvPr/>
+        </p:nvSpPr>
+        <p:spPr>
+          <a:xfrm>
+            <a:off x="5494065" y="1011412"/>
+            <a:ext cx="300082" cy="369332"/>
+          </a:xfrm>
+          <a:prstGeom prst="rect">
+            <a:avLst/>
+          </a:prstGeom>
+          <a:noFill/>
+        </p:spPr>
+        <p:txBody>
+          <a:bodyPr wrap="none" rtlCol="0">
+            <a:spAutoFit/>
+          </a:bodyPr>
+          <a:lstStyle/>
+          <a:p>
+            <a:r>
+              <a:rPr lang="en-US" altLang="zh-CN" dirty="0" smtClean="0">
+                <a:latin typeface="Times New Roman" panose="02020603050405020304" pitchFamily="18" charset="0"/>
+                <a:cs typeface="Times New Roman" panose="02020603050405020304" pitchFamily="18" charset="0"/>
+              </a:rPr>
+              <a:t>9</a:t>
+            </a:r>
+            <a:endParaRPr lang="zh-CN" altLang="en-US" dirty="0">
+              <a:latin typeface="Times New Roman" panose="02020603050405020304" pitchFamily="18" charset="0"/>
+              <a:cs typeface="Times New Roman" panose="02020603050405020304" pitchFamily="18" charset="0"/>
+            </a:endParaRPr>
+          </a:p>
+        </p:txBody>
+      </p:sp>
+      <p:sp>
+        <p:nvSpPr>
+          <p:cNvPr id="24" name="矩形 23"/>
+          <p:cNvSpPr/>
+          <p:nvPr/>
+        </p:nvSpPr>
+        <p:spPr>
+          <a:xfrm>
+            <a:off x="5852160" y="1362456"/>
+            <a:ext cx="438912" cy="438912"/>
+          </a:xfrm>
+          <a:prstGeom prst="rect">
+            <a:avLst/>
+          </a:prstGeom>
+          <a:ln>
+            <a:prstDash val="sysDash"/>
+            <a:headEnd type="none" w="med" len="med"/>
+            <a:tailEnd type="none" w="med" len="med"/>
+          </a:ln>
+        </p:spPr>
+        <p:style>
+          <a:lnRef idx="2">
+            <a:schemeClr val="accent3"/>
+          </a:lnRef>
+          <a:fillRef idx="1">
+            <a:schemeClr val="lt1"/>
+          </a:fillRef>
+          <a:effectRef idx="0">
+            <a:schemeClr val="accent3"/>
+          </a:effectRef>
+          <a:fontRef idx="minor">
+            <a:schemeClr val="dk1"/>
+          </a:fontRef>
+        </p:style>
+        <p:txBody>
+          <a:bodyPr rtlCol="0" anchor="ctr"/>
+          <a:lstStyle/>
+          <a:p>
+            <a:pPr algn="ctr"/>
+            <a:endParaRPr lang="zh-CN" altLang="en-US"/>
+          </a:p>
+        </p:txBody>
+      </p:sp>
+      <p:sp>
+        <p:nvSpPr>
+          <p:cNvPr id="25" name="文本框 24"/>
+          <p:cNvSpPr txBox="1"/>
+          <p:nvPr/>
+        </p:nvSpPr>
+        <p:spPr>
+          <a:xfrm>
+            <a:off x="5875574" y="1011412"/>
+            <a:ext cx="415498" cy="369332"/>
+          </a:xfrm>
+          <a:prstGeom prst="rect">
+            <a:avLst/>
+          </a:prstGeom>
+          <a:noFill/>
+        </p:spPr>
+        <p:txBody>
+          <a:bodyPr wrap="none" rtlCol="0">
+            <a:spAutoFit/>
+          </a:bodyPr>
+          <a:lstStyle/>
+          <a:p>
+            <a:r>
+              <a:rPr lang="en-US" altLang="zh-CN" dirty="0" smtClean="0">
+                <a:latin typeface="Times New Roman" panose="02020603050405020304" pitchFamily="18" charset="0"/>
+                <a:cs typeface="Times New Roman" panose="02020603050405020304" pitchFamily="18" charset="0"/>
+              </a:rPr>
+              <a:t>10</a:t>
+            </a:r>
+            <a:endParaRPr lang="zh-CN" altLang="en-US" dirty="0">
+              <a:latin typeface="Times New Roman" panose="02020603050405020304" pitchFamily="18" charset="0"/>
+              <a:cs typeface="Times New Roman" panose="02020603050405020304" pitchFamily="18" charset="0"/>
+            </a:endParaRPr>
+          </a:p>
+        </p:txBody>
+      </p:sp>
+      <p:cxnSp>
+        <p:nvCxnSpPr>
+          <p:cNvPr id="34" name="直接箭头连接符 33"/>
+          <p:cNvCxnSpPr>
+            <a:endCxn id="24" idx="2"/>
+          </p:cNvCxnSpPr>
+          <p:nvPr/>
+        </p:nvCxnSpPr>
+        <p:spPr>
           <a:xfrm flipV="1">
-            <a:off x="5345679" y="1801369"/>
-            <a:ext cx="648800" cy="638686"/>
+            <a:off x="6071616" y="1801368"/>
+            <a:ext cx="0" cy="638686"/>
           </a:xfrm>
           <a:prstGeom prst="straightConnector1">
+            <a:avLst/>
+          </a:prstGeom>
+          <a:ln w="19050">
+            <a:tailEnd type="triangle"/>
+          </a:ln>
+        </p:spPr>
+        <p:style>
+          <a:lnRef idx="1">
+            <a:schemeClr val="accent1"/>
+          </a:lnRef>
+          <a:fillRef idx="0">
+            <a:schemeClr val="accent1"/>
+          </a:fillRef>
+          <a:effectRef idx="0">
+            <a:schemeClr val="accent1"/>
+          </a:effectRef>
+          <a:fontRef idx="minor">
+            <a:schemeClr val="tx1"/>
+          </a:fontRef>
+        </p:style>
+      </p:cxnSp>
+      <p:sp>
+        <p:nvSpPr>
+          <p:cNvPr id="35" name="文本框 34"/>
+          <p:cNvSpPr txBox="1"/>
+          <p:nvPr/>
+        </p:nvSpPr>
+        <p:spPr>
+          <a:xfrm>
+            <a:off x="2567752" y="3560787"/>
+            <a:ext cx="2626040" cy="338554"/>
+          </a:xfrm>
+          <a:prstGeom prst="rect">
+            <a:avLst/>
+          </a:prstGeom>
+          <a:noFill/>
+        </p:spPr>
+        <p:txBody>
+          <a:bodyPr wrap="none" rtlCol="0">
+            <a:spAutoFit/>
+          </a:bodyPr>
+          <a:lstStyle/>
+          <a:p>
+            <a:r>
+              <a:rPr lang="zh-CN" altLang="en-US" sz="1600" dirty="0" smtClean="0">
+                <a:latin typeface="Times New Roman" panose="02020603050405020304" pitchFamily="18" charset="0"/>
+                <a:cs typeface="Times New Roman" panose="02020603050405020304" pitchFamily="18" charset="0"/>
+              </a:rPr>
+              <a:t>调用 </a:t>
+            </a:r>
+            <a:r>
+              <a:rPr lang="en-US" altLang="zh-CN" sz="1600" dirty="0" smtClean="0">
+                <a:latin typeface="Times New Roman" panose="02020603050405020304" pitchFamily="18" charset="0"/>
+                <a:cs typeface="Times New Roman" panose="02020603050405020304" pitchFamily="18" charset="0"/>
+              </a:rPr>
+              <a:t>flip </a:t>
+            </a:r>
+            <a:r>
+              <a:rPr lang="zh-CN" altLang="en-US" sz="1600" dirty="0" smtClean="0">
+                <a:latin typeface="Times New Roman" panose="02020603050405020304" pitchFamily="18" charset="0"/>
+                <a:cs typeface="Times New Roman" panose="02020603050405020304" pitchFamily="18" charset="0"/>
+              </a:rPr>
+              <a:t>方法切换到读模式</a:t>
+            </a:r>
+            <a:endParaRPr lang="zh-CN" altLang="en-US" sz="1600" dirty="0">
+              <a:latin typeface="Times New Roman" panose="02020603050405020304" pitchFamily="18" charset="0"/>
+              <a:cs typeface="Times New Roman" panose="02020603050405020304" pitchFamily="18" charset="0"/>
+            </a:endParaRPr>
+          </a:p>
+        </p:txBody>
+      </p:sp>
+      <p:sp>
+        <p:nvSpPr>
+          <p:cNvPr id="44" name="圆角矩形 43"/>
+          <p:cNvSpPr/>
+          <p:nvPr/>
+        </p:nvSpPr>
+        <p:spPr>
+          <a:xfrm>
+            <a:off x="1397975" y="2454968"/>
+            <a:ext cx="536713" cy="387625"/>
+          </a:xfrm>
+          <a:prstGeom prst="roundRect">
+            <a:avLst/>
+          </a:prstGeom>
+        </p:spPr>
+        <p:style>
+          <a:lnRef idx="0">
+            <a:schemeClr val="accent6"/>
+          </a:lnRef>
+          <a:fillRef idx="3">
+            <a:schemeClr val="accent6"/>
+          </a:fillRef>
+          <a:effectRef idx="3">
+            <a:schemeClr val="accent6"/>
+          </a:effectRef>
+          <a:fontRef idx="minor">
+            <a:schemeClr val="lt1"/>
+          </a:fontRef>
+        </p:style>
+        <p:txBody>
+          <a:bodyPr rtlCol="0" anchor="ctr"/>
+          <a:lstStyle/>
+          <a:p>
+            <a:pPr algn="ctr"/>
+            <a:r>
+              <a:rPr lang="en-US" altLang="zh-CN" sz="1600" dirty="0" smtClean="0">
+                <a:latin typeface="Times New Roman" panose="02020603050405020304" pitchFamily="18" charset="0"/>
+                <a:cs typeface="Times New Roman" panose="02020603050405020304" pitchFamily="18" charset="0"/>
+              </a:rPr>
+              <a:t>-1</a:t>
+            </a:r>
+            <a:endParaRPr lang="zh-CN" altLang="en-US" sz="1600" dirty="0">
+              <a:latin typeface="Times New Roman" panose="02020603050405020304" pitchFamily="18" charset="0"/>
+              <a:cs typeface="Times New Roman" panose="02020603050405020304" pitchFamily="18" charset="0"/>
+            </a:endParaRPr>
+          </a:p>
+        </p:txBody>
+      </p:sp>
+      <p:sp>
+        <p:nvSpPr>
+          <p:cNvPr id="45" name="圆角矩形 44"/>
+          <p:cNvSpPr/>
+          <p:nvPr/>
+        </p:nvSpPr>
+        <p:spPr>
+          <a:xfrm>
+            <a:off x="2649119" y="2440054"/>
+            <a:ext cx="536713" cy="387625"/>
+          </a:xfrm>
+          <a:prstGeom prst="roundRect">
+            <a:avLst/>
+          </a:prstGeom>
+        </p:spPr>
+        <p:style>
+          <a:lnRef idx="0">
+            <a:schemeClr val="accent6"/>
+          </a:lnRef>
+          <a:fillRef idx="3">
+            <a:schemeClr val="accent6"/>
+          </a:fillRef>
+          <a:effectRef idx="3">
+            <a:schemeClr val="accent6"/>
+          </a:effectRef>
+          <a:fontRef idx="minor">
+            <a:schemeClr val="lt1"/>
+          </a:fontRef>
+        </p:style>
+        <p:txBody>
+          <a:bodyPr rtlCol="0" anchor="ctr"/>
+          <a:lstStyle/>
+          <a:p>
+            <a:pPr algn="ctr"/>
+            <a:r>
+              <a:rPr lang="en-US" altLang="zh-CN" sz="1600" dirty="0">
+                <a:latin typeface="Times New Roman" panose="02020603050405020304" pitchFamily="18" charset="0"/>
+                <a:cs typeface="Times New Roman" panose="02020603050405020304" pitchFamily="18" charset="0"/>
+              </a:rPr>
+              <a:t>0</a:t>
+            </a:r>
+            <a:endParaRPr lang="zh-CN" altLang="en-US" sz="1600" dirty="0">
+              <a:latin typeface="Times New Roman" panose="02020603050405020304" pitchFamily="18" charset="0"/>
+              <a:cs typeface="Times New Roman" panose="02020603050405020304" pitchFamily="18" charset="0"/>
+            </a:endParaRPr>
+          </a:p>
+        </p:txBody>
+      </p:sp>
+      <p:sp>
+        <p:nvSpPr>
+          <p:cNvPr id="46" name="圆角矩形 45"/>
+          <p:cNvSpPr/>
+          <p:nvPr/>
+        </p:nvSpPr>
+        <p:spPr>
+          <a:xfrm>
+            <a:off x="5803259" y="2440054"/>
+            <a:ext cx="536713" cy="387625"/>
+          </a:xfrm>
+          <a:prstGeom prst="roundRect">
+            <a:avLst/>
+          </a:prstGeom>
+        </p:spPr>
+        <p:style>
+          <a:lnRef idx="0">
+            <a:schemeClr val="accent6"/>
+          </a:lnRef>
+          <a:fillRef idx="3">
+            <a:schemeClr val="accent6"/>
+          </a:fillRef>
+          <a:effectRef idx="3">
+            <a:schemeClr val="accent6"/>
+          </a:effectRef>
+          <a:fontRef idx="minor">
+            <a:schemeClr val="lt1"/>
+          </a:fontRef>
+        </p:style>
+        <p:txBody>
+          <a:bodyPr rtlCol="0" anchor="ctr"/>
+          <a:lstStyle/>
+          <a:p>
+            <a:pPr algn="ctr"/>
+            <a:r>
+              <a:rPr lang="en-US" altLang="zh-CN" sz="1600" dirty="0" smtClean="0">
+                <a:latin typeface="Times New Roman" panose="02020603050405020304" pitchFamily="18" charset="0"/>
+                <a:cs typeface="Times New Roman" panose="02020603050405020304" pitchFamily="18" charset="0"/>
+              </a:rPr>
+              <a:t>10</a:t>
+            </a:r>
+            <a:endParaRPr lang="zh-CN" altLang="en-US" sz="1600" dirty="0">
+              <a:latin typeface="Times New Roman" panose="02020603050405020304" pitchFamily="18" charset="0"/>
+              <a:cs typeface="Times New Roman" panose="02020603050405020304" pitchFamily="18" charset="0"/>
+            </a:endParaRPr>
+          </a:p>
+        </p:txBody>
+      </p:sp>
+      <p:sp>
+        <p:nvSpPr>
+          <p:cNvPr id="47" name="圆角矩形 46"/>
+          <p:cNvSpPr/>
+          <p:nvPr/>
+        </p:nvSpPr>
+        <p:spPr>
+          <a:xfrm>
+            <a:off x="4526262" y="2430116"/>
+            <a:ext cx="536713" cy="387625"/>
+          </a:xfrm>
+          <a:prstGeom prst="roundRect">
+            <a:avLst/>
+          </a:prstGeom>
+        </p:spPr>
+        <p:style>
+          <a:lnRef idx="0">
+            <a:schemeClr val="accent6"/>
+          </a:lnRef>
+          <a:fillRef idx="3">
+            <a:schemeClr val="accent6"/>
+          </a:fillRef>
+          <a:effectRef idx="3">
+            <a:schemeClr val="accent6"/>
+          </a:effectRef>
+          <a:fontRef idx="minor">
+            <a:schemeClr val="lt1"/>
+          </a:fontRef>
+        </p:style>
+        <p:txBody>
+          <a:bodyPr rtlCol="0" anchor="ctr"/>
+          <a:lstStyle/>
+          <a:p>
+            <a:pPr algn="ctr"/>
+            <a:r>
+              <a:rPr lang="en-US" altLang="zh-CN" sz="1600" dirty="0">
+                <a:latin typeface="Times New Roman" panose="02020603050405020304" pitchFamily="18" charset="0"/>
+                <a:cs typeface="Times New Roman" panose="02020603050405020304" pitchFamily="18" charset="0"/>
+              </a:rPr>
+              <a:t>5</a:t>
+            </a:r>
+            <a:endParaRPr lang="zh-CN" altLang="en-US" sz="1600" dirty="0">
+              <a:latin typeface="Times New Roman" panose="02020603050405020304" pitchFamily="18" charset="0"/>
+              <a:cs typeface="Times New Roman" panose="02020603050405020304" pitchFamily="18" charset="0"/>
+            </a:endParaRPr>
+          </a:p>
+        </p:txBody>
+      </p:sp>
+      <p:sp>
+        <p:nvSpPr>
+          <p:cNvPr id="48" name="文本框 47"/>
+          <p:cNvSpPr txBox="1"/>
+          <p:nvPr/>
+        </p:nvSpPr>
+        <p:spPr>
+          <a:xfrm>
+            <a:off x="1325532" y="2961862"/>
+            <a:ext cx="681597" cy="338554"/>
+          </a:xfrm>
+          <a:prstGeom prst="rect">
+            <a:avLst/>
+          </a:prstGeom>
+          <a:noFill/>
+        </p:spPr>
+        <p:txBody>
+          <a:bodyPr wrap="square" rtlCol="0">
+            <a:spAutoFit/>
+          </a:bodyPr>
+          <a:lstStyle/>
+          <a:p>
+            <a:r>
+              <a:rPr lang="en-US" altLang="zh-CN" sz="1600" dirty="0" smtClean="0">
+                <a:latin typeface="Times New Roman" panose="02020603050405020304" pitchFamily="18" charset="0"/>
+                <a:cs typeface="Times New Roman" panose="02020603050405020304" pitchFamily="18" charset="0"/>
+              </a:rPr>
+              <a:t>mark</a:t>
+            </a:r>
+            <a:endParaRPr lang="zh-CN" altLang="en-US" sz="1600" dirty="0">
+              <a:latin typeface="Times New Roman" panose="02020603050405020304" pitchFamily="18" charset="0"/>
+              <a:cs typeface="Times New Roman" panose="02020603050405020304" pitchFamily="18" charset="0"/>
+            </a:endParaRPr>
+          </a:p>
+        </p:txBody>
+      </p:sp>
+      <p:sp>
+        <p:nvSpPr>
+          <p:cNvPr id="49" name="文本框 48"/>
+          <p:cNvSpPr txBox="1"/>
+          <p:nvPr/>
+        </p:nvSpPr>
+        <p:spPr>
+          <a:xfrm>
+            <a:off x="2527194" y="2932039"/>
+            <a:ext cx="926547" cy="338554"/>
+          </a:xfrm>
+          <a:prstGeom prst="rect">
+            <a:avLst/>
+          </a:prstGeom>
+          <a:noFill/>
+        </p:spPr>
+        <p:txBody>
+          <a:bodyPr wrap="square" rtlCol="0">
+            <a:spAutoFit/>
+          </a:bodyPr>
+          <a:lstStyle/>
+          <a:p>
+            <a:r>
+              <a:rPr lang="en-US" altLang="zh-CN" sz="1600" dirty="0" smtClean="0">
+                <a:latin typeface="Times New Roman" panose="02020603050405020304" pitchFamily="18" charset="0"/>
+                <a:cs typeface="Times New Roman" panose="02020603050405020304" pitchFamily="18" charset="0"/>
+              </a:rPr>
+              <a:t>position</a:t>
+            </a:r>
+            <a:endParaRPr lang="zh-CN" altLang="en-US" sz="1600" dirty="0">
+              <a:latin typeface="Times New Roman" panose="02020603050405020304" pitchFamily="18" charset="0"/>
+              <a:cs typeface="Times New Roman" panose="02020603050405020304" pitchFamily="18" charset="0"/>
+            </a:endParaRPr>
+          </a:p>
+        </p:txBody>
+      </p:sp>
+      <p:sp>
+        <p:nvSpPr>
+          <p:cNvPr id="50" name="文本框 49"/>
+          <p:cNvSpPr txBox="1"/>
+          <p:nvPr/>
+        </p:nvSpPr>
+        <p:spPr>
+          <a:xfrm>
+            <a:off x="4504811" y="2951923"/>
+            <a:ext cx="659130" cy="338554"/>
+          </a:xfrm>
+          <a:prstGeom prst="rect">
+            <a:avLst/>
+          </a:prstGeom>
+          <a:noFill/>
+        </p:spPr>
+        <p:txBody>
+          <a:bodyPr wrap="square" rtlCol="0">
+            <a:spAutoFit/>
+          </a:bodyPr>
+          <a:lstStyle/>
+          <a:p>
+            <a:r>
+              <a:rPr lang="en-US" altLang="zh-CN" sz="1600" dirty="0" smtClean="0">
+                <a:latin typeface="Times New Roman" panose="02020603050405020304" pitchFamily="18" charset="0"/>
+                <a:cs typeface="Times New Roman" panose="02020603050405020304" pitchFamily="18" charset="0"/>
+              </a:rPr>
+              <a:t>limit</a:t>
+            </a:r>
+            <a:endParaRPr lang="zh-CN" altLang="en-US" sz="1600" dirty="0">
+              <a:latin typeface="Times New Roman" panose="02020603050405020304" pitchFamily="18" charset="0"/>
+              <a:cs typeface="Times New Roman" panose="02020603050405020304" pitchFamily="18" charset="0"/>
+            </a:endParaRPr>
+          </a:p>
+        </p:txBody>
+      </p:sp>
+      <p:sp>
+        <p:nvSpPr>
+          <p:cNvPr id="51" name="文本框 50"/>
+          <p:cNvSpPr txBox="1"/>
+          <p:nvPr/>
+        </p:nvSpPr>
+        <p:spPr>
+          <a:xfrm>
+            <a:off x="5650367" y="2951923"/>
+            <a:ext cx="955155" cy="338554"/>
+          </a:xfrm>
+          <a:prstGeom prst="rect">
+            <a:avLst/>
+          </a:prstGeom>
+          <a:noFill/>
+        </p:spPr>
+        <p:txBody>
+          <a:bodyPr wrap="square" rtlCol="0">
+            <a:spAutoFit/>
+          </a:bodyPr>
+          <a:lstStyle/>
+          <a:p>
+            <a:r>
+              <a:rPr lang="en-US" altLang="zh-CN" sz="1600" dirty="0" smtClean="0">
+                <a:latin typeface="Times New Roman" panose="02020603050405020304" pitchFamily="18" charset="0"/>
+                <a:cs typeface="Times New Roman" panose="02020603050405020304" pitchFamily="18" charset="0"/>
+              </a:rPr>
+              <a:t>capacity</a:t>
+            </a:r>
+            <a:endParaRPr lang="zh-CN" altLang="en-US" sz="1600" dirty="0">
+              <a:latin typeface="Times New Roman" panose="02020603050405020304" pitchFamily="18" charset="0"/>
+              <a:cs typeface="Times New Roman" panose="02020603050405020304" pitchFamily="18" charset="0"/>
+            </a:endParaRPr>
+          </a:p>
+        </p:txBody>
+      </p:sp>
+      <p:cxnSp>
+        <p:nvCxnSpPr>
+          <p:cNvPr id="53" name="肘形连接符 52"/>
+          <p:cNvCxnSpPr>
+            <a:stCxn id="47" idx="0"/>
+            <a:endCxn id="9" idx="2"/>
+          </p:cNvCxnSpPr>
+          <p:nvPr/>
+        </p:nvCxnSpPr>
+        <p:spPr>
+          <a:xfrm rot="16200000" flipV="1">
+            <a:off x="4021464" y="1656960"/>
+            <a:ext cx="628748" cy="917563"/>
+          </a:xfrm>
+          <a:prstGeom prst="bentConnector3">
             <a:avLst/>
           </a:prstGeom>
           <a:ln w="19050">
@@ -5698,19 +7179,19 @@
       </p:cxnSp>
       <p:cxnSp>
         <p:nvCxnSpPr>
-          <p:cNvPr id="70" name="直接箭头连接符 69"/>
+          <p:cNvPr id="57" name="肘形连接符 56"/>
           <p:cNvCxnSpPr>
-            <a:stCxn id="62" idx="0"/>
-            <a:endCxn id="58" idx="2"/>
+            <a:stCxn id="45" idx="0"/>
+            <a:endCxn id="4" idx="2"/>
           </p:cNvCxnSpPr>
           <p:nvPr/>
         </p:nvCxnSpPr>
         <p:spPr>
-          <a:xfrm flipV="1">
-            <a:off x="6071616" y="1801368"/>
-            <a:ext cx="0" cy="638686"/>
-          </a:xfrm>
-          <a:prstGeom prst="straightConnector1">
+          <a:xfrm rot="16200000" flipV="1">
+            <a:off x="1980643" y="1503221"/>
+            <a:ext cx="638686" cy="1234980"/>
+          </a:xfrm>
+          <a:prstGeom prst="bentConnector3">
             <a:avLst/>
           </a:prstGeom>
           <a:ln w="19050">
@@ -5732,16 +7213,506 @@
           </a:fontRef>
         </p:style>
       </p:cxnSp>
-      <p:sp>
-        <p:nvSpPr>
-          <p:cNvPr id="71" name="文本框 70"/>
+    </p:spTree>
+    <p:extLst>
+      <p:ext uri="{BB962C8B-B14F-4D97-AF65-F5344CB8AC3E}">
+        <p14:creationId xmlns:p14="http://schemas.microsoft.com/office/powerpoint/2010/main" val="2140878957"/>
+      </p:ext>
+    </p:extLst>
+  </p:cSld>
+  <p:clrMapOvr>
+    <a:masterClrMapping/>
+  </p:clrMapOvr>
+</p:sld>
+</file>
+
+<file path=ppt/slides/slide4.xml><?xml version="1.0" encoding="utf-8"?>
+<p:sld xmlns:a="http://schemas.openxmlformats.org/drawingml/2006/main" xmlns:r="http://schemas.openxmlformats.org/officeDocument/2006/relationships" xmlns:p="http://schemas.openxmlformats.org/presentationml/2006/main">
+  <p:cSld>
+    <p:spTree>
+      <p:nvGrpSpPr>
+        <p:cNvPr id="1" name=""/>
+        <p:cNvGrpSpPr/>
+        <p:nvPr/>
+      </p:nvGrpSpPr>
+      <p:grpSpPr>
+        <a:xfrm>
+          <a:off x="0" y="0"/>
+          <a:ext cx="0" cy="0"/>
+          <a:chOff x="0" y="0"/>
+          <a:chExt cx="0" cy="0"/>
+        </a:xfrm>
+      </p:grpSpPr>
+      <p:sp>
+        <p:nvSpPr>
+          <p:cNvPr id="4" name="矩形 3"/>
+          <p:cNvSpPr/>
+          <p:nvPr/>
+        </p:nvSpPr>
+        <p:spPr>
+          <a:xfrm>
+            <a:off x="1463040" y="1362456"/>
+            <a:ext cx="438912" cy="438912"/>
+          </a:xfrm>
+          <a:prstGeom prst="rect">
+            <a:avLst/>
+          </a:prstGeom>
+          <a:ln>
+            <a:headEnd type="none" w="med" len="med"/>
+            <a:tailEnd type="none" w="med" len="med"/>
+          </a:ln>
+        </p:spPr>
+        <p:style>
+          <a:lnRef idx="2">
+            <a:schemeClr val="accent2">
+              <a:shade val="50000"/>
+            </a:schemeClr>
+          </a:lnRef>
+          <a:fillRef idx="1">
+            <a:schemeClr val="accent2"/>
+          </a:fillRef>
+          <a:effectRef idx="0">
+            <a:schemeClr val="accent2"/>
+          </a:effectRef>
+          <a:fontRef idx="minor">
+            <a:schemeClr val="lt1"/>
+          </a:fontRef>
+        </p:style>
+        <p:txBody>
+          <a:bodyPr rtlCol="0" anchor="ctr"/>
+          <a:lstStyle/>
+          <a:p>
+            <a:pPr algn="ctr"/>
+            <a:endParaRPr lang="zh-CN" altLang="en-US"/>
+          </a:p>
+        </p:txBody>
+      </p:sp>
+      <p:sp>
+        <p:nvSpPr>
+          <p:cNvPr id="5" name="矩形 4"/>
+          <p:cNvSpPr/>
+          <p:nvPr/>
+        </p:nvSpPr>
+        <p:spPr>
+          <a:xfrm>
+            <a:off x="1901952" y="1362456"/>
+            <a:ext cx="438912" cy="438912"/>
+          </a:xfrm>
+          <a:prstGeom prst="rect">
+            <a:avLst/>
+          </a:prstGeom>
+          <a:ln>
+            <a:headEnd type="none" w="med" len="med"/>
+            <a:tailEnd type="none" w="med" len="med"/>
+          </a:ln>
+        </p:spPr>
+        <p:style>
+          <a:lnRef idx="2">
+            <a:schemeClr val="accent2">
+              <a:shade val="50000"/>
+            </a:schemeClr>
+          </a:lnRef>
+          <a:fillRef idx="1">
+            <a:schemeClr val="accent2"/>
+          </a:fillRef>
+          <a:effectRef idx="0">
+            <a:schemeClr val="accent2"/>
+          </a:effectRef>
+          <a:fontRef idx="minor">
+            <a:schemeClr val="lt1"/>
+          </a:fontRef>
+        </p:style>
+        <p:txBody>
+          <a:bodyPr rtlCol="0" anchor="ctr"/>
+          <a:lstStyle/>
+          <a:p>
+            <a:pPr algn="ctr"/>
+            <a:endParaRPr lang="zh-CN" altLang="en-US"/>
+          </a:p>
+        </p:txBody>
+      </p:sp>
+      <p:sp>
+        <p:nvSpPr>
+          <p:cNvPr id="6" name="矩形 5"/>
+          <p:cNvSpPr/>
+          <p:nvPr/>
+        </p:nvSpPr>
+        <p:spPr>
+          <a:xfrm>
+            <a:off x="2340864" y="1362456"/>
+            <a:ext cx="438912" cy="438912"/>
+          </a:xfrm>
+          <a:prstGeom prst="rect">
+            <a:avLst/>
+          </a:prstGeom>
+          <a:ln>
+            <a:headEnd type="none" w="med" len="med"/>
+            <a:tailEnd type="none" w="med" len="med"/>
+          </a:ln>
+        </p:spPr>
+        <p:style>
+          <a:lnRef idx="2">
+            <a:schemeClr val="accent2">
+              <a:shade val="50000"/>
+            </a:schemeClr>
+          </a:lnRef>
+          <a:fillRef idx="1">
+            <a:schemeClr val="accent2"/>
+          </a:fillRef>
+          <a:effectRef idx="0">
+            <a:schemeClr val="accent2"/>
+          </a:effectRef>
+          <a:fontRef idx="minor">
+            <a:schemeClr val="lt1"/>
+          </a:fontRef>
+        </p:style>
+        <p:txBody>
+          <a:bodyPr rtlCol="0" anchor="ctr"/>
+          <a:lstStyle/>
+          <a:p>
+            <a:pPr algn="ctr"/>
+            <a:endParaRPr lang="zh-CN" altLang="en-US"/>
+          </a:p>
+        </p:txBody>
+      </p:sp>
+      <p:sp>
+        <p:nvSpPr>
+          <p:cNvPr id="7" name="矩形 6"/>
+          <p:cNvSpPr/>
+          <p:nvPr/>
+        </p:nvSpPr>
+        <p:spPr>
+          <a:xfrm>
+            <a:off x="2779776" y="1362456"/>
+            <a:ext cx="438912" cy="438912"/>
+          </a:xfrm>
+          <a:prstGeom prst="rect">
+            <a:avLst/>
+          </a:prstGeom>
+          <a:ln>
+            <a:headEnd type="none" w="med" len="med"/>
+            <a:tailEnd type="none" w="med" len="med"/>
+          </a:ln>
+        </p:spPr>
+        <p:style>
+          <a:lnRef idx="2">
+            <a:schemeClr val="accent2">
+              <a:shade val="50000"/>
+            </a:schemeClr>
+          </a:lnRef>
+          <a:fillRef idx="1">
+            <a:schemeClr val="accent2"/>
+          </a:fillRef>
+          <a:effectRef idx="0">
+            <a:schemeClr val="accent2"/>
+          </a:effectRef>
+          <a:fontRef idx="minor">
+            <a:schemeClr val="lt1"/>
+          </a:fontRef>
+        </p:style>
+        <p:txBody>
+          <a:bodyPr rtlCol="0" anchor="ctr"/>
+          <a:lstStyle/>
+          <a:p>
+            <a:pPr algn="ctr"/>
+            <a:endParaRPr lang="zh-CN" altLang="en-US"/>
+          </a:p>
+        </p:txBody>
+      </p:sp>
+      <p:sp>
+        <p:nvSpPr>
+          <p:cNvPr id="8" name="矩形 7"/>
+          <p:cNvSpPr/>
+          <p:nvPr/>
+        </p:nvSpPr>
+        <p:spPr>
+          <a:xfrm>
+            <a:off x="3218688" y="1362456"/>
+            <a:ext cx="438912" cy="438912"/>
+          </a:xfrm>
+          <a:prstGeom prst="rect">
+            <a:avLst/>
+          </a:prstGeom>
+          <a:ln>
+            <a:headEnd type="none" w="med" len="med"/>
+            <a:tailEnd type="none" w="med" len="med"/>
+          </a:ln>
+        </p:spPr>
+        <p:style>
+          <a:lnRef idx="2">
+            <a:schemeClr val="accent2">
+              <a:shade val="50000"/>
+            </a:schemeClr>
+          </a:lnRef>
+          <a:fillRef idx="1">
+            <a:schemeClr val="accent2"/>
+          </a:fillRef>
+          <a:effectRef idx="0">
+            <a:schemeClr val="accent2"/>
+          </a:effectRef>
+          <a:fontRef idx="minor">
+            <a:schemeClr val="lt1"/>
+          </a:fontRef>
+        </p:style>
+        <p:txBody>
+          <a:bodyPr rtlCol="0" anchor="ctr"/>
+          <a:lstStyle/>
+          <a:p>
+            <a:pPr algn="ctr"/>
+            <a:endParaRPr lang="zh-CN" altLang="en-US"/>
+          </a:p>
+        </p:txBody>
+      </p:sp>
+      <p:sp>
+        <p:nvSpPr>
+          <p:cNvPr id="9" name="矩形 8"/>
+          <p:cNvSpPr/>
+          <p:nvPr/>
+        </p:nvSpPr>
+        <p:spPr>
+          <a:xfrm>
+            <a:off x="3657600" y="1362456"/>
+            <a:ext cx="438912" cy="438912"/>
+          </a:xfrm>
+          <a:prstGeom prst="rect">
+            <a:avLst/>
+          </a:prstGeom>
+          <a:noFill/>
+          <a:ln w="9525" cap="flat" cmpd="sng" algn="ctr">
+            <a:solidFill>
+              <a:schemeClr val="accent2"/>
+            </a:solidFill>
+            <a:prstDash val="solid"/>
+            <a:round/>
+            <a:headEnd type="none" w="med" len="med"/>
+            <a:tailEnd type="none" w="med" len="med"/>
+          </a:ln>
+        </p:spPr>
+        <p:style>
+          <a:lnRef idx="0">
+            <a:scrgbClr r="0" g="0" b="0"/>
+          </a:lnRef>
+          <a:fillRef idx="0">
+            <a:scrgbClr r="0" g="0" b="0"/>
+          </a:fillRef>
+          <a:effectRef idx="0">
+            <a:scrgbClr r="0" g="0" b="0"/>
+          </a:effectRef>
+          <a:fontRef idx="minor">
+            <a:schemeClr val="accent2"/>
+          </a:fontRef>
+        </p:style>
+        <p:txBody>
+          <a:bodyPr rtlCol="0" anchor="ctr"/>
+          <a:lstStyle/>
+          <a:p>
+            <a:pPr algn="ctr"/>
+            <a:endParaRPr lang="zh-CN" altLang="en-US"/>
+          </a:p>
+        </p:txBody>
+      </p:sp>
+      <p:sp>
+        <p:nvSpPr>
+          <p:cNvPr id="10" name="矩形 9"/>
+          <p:cNvSpPr/>
+          <p:nvPr/>
+        </p:nvSpPr>
+        <p:spPr>
+          <a:xfrm>
+            <a:off x="4096512" y="1362456"/>
+            <a:ext cx="438912" cy="438912"/>
+          </a:xfrm>
+          <a:prstGeom prst="rect">
+            <a:avLst/>
+          </a:prstGeom>
+          <a:noFill/>
+          <a:ln w="9525" cap="flat" cmpd="sng" algn="ctr">
+            <a:solidFill>
+              <a:schemeClr val="accent2"/>
+            </a:solidFill>
+            <a:prstDash val="solid"/>
+            <a:round/>
+            <a:headEnd type="none" w="med" len="med"/>
+            <a:tailEnd type="none" w="med" len="med"/>
+          </a:ln>
+        </p:spPr>
+        <p:style>
+          <a:lnRef idx="0">
+            <a:scrgbClr r="0" g="0" b="0"/>
+          </a:lnRef>
+          <a:fillRef idx="0">
+            <a:scrgbClr r="0" g="0" b="0"/>
+          </a:fillRef>
+          <a:effectRef idx="0">
+            <a:scrgbClr r="0" g="0" b="0"/>
+          </a:effectRef>
+          <a:fontRef idx="minor">
+            <a:schemeClr val="accent2"/>
+          </a:fontRef>
+        </p:style>
+        <p:txBody>
+          <a:bodyPr rtlCol="0" anchor="ctr"/>
+          <a:lstStyle/>
+          <a:p>
+            <a:pPr algn="ctr"/>
+            <a:endParaRPr lang="zh-CN" altLang="en-US"/>
+          </a:p>
+        </p:txBody>
+      </p:sp>
+      <p:sp>
+        <p:nvSpPr>
+          <p:cNvPr id="11" name="矩形 10"/>
+          <p:cNvSpPr/>
+          <p:nvPr/>
+        </p:nvSpPr>
+        <p:spPr>
+          <a:xfrm>
+            <a:off x="4535424" y="1362456"/>
+            <a:ext cx="438912" cy="438912"/>
+          </a:xfrm>
+          <a:prstGeom prst="rect">
+            <a:avLst/>
+          </a:prstGeom>
+          <a:noFill/>
+          <a:ln w="9525" cap="flat" cmpd="sng" algn="ctr">
+            <a:solidFill>
+              <a:schemeClr val="accent2"/>
+            </a:solidFill>
+            <a:prstDash val="solid"/>
+            <a:round/>
+            <a:headEnd type="none" w="med" len="med"/>
+            <a:tailEnd type="none" w="med" len="med"/>
+          </a:ln>
+        </p:spPr>
+        <p:style>
+          <a:lnRef idx="0">
+            <a:scrgbClr r="0" g="0" b="0"/>
+          </a:lnRef>
+          <a:fillRef idx="0">
+            <a:scrgbClr r="0" g="0" b="0"/>
+          </a:fillRef>
+          <a:effectRef idx="0">
+            <a:scrgbClr r="0" g="0" b="0"/>
+          </a:effectRef>
+          <a:fontRef idx="minor">
+            <a:schemeClr val="accent2"/>
+          </a:fontRef>
+        </p:style>
+        <p:txBody>
+          <a:bodyPr rtlCol="0" anchor="ctr"/>
+          <a:lstStyle/>
+          <a:p>
+            <a:pPr algn="ctr"/>
+            <a:endParaRPr lang="zh-CN" altLang="en-US"/>
+          </a:p>
+        </p:txBody>
+      </p:sp>
+      <p:sp>
+        <p:nvSpPr>
+          <p:cNvPr id="12" name="矩形 11"/>
+          <p:cNvSpPr/>
+          <p:nvPr/>
+        </p:nvSpPr>
+        <p:spPr>
+          <a:xfrm>
+            <a:off x="4974336" y="1362456"/>
+            <a:ext cx="438912" cy="438912"/>
+          </a:xfrm>
+          <a:prstGeom prst="rect">
+            <a:avLst/>
+          </a:prstGeom>
+          <a:noFill/>
+          <a:ln w="9525" cap="flat" cmpd="sng" algn="ctr">
+            <a:solidFill>
+              <a:schemeClr val="accent2"/>
+            </a:solidFill>
+            <a:prstDash val="solid"/>
+            <a:round/>
+            <a:headEnd type="none" w="med" len="med"/>
+            <a:tailEnd type="none" w="med" len="med"/>
+          </a:ln>
+        </p:spPr>
+        <p:style>
+          <a:lnRef idx="0">
+            <a:scrgbClr r="0" g="0" b="0"/>
+          </a:lnRef>
+          <a:fillRef idx="0">
+            <a:scrgbClr r="0" g="0" b="0"/>
+          </a:fillRef>
+          <a:effectRef idx="0">
+            <a:scrgbClr r="0" g="0" b="0"/>
+          </a:effectRef>
+          <a:fontRef idx="minor">
+            <a:schemeClr val="accent2"/>
+          </a:fontRef>
+        </p:style>
+        <p:txBody>
+          <a:bodyPr rtlCol="0" anchor="ctr"/>
+          <a:lstStyle/>
+          <a:p>
+            <a:pPr algn="ctr"/>
+            <a:endParaRPr lang="zh-CN" altLang="en-US"/>
+          </a:p>
+        </p:txBody>
+      </p:sp>
+      <p:sp>
+        <p:nvSpPr>
+          <p:cNvPr id="13" name="矩形 12"/>
+          <p:cNvSpPr/>
+          <p:nvPr/>
+        </p:nvSpPr>
+        <p:spPr>
+          <a:xfrm>
+            <a:off x="5413248" y="1362456"/>
+            <a:ext cx="438912" cy="438912"/>
+          </a:xfrm>
+          <a:prstGeom prst="rect">
+            <a:avLst/>
+          </a:prstGeom>
+          <a:noFill/>
+          <a:ln w="9525" cap="flat" cmpd="sng" algn="ctr">
+            <a:solidFill>
+              <a:schemeClr val="accent2"/>
+            </a:solidFill>
+            <a:prstDash val="solid"/>
+            <a:round/>
+            <a:headEnd type="none" w="med" len="med"/>
+            <a:tailEnd type="none" w="med" len="med"/>
+          </a:ln>
+        </p:spPr>
+        <p:style>
+          <a:lnRef idx="0">
+            <a:scrgbClr r="0" g="0" b="0"/>
+          </a:lnRef>
+          <a:fillRef idx="0">
+            <a:scrgbClr r="0" g="0" b="0"/>
+          </a:fillRef>
+          <a:effectRef idx="0">
+            <a:scrgbClr r="0" g="0" b="0"/>
+          </a:effectRef>
+          <a:fontRef idx="minor">
+            <a:schemeClr val="accent2"/>
+          </a:fontRef>
+        </p:style>
+        <p:txBody>
+          <a:bodyPr rtlCol="0" anchor="ctr"/>
+          <a:lstStyle/>
+          <a:p>
+            <a:pPr algn="ctr"/>
+            <a:endParaRPr lang="zh-CN" altLang="en-US"/>
+          </a:p>
+        </p:txBody>
+      </p:sp>
+      <p:sp>
+        <p:nvSpPr>
+          <p:cNvPr id="14" name="文本框 13"/>
           <p:cNvSpPr txBox="1"/>
           <p:nvPr/>
         </p:nvSpPr>
         <p:spPr>
           <a:xfrm>
-            <a:off x="2319501" y="3548270"/>
-            <a:ext cx="3877985" cy="338554"/>
+            <a:off x="1529249" y="1011412"/>
+            <a:ext cx="306494" cy="369332"/>
           </a:xfrm>
           <a:prstGeom prst="rect">
             <a:avLst/>
@@ -5755,25 +7726,497 @@
           <a:lstStyle/>
           <a:p>
             <a:r>
+              <a:rPr lang="en-US" altLang="zh-CN" dirty="0" smtClean="0">
+                <a:latin typeface="Times New Roman" panose="02020603050405020304" pitchFamily="18" charset="0"/>
+                <a:cs typeface="Times New Roman" panose="02020603050405020304" pitchFamily="18" charset="0"/>
+              </a:rPr>
+              <a:t>0</a:t>
+            </a:r>
+            <a:endParaRPr lang="zh-CN" altLang="en-US" dirty="0">
+              <a:latin typeface="Times New Roman" panose="02020603050405020304" pitchFamily="18" charset="0"/>
+              <a:cs typeface="Times New Roman" panose="02020603050405020304" pitchFamily="18" charset="0"/>
+            </a:endParaRPr>
+          </a:p>
+        </p:txBody>
+      </p:sp>
+      <p:sp>
+        <p:nvSpPr>
+          <p:cNvPr id="15" name="文本框 14"/>
+          <p:cNvSpPr txBox="1"/>
+          <p:nvPr/>
+        </p:nvSpPr>
+        <p:spPr>
+          <a:xfrm>
+            <a:off x="1968161" y="1011412"/>
+            <a:ext cx="300082" cy="369332"/>
+          </a:xfrm>
+          <a:prstGeom prst="rect">
+            <a:avLst/>
+          </a:prstGeom>
+          <a:noFill/>
+        </p:spPr>
+        <p:txBody>
+          <a:bodyPr wrap="none" rtlCol="0">
+            <a:spAutoFit/>
+          </a:bodyPr>
+          <a:lstStyle/>
+          <a:p>
+            <a:r>
+              <a:rPr lang="en-US" altLang="zh-CN" dirty="0">
+                <a:latin typeface="Times New Roman" panose="02020603050405020304" pitchFamily="18" charset="0"/>
+                <a:cs typeface="Times New Roman" panose="02020603050405020304" pitchFamily="18" charset="0"/>
+              </a:rPr>
+              <a:t>1</a:t>
+            </a:r>
+            <a:endParaRPr lang="zh-CN" altLang="en-US" dirty="0">
+              <a:latin typeface="Times New Roman" panose="02020603050405020304" pitchFamily="18" charset="0"/>
+              <a:cs typeface="Times New Roman" panose="02020603050405020304" pitchFamily="18" charset="0"/>
+            </a:endParaRPr>
+          </a:p>
+        </p:txBody>
+      </p:sp>
+      <p:sp>
+        <p:nvSpPr>
+          <p:cNvPr id="16" name="文本框 15"/>
+          <p:cNvSpPr txBox="1"/>
+          <p:nvPr/>
+        </p:nvSpPr>
+        <p:spPr>
+          <a:xfrm>
+            <a:off x="2413485" y="1011412"/>
+            <a:ext cx="300082" cy="369332"/>
+          </a:xfrm>
+          <a:prstGeom prst="rect">
+            <a:avLst/>
+          </a:prstGeom>
+          <a:noFill/>
+        </p:spPr>
+        <p:txBody>
+          <a:bodyPr wrap="none" rtlCol="0">
+            <a:spAutoFit/>
+          </a:bodyPr>
+          <a:lstStyle/>
+          <a:p>
+            <a:r>
+              <a:rPr lang="en-US" altLang="zh-CN" dirty="0" smtClean="0">
+                <a:latin typeface="Times New Roman" panose="02020603050405020304" pitchFamily="18" charset="0"/>
+                <a:cs typeface="Times New Roman" panose="02020603050405020304" pitchFamily="18" charset="0"/>
+              </a:rPr>
+              <a:t>2</a:t>
+            </a:r>
+            <a:endParaRPr lang="zh-CN" altLang="en-US" dirty="0">
+              <a:latin typeface="Times New Roman" panose="02020603050405020304" pitchFamily="18" charset="0"/>
+              <a:cs typeface="Times New Roman" panose="02020603050405020304" pitchFamily="18" charset="0"/>
+            </a:endParaRPr>
+          </a:p>
+        </p:txBody>
+      </p:sp>
+      <p:sp>
+        <p:nvSpPr>
+          <p:cNvPr id="17" name="文本框 16"/>
+          <p:cNvSpPr txBox="1"/>
+          <p:nvPr/>
+        </p:nvSpPr>
+        <p:spPr>
+          <a:xfrm>
+            <a:off x="2858809" y="1011412"/>
+            <a:ext cx="300082" cy="369332"/>
+          </a:xfrm>
+          <a:prstGeom prst="rect">
+            <a:avLst/>
+          </a:prstGeom>
+          <a:noFill/>
+        </p:spPr>
+        <p:txBody>
+          <a:bodyPr wrap="none" rtlCol="0">
+            <a:spAutoFit/>
+          </a:bodyPr>
+          <a:lstStyle/>
+          <a:p>
+            <a:r>
+              <a:rPr lang="en-US" altLang="zh-CN" dirty="0">
+                <a:latin typeface="Times New Roman" panose="02020603050405020304" pitchFamily="18" charset="0"/>
+                <a:cs typeface="Times New Roman" panose="02020603050405020304" pitchFamily="18" charset="0"/>
+              </a:rPr>
+              <a:t>3</a:t>
+            </a:r>
+            <a:endParaRPr lang="zh-CN" altLang="en-US" dirty="0">
+              <a:latin typeface="Times New Roman" panose="02020603050405020304" pitchFamily="18" charset="0"/>
+              <a:cs typeface="Times New Roman" panose="02020603050405020304" pitchFamily="18" charset="0"/>
+            </a:endParaRPr>
+          </a:p>
+        </p:txBody>
+      </p:sp>
+      <p:sp>
+        <p:nvSpPr>
+          <p:cNvPr id="18" name="文本框 17"/>
+          <p:cNvSpPr txBox="1"/>
+          <p:nvPr/>
+        </p:nvSpPr>
+        <p:spPr>
+          <a:xfrm>
+            <a:off x="3296716" y="1011412"/>
+            <a:ext cx="300082" cy="369332"/>
+          </a:xfrm>
+          <a:prstGeom prst="rect">
+            <a:avLst/>
+          </a:prstGeom>
+          <a:noFill/>
+        </p:spPr>
+        <p:txBody>
+          <a:bodyPr wrap="none" rtlCol="0">
+            <a:spAutoFit/>
+          </a:bodyPr>
+          <a:lstStyle/>
+          <a:p>
+            <a:r>
+              <a:rPr lang="en-US" altLang="zh-CN" dirty="0" smtClean="0">
+                <a:latin typeface="Times New Roman" panose="02020603050405020304" pitchFamily="18" charset="0"/>
+                <a:cs typeface="Times New Roman" panose="02020603050405020304" pitchFamily="18" charset="0"/>
+              </a:rPr>
+              <a:t>4</a:t>
+            </a:r>
+            <a:endParaRPr lang="zh-CN" altLang="en-US" dirty="0">
+              <a:latin typeface="Times New Roman" panose="02020603050405020304" pitchFamily="18" charset="0"/>
+              <a:cs typeface="Times New Roman" panose="02020603050405020304" pitchFamily="18" charset="0"/>
+            </a:endParaRPr>
+          </a:p>
+        </p:txBody>
+      </p:sp>
+      <p:sp>
+        <p:nvSpPr>
+          <p:cNvPr id="19" name="文本框 18"/>
+          <p:cNvSpPr txBox="1"/>
+          <p:nvPr/>
+        </p:nvSpPr>
+        <p:spPr>
+          <a:xfrm>
+            <a:off x="3735628" y="1011412"/>
+            <a:ext cx="300082" cy="369332"/>
+          </a:xfrm>
+          <a:prstGeom prst="rect">
+            <a:avLst/>
+          </a:prstGeom>
+          <a:noFill/>
+        </p:spPr>
+        <p:txBody>
+          <a:bodyPr wrap="none" rtlCol="0">
+            <a:spAutoFit/>
+          </a:bodyPr>
+          <a:lstStyle/>
+          <a:p>
+            <a:r>
+              <a:rPr lang="en-US" altLang="zh-CN" dirty="0" smtClean="0">
+                <a:latin typeface="Times New Roman" panose="02020603050405020304" pitchFamily="18" charset="0"/>
+                <a:cs typeface="Times New Roman" panose="02020603050405020304" pitchFamily="18" charset="0"/>
+              </a:rPr>
+              <a:t>5</a:t>
+            </a:r>
+            <a:endParaRPr lang="zh-CN" altLang="en-US" dirty="0">
+              <a:latin typeface="Times New Roman" panose="02020603050405020304" pitchFamily="18" charset="0"/>
+              <a:cs typeface="Times New Roman" panose="02020603050405020304" pitchFamily="18" charset="0"/>
+            </a:endParaRPr>
+          </a:p>
+        </p:txBody>
+      </p:sp>
+      <p:sp>
+        <p:nvSpPr>
+          <p:cNvPr id="20" name="文本框 19"/>
+          <p:cNvSpPr txBox="1"/>
+          <p:nvPr/>
+        </p:nvSpPr>
+        <p:spPr>
+          <a:xfrm>
+            <a:off x="4180952" y="1011412"/>
+            <a:ext cx="300082" cy="369332"/>
+          </a:xfrm>
+          <a:prstGeom prst="rect">
+            <a:avLst/>
+          </a:prstGeom>
+          <a:noFill/>
+        </p:spPr>
+        <p:txBody>
+          <a:bodyPr wrap="none" rtlCol="0">
+            <a:spAutoFit/>
+          </a:bodyPr>
+          <a:lstStyle/>
+          <a:p>
+            <a:r>
+              <a:rPr lang="en-US" altLang="zh-CN" dirty="0">
+                <a:latin typeface="Times New Roman" panose="02020603050405020304" pitchFamily="18" charset="0"/>
+                <a:cs typeface="Times New Roman" panose="02020603050405020304" pitchFamily="18" charset="0"/>
+              </a:rPr>
+              <a:t>6</a:t>
+            </a:r>
+            <a:endParaRPr lang="zh-CN" altLang="en-US" dirty="0">
+              <a:latin typeface="Times New Roman" panose="02020603050405020304" pitchFamily="18" charset="0"/>
+              <a:cs typeface="Times New Roman" panose="02020603050405020304" pitchFamily="18" charset="0"/>
+            </a:endParaRPr>
+          </a:p>
+        </p:txBody>
+      </p:sp>
+      <p:sp>
+        <p:nvSpPr>
+          <p:cNvPr id="21" name="文本框 20"/>
+          <p:cNvSpPr txBox="1"/>
+          <p:nvPr/>
+        </p:nvSpPr>
+        <p:spPr>
+          <a:xfrm>
+            <a:off x="4626276" y="1011412"/>
+            <a:ext cx="300082" cy="369332"/>
+          </a:xfrm>
+          <a:prstGeom prst="rect">
+            <a:avLst/>
+          </a:prstGeom>
+          <a:noFill/>
+        </p:spPr>
+        <p:txBody>
+          <a:bodyPr wrap="none" rtlCol="0">
+            <a:spAutoFit/>
+          </a:bodyPr>
+          <a:lstStyle/>
+          <a:p>
+            <a:r>
+              <a:rPr lang="en-US" altLang="zh-CN" dirty="0" smtClean="0">
+                <a:latin typeface="Times New Roman" panose="02020603050405020304" pitchFamily="18" charset="0"/>
+                <a:cs typeface="Times New Roman" panose="02020603050405020304" pitchFamily="18" charset="0"/>
+              </a:rPr>
+              <a:t>7</a:t>
+            </a:r>
+            <a:endParaRPr lang="zh-CN" altLang="en-US" dirty="0">
+              <a:latin typeface="Times New Roman" panose="02020603050405020304" pitchFamily="18" charset="0"/>
+              <a:cs typeface="Times New Roman" panose="02020603050405020304" pitchFamily="18" charset="0"/>
+            </a:endParaRPr>
+          </a:p>
+        </p:txBody>
+      </p:sp>
+      <p:sp>
+        <p:nvSpPr>
+          <p:cNvPr id="22" name="文本框 21"/>
+          <p:cNvSpPr txBox="1"/>
+          <p:nvPr/>
+        </p:nvSpPr>
+        <p:spPr>
+          <a:xfrm>
+            <a:off x="5052307" y="1011412"/>
+            <a:ext cx="300082" cy="369332"/>
+          </a:xfrm>
+          <a:prstGeom prst="rect">
+            <a:avLst/>
+          </a:prstGeom>
+          <a:noFill/>
+        </p:spPr>
+        <p:txBody>
+          <a:bodyPr wrap="none" rtlCol="0">
+            <a:spAutoFit/>
+          </a:bodyPr>
+          <a:lstStyle/>
+          <a:p>
+            <a:r>
+              <a:rPr lang="en-US" altLang="zh-CN" dirty="0">
+                <a:latin typeface="Times New Roman" panose="02020603050405020304" pitchFamily="18" charset="0"/>
+                <a:cs typeface="Times New Roman" panose="02020603050405020304" pitchFamily="18" charset="0"/>
+              </a:rPr>
+              <a:t>8</a:t>
+            </a:r>
+            <a:endParaRPr lang="zh-CN" altLang="en-US" dirty="0">
+              <a:latin typeface="Times New Roman" panose="02020603050405020304" pitchFamily="18" charset="0"/>
+              <a:cs typeface="Times New Roman" panose="02020603050405020304" pitchFamily="18" charset="0"/>
+            </a:endParaRPr>
+          </a:p>
+        </p:txBody>
+      </p:sp>
+      <p:sp>
+        <p:nvSpPr>
+          <p:cNvPr id="23" name="文本框 22"/>
+          <p:cNvSpPr txBox="1"/>
+          <p:nvPr/>
+        </p:nvSpPr>
+        <p:spPr>
+          <a:xfrm>
+            <a:off x="5494065" y="1011412"/>
+            <a:ext cx="300082" cy="369332"/>
+          </a:xfrm>
+          <a:prstGeom prst="rect">
+            <a:avLst/>
+          </a:prstGeom>
+          <a:noFill/>
+        </p:spPr>
+        <p:txBody>
+          <a:bodyPr wrap="none" rtlCol="0">
+            <a:spAutoFit/>
+          </a:bodyPr>
+          <a:lstStyle/>
+          <a:p>
+            <a:r>
+              <a:rPr lang="en-US" altLang="zh-CN" dirty="0" smtClean="0">
+                <a:latin typeface="Times New Roman" panose="02020603050405020304" pitchFamily="18" charset="0"/>
+                <a:cs typeface="Times New Roman" panose="02020603050405020304" pitchFamily="18" charset="0"/>
+              </a:rPr>
+              <a:t>9</a:t>
+            </a:r>
+            <a:endParaRPr lang="zh-CN" altLang="en-US" dirty="0">
+              <a:latin typeface="Times New Roman" panose="02020603050405020304" pitchFamily="18" charset="0"/>
+              <a:cs typeface="Times New Roman" panose="02020603050405020304" pitchFamily="18" charset="0"/>
+            </a:endParaRPr>
+          </a:p>
+        </p:txBody>
+      </p:sp>
+      <p:sp>
+        <p:nvSpPr>
+          <p:cNvPr id="24" name="矩形 23"/>
+          <p:cNvSpPr/>
+          <p:nvPr/>
+        </p:nvSpPr>
+        <p:spPr>
+          <a:xfrm>
+            <a:off x="5852160" y="1362456"/>
+            <a:ext cx="438912" cy="438912"/>
+          </a:xfrm>
+          <a:prstGeom prst="rect">
+            <a:avLst/>
+          </a:prstGeom>
+          <a:ln>
+            <a:prstDash val="sysDash"/>
+            <a:headEnd type="none" w="med" len="med"/>
+            <a:tailEnd type="none" w="med" len="med"/>
+          </a:ln>
+        </p:spPr>
+        <p:style>
+          <a:lnRef idx="2">
+            <a:schemeClr val="accent3"/>
+          </a:lnRef>
+          <a:fillRef idx="1">
+            <a:schemeClr val="lt1"/>
+          </a:fillRef>
+          <a:effectRef idx="0">
+            <a:schemeClr val="accent3"/>
+          </a:effectRef>
+          <a:fontRef idx="minor">
+            <a:schemeClr val="dk1"/>
+          </a:fontRef>
+        </p:style>
+        <p:txBody>
+          <a:bodyPr rtlCol="0" anchor="ctr"/>
+          <a:lstStyle/>
+          <a:p>
+            <a:pPr algn="ctr"/>
+            <a:endParaRPr lang="zh-CN" altLang="en-US"/>
+          </a:p>
+        </p:txBody>
+      </p:sp>
+      <p:sp>
+        <p:nvSpPr>
+          <p:cNvPr id="25" name="文本框 24"/>
+          <p:cNvSpPr txBox="1"/>
+          <p:nvPr/>
+        </p:nvSpPr>
+        <p:spPr>
+          <a:xfrm>
+            <a:off x="5875574" y="1011412"/>
+            <a:ext cx="415498" cy="369332"/>
+          </a:xfrm>
+          <a:prstGeom prst="rect">
+            <a:avLst/>
+          </a:prstGeom>
+          <a:noFill/>
+        </p:spPr>
+        <p:txBody>
+          <a:bodyPr wrap="none" rtlCol="0">
+            <a:spAutoFit/>
+          </a:bodyPr>
+          <a:lstStyle/>
+          <a:p>
+            <a:r>
+              <a:rPr lang="en-US" altLang="zh-CN" dirty="0" smtClean="0">
+                <a:latin typeface="Times New Roman" panose="02020603050405020304" pitchFamily="18" charset="0"/>
+                <a:cs typeface="Times New Roman" panose="02020603050405020304" pitchFamily="18" charset="0"/>
+              </a:rPr>
+              <a:t>10</a:t>
+            </a:r>
+            <a:endParaRPr lang="zh-CN" altLang="en-US" dirty="0">
+              <a:latin typeface="Times New Roman" panose="02020603050405020304" pitchFamily="18" charset="0"/>
+              <a:cs typeface="Times New Roman" panose="02020603050405020304" pitchFamily="18" charset="0"/>
+            </a:endParaRPr>
+          </a:p>
+        </p:txBody>
+      </p:sp>
+      <p:cxnSp>
+        <p:nvCxnSpPr>
+          <p:cNvPr id="26" name="直接箭头连接符 25"/>
+          <p:cNvCxnSpPr/>
+          <p:nvPr/>
+        </p:nvCxnSpPr>
+        <p:spPr>
+          <a:xfrm flipV="1">
+            <a:off x="6163056" y="1791430"/>
+            <a:ext cx="0" cy="638686"/>
+          </a:xfrm>
+          <a:prstGeom prst="straightConnector1">
+            <a:avLst/>
+          </a:prstGeom>
+          <a:ln w="19050">
+            <a:tailEnd type="triangle"/>
+          </a:ln>
+        </p:spPr>
+        <p:style>
+          <a:lnRef idx="1">
+            <a:schemeClr val="accent1"/>
+          </a:lnRef>
+          <a:fillRef idx="0">
+            <a:schemeClr val="accent1"/>
+          </a:fillRef>
+          <a:effectRef idx="0">
+            <a:schemeClr val="accent1"/>
+          </a:effectRef>
+          <a:fontRef idx="minor">
+            <a:schemeClr val="tx1"/>
+          </a:fontRef>
+        </p:style>
+      </p:cxnSp>
+      <p:sp>
+        <p:nvSpPr>
+          <p:cNvPr id="27" name="文本框 26"/>
+          <p:cNvSpPr txBox="1"/>
+          <p:nvPr/>
+        </p:nvSpPr>
+        <p:spPr>
+          <a:xfrm>
+            <a:off x="2592687" y="3609858"/>
+            <a:ext cx="2585964" cy="338554"/>
+          </a:xfrm>
+          <a:prstGeom prst="rect">
+            <a:avLst/>
+          </a:prstGeom>
+          <a:noFill/>
+        </p:spPr>
+        <p:txBody>
+          <a:bodyPr wrap="none" rtlCol="0">
+            <a:spAutoFit/>
+          </a:bodyPr>
+          <a:lstStyle/>
+          <a:p>
+            <a:r>
               <a:rPr lang="zh-CN" altLang="en-US" sz="1600" dirty="0" smtClean="0">
                 <a:latin typeface="Times New Roman" panose="02020603050405020304" pitchFamily="18" charset="0"/>
                 <a:cs typeface="Times New Roman" panose="02020603050405020304" pitchFamily="18" charset="0"/>
               </a:rPr>
-              <a:t>缓冲区写入 </a:t>
+              <a:t>调用 </a:t>
             </a:r>
             <a:r>
               <a:rPr lang="en-US" altLang="zh-CN" sz="1600" dirty="0" smtClean="0">
                 <a:latin typeface="Times New Roman" panose="02020603050405020304" pitchFamily="18" charset="0"/>
                 <a:cs typeface="Times New Roman" panose="02020603050405020304" pitchFamily="18" charset="0"/>
               </a:rPr>
-              <a:t>5 </a:t>
+              <a:t>clear </a:t>
             </a:r>
             <a:r>
               <a:rPr lang="zh-CN" altLang="en-US" sz="1600" dirty="0" smtClean="0">
                 <a:latin typeface="Times New Roman" panose="02020603050405020304" pitchFamily="18" charset="0"/>
                 <a:cs typeface="Times New Roman" panose="02020603050405020304" pitchFamily="18" charset="0"/>
               </a:rPr>
-              <a:t>个元素后的状态（写模式）</a:t>
+              <a:t>方法重置 缓冲区</a:t>
             </a:r>
             <a:endParaRPr lang="zh-CN" altLang="en-US" sz="1600" dirty="0">
               <a:latin typeface="Times New Roman" panose="02020603050405020304" pitchFamily="18" charset="0"/>
@@ -5782,10 +8225,3421 @@
           </a:p>
         </p:txBody>
       </p:sp>
+      <p:sp>
+        <p:nvSpPr>
+          <p:cNvPr id="28" name="圆角矩形 27"/>
+          <p:cNvSpPr/>
+          <p:nvPr/>
+        </p:nvSpPr>
+        <p:spPr>
+          <a:xfrm>
+            <a:off x="1397975" y="2454968"/>
+            <a:ext cx="536713" cy="387625"/>
+          </a:xfrm>
+          <a:prstGeom prst="roundRect">
+            <a:avLst/>
+          </a:prstGeom>
+        </p:spPr>
+        <p:style>
+          <a:lnRef idx="0">
+            <a:schemeClr val="accent6"/>
+          </a:lnRef>
+          <a:fillRef idx="3">
+            <a:schemeClr val="accent6"/>
+          </a:fillRef>
+          <a:effectRef idx="3">
+            <a:schemeClr val="accent6"/>
+          </a:effectRef>
+          <a:fontRef idx="minor">
+            <a:schemeClr val="lt1"/>
+          </a:fontRef>
+        </p:style>
+        <p:txBody>
+          <a:bodyPr rtlCol="0" anchor="ctr"/>
+          <a:lstStyle/>
+          <a:p>
+            <a:pPr algn="ctr"/>
+            <a:r>
+              <a:rPr lang="en-US" altLang="zh-CN" sz="1600" dirty="0" smtClean="0">
+                <a:latin typeface="Times New Roman" panose="02020603050405020304" pitchFamily="18" charset="0"/>
+                <a:cs typeface="Times New Roman" panose="02020603050405020304" pitchFamily="18" charset="0"/>
+              </a:rPr>
+              <a:t>-1</a:t>
+            </a:r>
+            <a:endParaRPr lang="zh-CN" altLang="en-US" sz="1600" dirty="0">
+              <a:latin typeface="Times New Roman" panose="02020603050405020304" pitchFamily="18" charset="0"/>
+              <a:cs typeface="Times New Roman" panose="02020603050405020304" pitchFamily="18" charset="0"/>
+            </a:endParaRPr>
+          </a:p>
+        </p:txBody>
+      </p:sp>
+      <p:sp>
+        <p:nvSpPr>
+          <p:cNvPr id="29" name="圆角矩形 28"/>
+          <p:cNvSpPr/>
+          <p:nvPr/>
+        </p:nvSpPr>
+        <p:spPr>
+          <a:xfrm>
+            <a:off x="2649119" y="2440054"/>
+            <a:ext cx="536713" cy="387625"/>
+          </a:xfrm>
+          <a:prstGeom prst="roundRect">
+            <a:avLst/>
+          </a:prstGeom>
+        </p:spPr>
+        <p:style>
+          <a:lnRef idx="0">
+            <a:schemeClr val="accent6"/>
+          </a:lnRef>
+          <a:fillRef idx="3">
+            <a:schemeClr val="accent6"/>
+          </a:fillRef>
+          <a:effectRef idx="3">
+            <a:schemeClr val="accent6"/>
+          </a:effectRef>
+          <a:fontRef idx="minor">
+            <a:schemeClr val="lt1"/>
+          </a:fontRef>
+        </p:style>
+        <p:txBody>
+          <a:bodyPr rtlCol="0" anchor="ctr"/>
+          <a:lstStyle/>
+          <a:p>
+            <a:pPr algn="ctr"/>
+            <a:r>
+              <a:rPr lang="en-US" altLang="zh-CN" sz="1600" dirty="0">
+                <a:latin typeface="Times New Roman" panose="02020603050405020304" pitchFamily="18" charset="0"/>
+                <a:cs typeface="Times New Roman" panose="02020603050405020304" pitchFamily="18" charset="0"/>
+              </a:rPr>
+              <a:t>0</a:t>
+            </a:r>
+            <a:endParaRPr lang="zh-CN" altLang="en-US" sz="1600" dirty="0">
+              <a:latin typeface="Times New Roman" panose="02020603050405020304" pitchFamily="18" charset="0"/>
+              <a:cs typeface="Times New Roman" panose="02020603050405020304" pitchFamily="18" charset="0"/>
+            </a:endParaRPr>
+          </a:p>
+        </p:txBody>
+      </p:sp>
+      <p:sp>
+        <p:nvSpPr>
+          <p:cNvPr id="30" name="圆角矩形 29"/>
+          <p:cNvSpPr/>
+          <p:nvPr/>
+        </p:nvSpPr>
+        <p:spPr>
+          <a:xfrm>
+            <a:off x="5803259" y="2440054"/>
+            <a:ext cx="536713" cy="387625"/>
+          </a:xfrm>
+          <a:prstGeom prst="roundRect">
+            <a:avLst/>
+          </a:prstGeom>
+        </p:spPr>
+        <p:style>
+          <a:lnRef idx="0">
+            <a:schemeClr val="accent6"/>
+          </a:lnRef>
+          <a:fillRef idx="3">
+            <a:schemeClr val="accent6"/>
+          </a:fillRef>
+          <a:effectRef idx="3">
+            <a:schemeClr val="accent6"/>
+          </a:effectRef>
+          <a:fontRef idx="minor">
+            <a:schemeClr val="lt1"/>
+          </a:fontRef>
+        </p:style>
+        <p:txBody>
+          <a:bodyPr rtlCol="0" anchor="ctr"/>
+          <a:lstStyle/>
+          <a:p>
+            <a:pPr algn="ctr"/>
+            <a:r>
+              <a:rPr lang="en-US" altLang="zh-CN" sz="1600" dirty="0" smtClean="0">
+                <a:latin typeface="Times New Roman" panose="02020603050405020304" pitchFamily="18" charset="0"/>
+                <a:cs typeface="Times New Roman" panose="02020603050405020304" pitchFamily="18" charset="0"/>
+              </a:rPr>
+              <a:t>10</a:t>
+            </a:r>
+            <a:endParaRPr lang="zh-CN" altLang="en-US" sz="1600" dirty="0">
+              <a:latin typeface="Times New Roman" panose="02020603050405020304" pitchFamily="18" charset="0"/>
+              <a:cs typeface="Times New Roman" panose="02020603050405020304" pitchFamily="18" charset="0"/>
+            </a:endParaRPr>
+          </a:p>
+        </p:txBody>
+      </p:sp>
+      <p:sp>
+        <p:nvSpPr>
+          <p:cNvPr id="31" name="圆角矩形 30"/>
+          <p:cNvSpPr/>
+          <p:nvPr/>
+        </p:nvSpPr>
+        <p:spPr>
+          <a:xfrm>
+            <a:off x="4526262" y="2430116"/>
+            <a:ext cx="536713" cy="387625"/>
+          </a:xfrm>
+          <a:prstGeom prst="roundRect">
+            <a:avLst/>
+          </a:prstGeom>
+        </p:spPr>
+        <p:style>
+          <a:lnRef idx="0">
+            <a:schemeClr val="accent6"/>
+          </a:lnRef>
+          <a:fillRef idx="3">
+            <a:schemeClr val="accent6"/>
+          </a:fillRef>
+          <a:effectRef idx="3">
+            <a:schemeClr val="accent6"/>
+          </a:effectRef>
+          <a:fontRef idx="minor">
+            <a:schemeClr val="lt1"/>
+          </a:fontRef>
+        </p:style>
+        <p:txBody>
+          <a:bodyPr rtlCol="0" anchor="ctr"/>
+          <a:lstStyle/>
+          <a:p>
+            <a:pPr algn="ctr"/>
+            <a:r>
+              <a:rPr lang="en-US" altLang="zh-CN" sz="1600" dirty="0">
+                <a:latin typeface="Times New Roman" panose="02020603050405020304" pitchFamily="18" charset="0"/>
+                <a:cs typeface="Times New Roman" panose="02020603050405020304" pitchFamily="18" charset="0"/>
+              </a:rPr>
+              <a:t>5</a:t>
+            </a:r>
+            <a:endParaRPr lang="zh-CN" altLang="en-US" sz="1600" dirty="0">
+              <a:latin typeface="Times New Roman" panose="02020603050405020304" pitchFamily="18" charset="0"/>
+              <a:cs typeface="Times New Roman" panose="02020603050405020304" pitchFamily="18" charset="0"/>
+            </a:endParaRPr>
+          </a:p>
+        </p:txBody>
+      </p:sp>
+      <p:sp>
+        <p:nvSpPr>
+          <p:cNvPr id="32" name="文本框 31"/>
+          <p:cNvSpPr txBox="1"/>
+          <p:nvPr/>
+        </p:nvSpPr>
+        <p:spPr>
+          <a:xfrm>
+            <a:off x="1325532" y="2961862"/>
+            <a:ext cx="681597" cy="338554"/>
+          </a:xfrm>
+          <a:prstGeom prst="rect">
+            <a:avLst/>
+          </a:prstGeom>
+          <a:noFill/>
+        </p:spPr>
+        <p:txBody>
+          <a:bodyPr wrap="square" rtlCol="0">
+            <a:spAutoFit/>
+          </a:bodyPr>
+          <a:lstStyle/>
+          <a:p>
+            <a:r>
+              <a:rPr lang="en-US" altLang="zh-CN" sz="1600" dirty="0" smtClean="0">
+                <a:latin typeface="Times New Roman" panose="02020603050405020304" pitchFamily="18" charset="0"/>
+                <a:cs typeface="Times New Roman" panose="02020603050405020304" pitchFamily="18" charset="0"/>
+              </a:rPr>
+              <a:t>mark</a:t>
+            </a:r>
+            <a:endParaRPr lang="zh-CN" altLang="en-US" sz="1600" dirty="0">
+              <a:latin typeface="Times New Roman" panose="02020603050405020304" pitchFamily="18" charset="0"/>
+              <a:cs typeface="Times New Roman" panose="02020603050405020304" pitchFamily="18" charset="0"/>
+            </a:endParaRPr>
+          </a:p>
+        </p:txBody>
+      </p:sp>
+      <p:sp>
+        <p:nvSpPr>
+          <p:cNvPr id="33" name="文本框 32"/>
+          <p:cNvSpPr txBox="1"/>
+          <p:nvPr/>
+        </p:nvSpPr>
+        <p:spPr>
+          <a:xfrm>
+            <a:off x="2527194" y="2932039"/>
+            <a:ext cx="926547" cy="338554"/>
+          </a:xfrm>
+          <a:prstGeom prst="rect">
+            <a:avLst/>
+          </a:prstGeom>
+          <a:noFill/>
+        </p:spPr>
+        <p:txBody>
+          <a:bodyPr wrap="square" rtlCol="0">
+            <a:spAutoFit/>
+          </a:bodyPr>
+          <a:lstStyle/>
+          <a:p>
+            <a:r>
+              <a:rPr lang="en-US" altLang="zh-CN" sz="1600" dirty="0" smtClean="0">
+                <a:latin typeface="Times New Roman" panose="02020603050405020304" pitchFamily="18" charset="0"/>
+                <a:cs typeface="Times New Roman" panose="02020603050405020304" pitchFamily="18" charset="0"/>
+              </a:rPr>
+              <a:t>position</a:t>
+            </a:r>
+            <a:endParaRPr lang="zh-CN" altLang="en-US" sz="1600" dirty="0">
+              <a:latin typeface="Times New Roman" panose="02020603050405020304" pitchFamily="18" charset="0"/>
+              <a:cs typeface="Times New Roman" panose="02020603050405020304" pitchFamily="18" charset="0"/>
+            </a:endParaRPr>
+          </a:p>
+        </p:txBody>
+      </p:sp>
+      <p:sp>
+        <p:nvSpPr>
+          <p:cNvPr id="34" name="文本框 33"/>
+          <p:cNvSpPr txBox="1"/>
+          <p:nvPr/>
+        </p:nvSpPr>
+        <p:spPr>
+          <a:xfrm>
+            <a:off x="4504811" y="2951923"/>
+            <a:ext cx="659130" cy="338554"/>
+          </a:xfrm>
+          <a:prstGeom prst="rect">
+            <a:avLst/>
+          </a:prstGeom>
+          <a:noFill/>
+        </p:spPr>
+        <p:txBody>
+          <a:bodyPr wrap="square" rtlCol="0">
+            <a:spAutoFit/>
+          </a:bodyPr>
+          <a:lstStyle/>
+          <a:p>
+            <a:r>
+              <a:rPr lang="en-US" altLang="zh-CN" sz="1600" dirty="0" smtClean="0">
+                <a:latin typeface="Times New Roman" panose="02020603050405020304" pitchFamily="18" charset="0"/>
+                <a:cs typeface="Times New Roman" panose="02020603050405020304" pitchFamily="18" charset="0"/>
+              </a:rPr>
+              <a:t>limit</a:t>
+            </a:r>
+            <a:endParaRPr lang="zh-CN" altLang="en-US" sz="1600" dirty="0">
+              <a:latin typeface="Times New Roman" panose="02020603050405020304" pitchFamily="18" charset="0"/>
+              <a:cs typeface="Times New Roman" panose="02020603050405020304" pitchFamily="18" charset="0"/>
+            </a:endParaRPr>
+          </a:p>
+        </p:txBody>
+      </p:sp>
+      <p:sp>
+        <p:nvSpPr>
+          <p:cNvPr id="35" name="文本框 34"/>
+          <p:cNvSpPr txBox="1"/>
+          <p:nvPr/>
+        </p:nvSpPr>
+        <p:spPr>
+          <a:xfrm>
+            <a:off x="5650367" y="2951923"/>
+            <a:ext cx="955155" cy="338554"/>
+          </a:xfrm>
+          <a:prstGeom prst="rect">
+            <a:avLst/>
+          </a:prstGeom>
+          <a:noFill/>
+        </p:spPr>
+        <p:txBody>
+          <a:bodyPr wrap="square" rtlCol="0">
+            <a:spAutoFit/>
+          </a:bodyPr>
+          <a:lstStyle/>
+          <a:p>
+            <a:r>
+              <a:rPr lang="en-US" altLang="zh-CN" sz="1600" dirty="0" smtClean="0">
+                <a:latin typeface="Times New Roman" panose="02020603050405020304" pitchFamily="18" charset="0"/>
+                <a:cs typeface="Times New Roman" panose="02020603050405020304" pitchFamily="18" charset="0"/>
+              </a:rPr>
+              <a:t>capacity</a:t>
+            </a:r>
+            <a:endParaRPr lang="zh-CN" altLang="en-US" sz="1600" dirty="0">
+              <a:latin typeface="Times New Roman" panose="02020603050405020304" pitchFamily="18" charset="0"/>
+              <a:cs typeface="Times New Roman" panose="02020603050405020304" pitchFamily="18" charset="0"/>
+            </a:endParaRPr>
+          </a:p>
+        </p:txBody>
+      </p:sp>
+      <p:cxnSp>
+        <p:nvCxnSpPr>
+          <p:cNvPr id="37" name="肘形连接符 36"/>
+          <p:cNvCxnSpPr>
+            <a:stCxn id="29" idx="0"/>
+            <a:endCxn id="4" idx="2"/>
+          </p:cNvCxnSpPr>
+          <p:nvPr/>
+        </p:nvCxnSpPr>
+        <p:spPr>
+          <a:xfrm rot="16200000" flipV="1">
+            <a:off x="1980643" y="1503221"/>
+            <a:ext cx="638686" cy="1234980"/>
+          </a:xfrm>
+          <a:prstGeom prst="bentConnector3">
+            <a:avLst/>
+          </a:prstGeom>
+          <a:ln w="19050">
+            <a:tailEnd type="triangle"/>
+          </a:ln>
+        </p:spPr>
+        <p:style>
+          <a:lnRef idx="1">
+            <a:schemeClr val="accent1"/>
+          </a:lnRef>
+          <a:fillRef idx="0">
+            <a:schemeClr val="accent1"/>
+          </a:fillRef>
+          <a:effectRef idx="0">
+            <a:schemeClr val="accent1"/>
+          </a:effectRef>
+          <a:fontRef idx="minor">
+            <a:schemeClr val="tx1"/>
+          </a:fontRef>
+        </p:style>
+      </p:cxnSp>
+      <p:cxnSp>
+        <p:nvCxnSpPr>
+          <p:cNvPr id="39" name="肘形连接符 38"/>
+          <p:cNvCxnSpPr>
+            <a:stCxn id="31" idx="0"/>
+            <a:endCxn id="24" idx="2"/>
+          </p:cNvCxnSpPr>
+          <p:nvPr/>
+        </p:nvCxnSpPr>
+        <p:spPr>
+          <a:xfrm rot="5400000" flipH="1" flipV="1">
+            <a:off x="5118743" y="1477244"/>
+            <a:ext cx="628748" cy="1276997"/>
+          </a:xfrm>
+          <a:prstGeom prst="bentConnector3">
+            <a:avLst/>
+          </a:prstGeom>
+          <a:ln w="19050">
+            <a:tailEnd type="triangle"/>
+          </a:ln>
+        </p:spPr>
+        <p:style>
+          <a:lnRef idx="1">
+            <a:schemeClr val="accent1"/>
+          </a:lnRef>
+          <a:fillRef idx="0">
+            <a:schemeClr val="accent1"/>
+          </a:fillRef>
+          <a:effectRef idx="0">
+            <a:schemeClr val="accent1"/>
+          </a:effectRef>
+          <a:fontRef idx="minor">
+            <a:schemeClr val="tx1"/>
+          </a:fontRef>
+        </p:style>
+      </p:cxnSp>
     </p:spTree>
     <p:extLst>
       <p:ext uri="{BB962C8B-B14F-4D97-AF65-F5344CB8AC3E}">
-        <p14:creationId xmlns:p14="http://schemas.microsoft.com/office/powerpoint/2010/main" val="1828920165"/>
+        <p14:creationId xmlns:p14="http://schemas.microsoft.com/office/powerpoint/2010/main" val="1974039591"/>
+      </p:ext>
+    </p:extLst>
+  </p:cSld>
+  <p:clrMapOvr>
+    <a:masterClrMapping/>
+  </p:clrMapOvr>
+</p:sld>
+</file>
+
+<file path=ppt/slides/slide5.xml><?xml version="1.0" encoding="utf-8"?>
+<p:sld xmlns:a="http://schemas.openxmlformats.org/drawingml/2006/main" xmlns:r="http://schemas.openxmlformats.org/officeDocument/2006/relationships" xmlns:p="http://schemas.openxmlformats.org/presentationml/2006/main">
+  <p:cSld>
+    <p:spTree>
+      <p:nvGrpSpPr>
+        <p:cNvPr id="1" name=""/>
+        <p:cNvGrpSpPr/>
+        <p:nvPr/>
+      </p:nvGrpSpPr>
+      <p:grpSpPr>
+        <a:xfrm>
+          <a:off x="0" y="0"/>
+          <a:ext cx="0" cy="0"/>
+          <a:chOff x="0" y="0"/>
+          <a:chExt cx="0" cy="0"/>
+        </a:xfrm>
+      </p:grpSpPr>
+      <p:sp>
+        <p:nvSpPr>
+          <p:cNvPr id="42" name="矩形 41"/>
+          <p:cNvSpPr/>
+          <p:nvPr/>
+        </p:nvSpPr>
+        <p:spPr>
+          <a:xfrm>
+            <a:off x="2779776" y="4181808"/>
+            <a:ext cx="438912" cy="438912"/>
+          </a:xfrm>
+          <a:prstGeom prst="rect">
+            <a:avLst/>
+          </a:prstGeom>
+          <a:ln>
+            <a:headEnd type="none" w="med" len="med"/>
+            <a:tailEnd type="none" w="med" len="med"/>
+          </a:ln>
+        </p:spPr>
+        <p:style>
+          <a:lnRef idx="2">
+            <a:schemeClr val="accent2">
+              <a:shade val="50000"/>
+            </a:schemeClr>
+          </a:lnRef>
+          <a:fillRef idx="1">
+            <a:schemeClr val="accent2"/>
+          </a:fillRef>
+          <a:effectRef idx="0">
+            <a:schemeClr val="accent2"/>
+          </a:effectRef>
+          <a:fontRef idx="minor">
+            <a:schemeClr val="lt1"/>
+          </a:fontRef>
+        </p:style>
+        <p:txBody>
+          <a:bodyPr rtlCol="0" anchor="ctr"/>
+          <a:lstStyle/>
+          <a:p>
+            <a:pPr algn="ctr"/>
+            <a:r>
+              <a:rPr lang="en-US" altLang="zh-CN" dirty="0" smtClean="0">
+                <a:latin typeface="Times New Roman" panose="02020603050405020304" pitchFamily="18" charset="0"/>
+                <a:cs typeface="Times New Roman" panose="02020603050405020304" pitchFamily="18" charset="0"/>
+              </a:rPr>
+              <a:t>d</a:t>
+            </a:r>
+            <a:endParaRPr lang="zh-CN" altLang="en-US" dirty="0">
+              <a:latin typeface="Times New Roman" panose="02020603050405020304" pitchFamily="18" charset="0"/>
+              <a:cs typeface="Times New Roman" panose="02020603050405020304" pitchFamily="18" charset="0"/>
+            </a:endParaRPr>
+          </a:p>
+        </p:txBody>
+      </p:sp>
+      <p:sp>
+        <p:nvSpPr>
+          <p:cNvPr id="74" name="矩形 73"/>
+          <p:cNvSpPr/>
+          <p:nvPr/>
+        </p:nvSpPr>
+        <p:spPr>
+          <a:xfrm>
+            <a:off x="1442547" y="4132006"/>
+            <a:ext cx="1365016" cy="538705"/>
+          </a:xfrm>
+          <a:prstGeom prst="rect">
+            <a:avLst/>
+          </a:prstGeom>
+          <a:ln w="25400"/>
+        </p:spPr>
+        <p:style>
+          <a:lnRef idx="2">
+            <a:schemeClr val="accent1"/>
+          </a:lnRef>
+          <a:fillRef idx="1">
+            <a:schemeClr val="lt1"/>
+          </a:fillRef>
+          <a:effectRef idx="0">
+            <a:schemeClr val="accent1"/>
+          </a:effectRef>
+          <a:fontRef idx="minor">
+            <a:schemeClr val="dk1"/>
+          </a:fontRef>
+        </p:style>
+        <p:txBody>
+          <a:bodyPr rtlCol="0" anchor="ctr"/>
+          <a:lstStyle/>
+          <a:p>
+            <a:pPr algn="ctr"/>
+            <a:endParaRPr lang="zh-CN" altLang="en-US"/>
+          </a:p>
+        </p:txBody>
+      </p:sp>
+      <p:sp>
+        <p:nvSpPr>
+          <p:cNvPr id="5" name="矩形 4"/>
+          <p:cNvSpPr/>
+          <p:nvPr/>
+        </p:nvSpPr>
+        <p:spPr>
+          <a:xfrm>
+            <a:off x="1901952" y="1362456"/>
+            <a:ext cx="438912" cy="438912"/>
+          </a:xfrm>
+          <a:prstGeom prst="rect">
+            <a:avLst/>
+          </a:prstGeom>
+          <a:ln>
+            <a:headEnd type="none" w="med" len="med"/>
+            <a:tailEnd type="none" w="med" len="med"/>
+          </a:ln>
+        </p:spPr>
+        <p:style>
+          <a:lnRef idx="2">
+            <a:schemeClr val="accent3">
+              <a:shade val="50000"/>
+            </a:schemeClr>
+          </a:lnRef>
+          <a:fillRef idx="1">
+            <a:schemeClr val="accent3"/>
+          </a:fillRef>
+          <a:effectRef idx="0">
+            <a:schemeClr val="accent3"/>
+          </a:effectRef>
+          <a:fontRef idx="minor">
+            <a:schemeClr val="lt1"/>
+          </a:fontRef>
+        </p:style>
+        <p:txBody>
+          <a:bodyPr rtlCol="0" anchor="ctr"/>
+          <a:lstStyle/>
+          <a:p>
+            <a:pPr algn="ctr"/>
+            <a:r>
+              <a:rPr lang="en-US" altLang="zh-CN" dirty="0" smtClean="0">
+                <a:latin typeface="Times New Roman" panose="02020603050405020304" pitchFamily="18" charset="0"/>
+                <a:cs typeface="Times New Roman" panose="02020603050405020304" pitchFamily="18" charset="0"/>
+              </a:rPr>
+              <a:t>b</a:t>
+            </a:r>
+            <a:endParaRPr lang="zh-CN" altLang="en-US" dirty="0">
+              <a:latin typeface="Times New Roman" panose="02020603050405020304" pitchFamily="18" charset="0"/>
+              <a:cs typeface="Times New Roman" panose="02020603050405020304" pitchFamily="18" charset="0"/>
+            </a:endParaRPr>
+          </a:p>
+        </p:txBody>
+      </p:sp>
+      <p:sp>
+        <p:nvSpPr>
+          <p:cNvPr id="73" name="矩形 72"/>
+          <p:cNvSpPr/>
+          <p:nvPr/>
+        </p:nvSpPr>
+        <p:spPr>
+          <a:xfrm>
+            <a:off x="2322634" y="1309383"/>
+            <a:ext cx="1365016" cy="538705"/>
+          </a:xfrm>
+          <a:prstGeom prst="rect">
+            <a:avLst/>
+          </a:prstGeom>
+          <a:ln w="25400"/>
+        </p:spPr>
+        <p:style>
+          <a:lnRef idx="2">
+            <a:schemeClr val="accent1"/>
+          </a:lnRef>
+          <a:fillRef idx="1">
+            <a:schemeClr val="lt1"/>
+          </a:fillRef>
+          <a:effectRef idx="0">
+            <a:schemeClr val="accent1"/>
+          </a:effectRef>
+          <a:fontRef idx="minor">
+            <a:schemeClr val="dk1"/>
+          </a:fontRef>
+        </p:style>
+        <p:txBody>
+          <a:bodyPr rtlCol="0" anchor="ctr"/>
+          <a:lstStyle/>
+          <a:p>
+            <a:pPr algn="ctr"/>
+            <a:endParaRPr lang="zh-CN" altLang="en-US"/>
+          </a:p>
+        </p:txBody>
+      </p:sp>
+      <p:sp>
+        <p:nvSpPr>
+          <p:cNvPr id="4" name="矩形 3"/>
+          <p:cNvSpPr/>
+          <p:nvPr/>
+        </p:nvSpPr>
+        <p:spPr>
+          <a:xfrm>
+            <a:off x="1463040" y="1362456"/>
+            <a:ext cx="438912" cy="438912"/>
+          </a:xfrm>
+          <a:prstGeom prst="rect">
+            <a:avLst/>
+          </a:prstGeom>
+          <a:ln>
+            <a:headEnd type="none" w="med" len="med"/>
+            <a:tailEnd type="none" w="med" len="med"/>
+          </a:ln>
+        </p:spPr>
+        <p:style>
+          <a:lnRef idx="2">
+            <a:schemeClr val="accent3">
+              <a:shade val="50000"/>
+            </a:schemeClr>
+          </a:lnRef>
+          <a:fillRef idx="1">
+            <a:schemeClr val="accent3"/>
+          </a:fillRef>
+          <a:effectRef idx="0">
+            <a:schemeClr val="accent3"/>
+          </a:effectRef>
+          <a:fontRef idx="minor">
+            <a:schemeClr val="lt1"/>
+          </a:fontRef>
+        </p:style>
+        <p:txBody>
+          <a:bodyPr rtlCol="0" anchor="ctr"/>
+          <a:lstStyle/>
+          <a:p>
+            <a:pPr algn="ctr"/>
+            <a:r>
+              <a:rPr lang="en-US" altLang="zh-CN" dirty="0" smtClean="0">
+                <a:latin typeface="Times New Roman" panose="02020603050405020304" pitchFamily="18" charset="0"/>
+                <a:cs typeface="Times New Roman" panose="02020603050405020304" pitchFamily="18" charset="0"/>
+              </a:rPr>
+              <a:t>a</a:t>
+            </a:r>
+            <a:endParaRPr lang="zh-CN" altLang="en-US" dirty="0">
+              <a:latin typeface="Times New Roman" panose="02020603050405020304" pitchFamily="18" charset="0"/>
+              <a:cs typeface="Times New Roman" panose="02020603050405020304" pitchFamily="18" charset="0"/>
+            </a:endParaRPr>
+          </a:p>
+        </p:txBody>
+      </p:sp>
+      <p:sp>
+        <p:nvSpPr>
+          <p:cNvPr id="6" name="矩形 5"/>
+          <p:cNvSpPr/>
+          <p:nvPr/>
+        </p:nvSpPr>
+        <p:spPr>
+          <a:xfrm>
+            <a:off x="2340864" y="1362456"/>
+            <a:ext cx="438912" cy="438912"/>
+          </a:xfrm>
+          <a:prstGeom prst="rect">
+            <a:avLst/>
+          </a:prstGeom>
+          <a:ln>
+            <a:headEnd type="none" w="med" len="med"/>
+            <a:tailEnd type="none" w="med" len="med"/>
+          </a:ln>
+        </p:spPr>
+        <p:style>
+          <a:lnRef idx="2">
+            <a:schemeClr val="accent2">
+              <a:shade val="50000"/>
+            </a:schemeClr>
+          </a:lnRef>
+          <a:fillRef idx="1">
+            <a:schemeClr val="accent2"/>
+          </a:fillRef>
+          <a:effectRef idx="0">
+            <a:schemeClr val="accent2"/>
+          </a:effectRef>
+          <a:fontRef idx="minor">
+            <a:schemeClr val="lt1"/>
+          </a:fontRef>
+        </p:style>
+        <p:txBody>
+          <a:bodyPr rtlCol="0" anchor="ctr"/>
+          <a:lstStyle/>
+          <a:p>
+            <a:pPr algn="ctr"/>
+            <a:r>
+              <a:rPr lang="en-US" altLang="zh-CN" dirty="0" smtClean="0">
+                <a:latin typeface="Times New Roman" panose="02020603050405020304" pitchFamily="18" charset="0"/>
+                <a:cs typeface="Times New Roman" panose="02020603050405020304" pitchFamily="18" charset="0"/>
+              </a:rPr>
+              <a:t>c</a:t>
+            </a:r>
+            <a:endParaRPr lang="zh-CN" altLang="en-US" dirty="0">
+              <a:latin typeface="Times New Roman" panose="02020603050405020304" pitchFamily="18" charset="0"/>
+              <a:cs typeface="Times New Roman" panose="02020603050405020304" pitchFamily="18" charset="0"/>
+            </a:endParaRPr>
+          </a:p>
+        </p:txBody>
+      </p:sp>
+      <p:sp>
+        <p:nvSpPr>
+          <p:cNvPr id="7" name="矩形 6"/>
+          <p:cNvSpPr/>
+          <p:nvPr/>
+        </p:nvSpPr>
+        <p:spPr>
+          <a:xfrm>
+            <a:off x="2779776" y="1362456"/>
+            <a:ext cx="438912" cy="438912"/>
+          </a:xfrm>
+          <a:prstGeom prst="rect">
+            <a:avLst/>
+          </a:prstGeom>
+          <a:ln>
+            <a:headEnd type="none" w="med" len="med"/>
+            <a:tailEnd type="none" w="med" len="med"/>
+          </a:ln>
+        </p:spPr>
+        <p:style>
+          <a:lnRef idx="2">
+            <a:schemeClr val="accent2">
+              <a:shade val="50000"/>
+            </a:schemeClr>
+          </a:lnRef>
+          <a:fillRef idx="1">
+            <a:schemeClr val="accent2"/>
+          </a:fillRef>
+          <a:effectRef idx="0">
+            <a:schemeClr val="accent2"/>
+          </a:effectRef>
+          <a:fontRef idx="minor">
+            <a:schemeClr val="lt1"/>
+          </a:fontRef>
+        </p:style>
+        <p:txBody>
+          <a:bodyPr rtlCol="0" anchor="ctr"/>
+          <a:lstStyle/>
+          <a:p>
+            <a:pPr algn="ctr"/>
+            <a:r>
+              <a:rPr lang="en-US" altLang="zh-CN" dirty="0" smtClean="0">
+                <a:latin typeface="Times New Roman" panose="02020603050405020304" pitchFamily="18" charset="0"/>
+                <a:cs typeface="Times New Roman" panose="02020603050405020304" pitchFamily="18" charset="0"/>
+              </a:rPr>
+              <a:t>d</a:t>
+            </a:r>
+            <a:endParaRPr lang="zh-CN" altLang="en-US" dirty="0">
+              <a:latin typeface="Times New Roman" panose="02020603050405020304" pitchFamily="18" charset="0"/>
+              <a:cs typeface="Times New Roman" panose="02020603050405020304" pitchFamily="18" charset="0"/>
+            </a:endParaRPr>
+          </a:p>
+        </p:txBody>
+      </p:sp>
+      <p:sp>
+        <p:nvSpPr>
+          <p:cNvPr id="8" name="矩形 7"/>
+          <p:cNvSpPr/>
+          <p:nvPr/>
+        </p:nvSpPr>
+        <p:spPr>
+          <a:xfrm>
+            <a:off x="3218688" y="1362456"/>
+            <a:ext cx="438912" cy="438912"/>
+          </a:xfrm>
+          <a:prstGeom prst="rect">
+            <a:avLst/>
+          </a:prstGeom>
+          <a:ln>
+            <a:headEnd type="none" w="med" len="med"/>
+            <a:tailEnd type="none" w="med" len="med"/>
+          </a:ln>
+        </p:spPr>
+        <p:style>
+          <a:lnRef idx="2">
+            <a:schemeClr val="accent2">
+              <a:shade val="50000"/>
+            </a:schemeClr>
+          </a:lnRef>
+          <a:fillRef idx="1">
+            <a:schemeClr val="accent2"/>
+          </a:fillRef>
+          <a:effectRef idx="0">
+            <a:schemeClr val="accent2"/>
+          </a:effectRef>
+          <a:fontRef idx="minor">
+            <a:schemeClr val="lt1"/>
+          </a:fontRef>
+        </p:style>
+        <p:txBody>
+          <a:bodyPr rtlCol="0" anchor="ctr"/>
+          <a:lstStyle/>
+          <a:p>
+            <a:pPr algn="ctr"/>
+            <a:r>
+              <a:rPr lang="en-US" altLang="zh-CN" dirty="0" smtClean="0">
+                <a:latin typeface="Times New Roman" panose="02020603050405020304" pitchFamily="18" charset="0"/>
+                <a:cs typeface="Times New Roman" panose="02020603050405020304" pitchFamily="18" charset="0"/>
+              </a:rPr>
+              <a:t>e</a:t>
+            </a:r>
+            <a:endParaRPr lang="zh-CN" altLang="en-US" dirty="0">
+              <a:latin typeface="Times New Roman" panose="02020603050405020304" pitchFamily="18" charset="0"/>
+              <a:cs typeface="Times New Roman" panose="02020603050405020304" pitchFamily="18" charset="0"/>
+            </a:endParaRPr>
+          </a:p>
+        </p:txBody>
+      </p:sp>
+      <p:sp>
+        <p:nvSpPr>
+          <p:cNvPr id="9" name="矩形 8"/>
+          <p:cNvSpPr/>
+          <p:nvPr/>
+        </p:nvSpPr>
+        <p:spPr>
+          <a:xfrm>
+            <a:off x="3657600" y="1362456"/>
+            <a:ext cx="438912" cy="438912"/>
+          </a:xfrm>
+          <a:prstGeom prst="rect">
+            <a:avLst/>
+          </a:prstGeom>
+          <a:noFill/>
+          <a:ln w="9525" cap="flat" cmpd="sng" algn="ctr">
+            <a:solidFill>
+              <a:schemeClr val="accent2"/>
+            </a:solidFill>
+            <a:prstDash val="solid"/>
+            <a:round/>
+            <a:headEnd type="none" w="med" len="med"/>
+            <a:tailEnd type="none" w="med" len="med"/>
+          </a:ln>
+        </p:spPr>
+        <p:style>
+          <a:lnRef idx="0">
+            <a:scrgbClr r="0" g="0" b="0"/>
+          </a:lnRef>
+          <a:fillRef idx="0">
+            <a:scrgbClr r="0" g="0" b="0"/>
+          </a:fillRef>
+          <a:effectRef idx="0">
+            <a:scrgbClr r="0" g="0" b="0"/>
+          </a:effectRef>
+          <a:fontRef idx="minor">
+            <a:schemeClr val="accent2"/>
+          </a:fontRef>
+        </p:style>
+        <p:txBody>
+          <a:bodyPr rtlCol="0" anchor="ctr"/>
+          <a:lstStyle/>
+          <a:p>
+            <a:pPr algn="ctr"/>
+            <a:endParaRPr lang="zh-CN" altLang="en-US"/>
+          </a:p>
+        </p:txBody>
+      </p:sp>
+      <p:sp>
+        <p:nvSpPr>
+          <p:cNvPr id="10" name="矩形 9"/>
+          <p:cNvSpPr/>
+          <p:nvPr/>
+        </p:nvSpPr>
+        <p:spPr>
+          <a:xfrm>
+            <a:off x="4096512" y="1362456"/>
+            <a:ext cx="438912" cy="438912"/>
+          </a:xfrm>
+          <a:prstGeom prst="rect">
+            <a:avLst/>
+          </a:prstGeom>
+          <a:noFill/>
+          <a:ln w="9525" cap="flat" cmpd="sng" algn="ctr">
+            <a:solidFill>
+              <a:schemeClr val="accent2"/>
+            </a:solidFill>
+            <a:prstDash val="solid"/>
+            <a:round/>
+            <a:headEnd type="none" w="med" len="med"/>
+            <a:tailEnd type="none" w="med" len="med"/>
+          </a:ln>
+        </p:spPr>
+        <p:style>
+          <a:lnRef idx="0">
+            <a:scrgbClr r="0" g="0" b="0"/>
+          </a:lnRef>
+          <a:fillRef idx="0">
+            <a:scrgbClr r="0" g="0" b="0"/>
+          </a:fillRef>
+          <a:effectRef idx="0">
+            <a:scrgbClr r="0" g="0" b="0"/>
+          </a:effectRef>
+          <a:fontRef idx="minor">
+            <a:schemeClr val="accent2"/>
+          </a:fontRef>
+        </p:style>
+        <p:txBody>
+          <a:bodyPr rtlCol="0" anchor="ctr"/>
+          <a:lstStyle/>
+          <a:p>
+            <a:pPr algn="ctr"/>
+            <a:endParaRPr lang="zh-CN" altLang="en-US"/>
+          </a:p>
+        </p:txBody>
+      </p:sp>
+      <p:sp>
+        <p:nvSpPr>
+          <p:cNvPr id="11" name="矩形 10"/>
+          <p:cNvSpPr/>
+          <p:nvPr/>
+        </p:nvSpPr>
+        <p:spPr>
+          <a:xfrm>
+            <a:off x="4535424" y="1362456"/>
+            <a:ext cx="438912" cy="438912"/>
+          </a:xfrm>
+          <a:prstGeom prst="rect">
+            <a:avLst/>
+          </a:prstGeom>
+          <a:noFill/>
+          <a:ln w="9525" cap="flat" cmpd="sng" algn="ctr">
+            <a:solidFill>
+              <a:schemeClr val="accent2"/>
+            </a:solidFill>
+            <a:prstDash val="solid"/>
+            <a:round/>
+            <a:headEnd type="none" w="med" len="med"/>
+            <a:tailEnd type="none" w="med" len="med"/>
+          </a:ln>
+        </p:spPr>
+        <p:style>
+          <a:lnRef idx="0">
+            <a:scrgbClr r="0" g="0" b="0"/>
+          </a:lnRef>
+          <a:fillRef idx="0">
+            <a:scrgbClr r="0" g="0" b="0"/>
+          </a:fillRef>
+          <a:effectRef idx="0">
+            <a:scrgbClr r="0" g="0" b="0"/>
+          </a:effectRef>
+          <a:fontRef idx="minor">
+            <a:schemeClr val="accent2"/>
+          </a:fontRef>
+        </p:style>
+        <p:txBody>
+          <a:bodyPr rtlCol="0" anchor="ctr"/>
+          <a:lstStyle/>
+          <a:p>
+            <a:pPr algn="ctr"/>
+            <a:endParaRPr lang="zh-CN" altLang="en-US"/>
+          </a:p>
+        </p:txBody>
+      </p:sp>
+      <p:sp>
+        <p:nvSpPr>
+          <p:cNvPr id="12" name="矩形 11"/>
+          <p:cNvSpPr/>
+          <p:nvPr/>
+        </p:nvSpPr>
+        <p:spPr>
+          <a:xfrm>
+            <a:off x="4974336" y="1362456"/>
+            <a:ext cx="438912" cy="438912"/>
+          </a:xfrm>
+          <a:prstGeom prst="rect">
+            <a:avLst/>
+          </a:prstGeom>
+          <a:noFill/>
+          <a:ln w="9525" cap="flat" cmpd="sng" algn="ctr">
+            <a:solidFill>
+              <a:schemeClr val="accent2"/>
+            </a:solidFill>
+            <a:prstDash val="solid"/>
+            <a:round/>
+            <a:headEnd type="none" w="med" len="med"/>
+            <a:tailEnd type="none" w="med" len="med"/>
+          </a:ln>
+        </p:spPr>
+        <p:style>
+          <a:lnRef idx="0">
+            <a:scrgbClr r="0" g="0" b="0"/>
+          </a:lnRef>
+          <a:fillRef idx="0">
+            <a:scrgbClr r="0" g="0" b="0"/>
+          </a:fillRef>
+          <a:effectRef idx="0">
+            <a:scrgbClr r="0" g="0" b="0"/>
+          </a:effectRef>
+          <a:fontRef idx="minor">
+            <a:schemeClr val="accent2"/>
+          </a:fontRef>
+        </p:style>
+        <p:txBody>
+          <a:bodyPr rtlCol="0" anchor="ctr"/>
+          <a:lstStyle/>
+          <a:p>
+            <a:pPr algn="ctr"/>
+            <a:endParaRPr lang="zh-CN" altLang="en-US"/>
+          </a:p>
+        </p:txBody>
+      </p:sp>
+      <p:sp>
+        <p:nvSpPr>
+          <p:cNvPr id="13" name="矩形 12"/>
+          <p:cNvSpPr/>
+          <p:nvPr/>
+        </p:nvSpPr>
+        <p:spPr>
+          <a:xfrm>
+            <a:off x="5413248" y="1362456"/>
+            <a:ext cx="438912" cy="438912"/>
+          </a:xfrm>
+          <a:prstGeom prst="rect">
+            <a:avLst/>
+          </a:prstGeom>
+          <a:noFill/>
+          <a:ln w="9525" cap="flat" cmpd="sng" algn="ctr">
+            <a:solidFill>
+              <a:schemeClr val="accent2"/>
+            </a:solidFill>
+            <a:prstDash val="solid"/>
+            <a:round/>
+            <a:headEnd type="none" w="med" len="med"/>
+            <a:tailEnd type="none" w="med" len="med"/>
+          </a:ln>
+        </p:spPr>
+        <p:style>
+          <a:lnRef idx="0">
+            <a:scrgbClr r="0" g="0" b="0"/>
+          </a:lnRef>
+          <a:fillRef idx="0">
+            <a:scrgbClr r="0" g="0" b="0"/>
+          </a:fillRef>
+          <a:effectRef idx="0">
+            <a:scrgbClr r="0" g="0" b="0"/>
+          </a:effectRef>
+          <a:fontRef idx="minor">
+            <a:schemeClr val="accent2"/>
+          </a:fontRef>
+        </p:style>
+        <p:txBody>
+          <a:bodyPr rtlCol="0" anchor="ctr"/>
+          <a:lstStyle/>
+          <a:p>
+            <a:pPr algn="ctr"/>
+            <a:endParaRPr lang="zh-CN" altLang="en-US"/>
+          </a:p>
+        </p:txBody>
+      </p:sp>
+      <p:sp>
+        <p:nvSpPr>
+          <p:cNvPr id="14" name="文本框 13"/>
+          <p:cNvSpPr txBox="1"/>
+          <p:nvPr/>
+        </p:nvSpPr>
+        <p:spPr>
+          <a:xfrm>
+            <a:off x="1529249" y="1011412"/>
+            <a:ext cx="306494" cy="369332"/>
+          </a:xfrm>
+          <a:prstGeom prst="rect">
+            <a:avLst/>
+          </a:prstGeom>
+          <a:noFill/>
+        </p:spPr>
+        <p:txBody>
+          <a:bodyPr wrap="none" rtlCol="0">
+            <a:spAutoFit/>
+          </a:bodyPr>
+          <a:lstStyle/>
+          <a:p>
+            <a:r>
+              <a:rPr lang="en-US" altLang="zh-CN" dirty="0" smtClean="0">
+                <a:latin typeface="Times New Roman" panose="02020603050405020304" pitchFamily="18" charset="0"/>
+                <a:cs typeface="Times New Roman" panose="02020603050405020304" pitchFamily="18" charset="0"/>
+              </a:rPr>
+              <a:t>0</a:t>
+            </a:r>
+            <a:endParaRPr lang="zh-CN" altLang="en-US" dirty="0">
+              <a:latin typeface="Times New Roman" panose="02020603050405020304" pitchFamily="18" charset="0"/>
+              <a:cs typeface="Times New Roman" panose="02020603050405020304" pitchFamily="18" charset="0"/>
+            </a:endParaRPr>
+          </a:p>
+        </p:txBody>
+      </p:sp>
+      <p:sp>
+        <p:nvSpPr>
+          <p:cNvPr id="15" name="文本框 14"/>
+          <p:cNvSpPr txBox="1"/>
+          <p:nvPr/>
+        </p:nvSpPr>
+        <p:spPr>
+          <a:xfrm>
+            <a:off x="1968161" y="1011412"/>
+            <a:ext cx="300082" cy="369332"/>
+          </a:xfrm>
+          <a:prstGeom prst="rect">
+            <a:avLst/>
+          </a:prstGeom>
+          <a:noFill/>
+        </p:spPr>
+        <p:txBody>
+          <a:bodyPr wrap="none" rtlCol="0">
+            <a:spAutoFit/>
+          </a:bodyPr>
+          <a:lstStyle/>
+          <a:p>
+            <a:r>
+              <a:rPr lang="en-US" altLang="zh-CN" dirty="0">
+                <a:latin typeface="Times New Roman" panose="02020603050405020304" pitchFamily="18" charset="0"/>
+                <a:cs typeface="Times New Roman" panose="02020603050405020304" pitchFamily="18" charset="0"/>
+              </a:rPr>
+              <a:t>1</a:t>
+            </a:r>
+            <a:endParaRPr lang="zh-CN" altLang="en-US" dirty="0">
+              <a:latin typeface="Times New Roman" panose="02020603050405020304" pitchFamily="18" charset="0"/>
+              <a:cs typeface="Times New Roman" panose="02020603050405020304" pitchFamily="18" charset="0"/>
+            </a:endParaRPr>
+          </a:p>
+        </p:txBody>
+      </p:sp>
+      <p:sp>
+        <p:nvSpPr>
+          <p:cNvPr id="16" name="文本框 15"/>
+          <p:cNvSpPr txBox="1"/>
+          <p:nvPr/>
+        </p:nvSpPr>
+        <p:spPr>
+          <a:xfrm>
+            <a:off x="2413485" y="1011412"/>
+            <a:ext cx="300082" cy="369332"/>
+          </a:xfrm>
+          <a:prstGeom prst="rect">
+            <a:avLst/>
+          </a:prstGeom>
+          <a:noFill/>
+        </p:spPr>
+        <p:txBody>
+          <a:bodyPr wrap="none" rtlCol="0">
+            <a:spAutoFit/>
+          </a:bodyPr>
+          <a:lstStyle/>
+          <a:p>
+            <a:r>
+              <a:rPr lang="en-US" altLang="zh-CN" dirty="0" smtClean="0">
+                <a:latin typeface="Times New Roman" panose="02020603050405020304" pitchFamily="18" charset="0"/>
+                <a:cs typeface="Times New Roman" panose="02020603050405020304" pitchFamily="18" charset="0"/>
+              </a:rPr>
+              <a:t>2</a:t>
+            </a:r>
+            <a:endParaRPr lang="zh-CN" altLang="en-US" dirty="0">
+              <a:latin typeface="Times New Roman" panose="02020603050405020304" pitchFamily="18" charset="0"/>
+              <a:cs typeface="Times New Roman" panose="02020603050405020304" pitchFamily="18" charset="0"/>
+            </a:endParaRPr>
+          </a:p>
+        </p:txBody>
+      </p:sp>
+      <p:sp>
+        <p:nvSpPr>
+          <p:cNvPr id="17" name="文本框 16"/>
+          <p:cNvSpPr txBox="1"/>
+          <p:nvPr/>
+        </p:nvSpPr>
+        <p:spPr>
+          <a:xfrm>
+            <a:off x="2858809" y="1011412"/>
+            <a:ext cx="300082" cy="369332"/>
+          </a:xfrm>
+          <a:prstGeom prst="rect">
+            <a:avLst/>
+          </a:prstGeom>
+          <a:noFill/>
+        </p:spPr>
+        <p:txBody>
+          <a:bodyPr wrap="none" rtlCol="0">
+            <a:spAutoFit/>
+          </a:bodyPr>
+          <a:lstStyle/>
+          <a:p>
+            <a:r>
+              <a:rPr lang="en-US" altLang="zh-CN" dirty="0">
+                <a:latin typeface="Times New Roman" panose="02020603050405020304" pitchFamily="18" charset="0"/>
+                <a:cs typeface="Times New Roman" panose="02020603050405020304" pitchFamily="18" charset="0"/>
+              </a:rPr>
+              <a:t>3</a:t>
+            </a:r>
+            <a:endParaRPr lang="zh-CN" altLang="en-US" dirty="0">
+              <a:latin typeface="Times New Roman" panose="02020603050405020304" pitchFamily="18" charset="0"/>
+              <a:cs typeface="Times New Roman" panose="02020603050405020304" pitchFamily="18" charset="0"/>
+            </a:endParaRPr>
+          </a:p>
+        </p:txBody>
+      </p:sp>
+      <p:sp>
+        <p:nvSpPr>
+          <p:cNvPr id="18" name="文本框 17"/>
+          <p:cNvSpPr txBox="1"/>
+          <p:nvPr/>
+        </p:nvSpPr>
+        <p:spPr>
+          <a:xfrm>
+            <a:off x="3296716" y="1011412"/>
+            <a:ext cx="300082" cy="369332"/>
+          </a:xfrm>
+          <a:prstGeom prst="rect">
+            <a:avLst/>
+          </a:prstGeom>
+          <a:noFill/>
+        </p:spPr>
+        <p:txBody>
+          <a:bodyPr wrap="none" rtlCol="0">
+            <a:spAutoFit/>
+          </a:bodyPr>
+          <a:lstStyle/>
+          <a:p>
+            <a:r>
+              <a:rPr lang="en-US" altLang="zh-CN" dirty="0" smtClean="0">
+                <a:latin typeface="Times New Roman" panose="02020603050405020304" pitchFamily="18" charset="0"/>
+                <a:cs typeface="Times New Roman" panose="02020603050405020304" pitchFamily="18" charset="0"/>
+              </a:rPr>
+              <a:t>4</a:t>
+            </a:r>
+            <a:endParaRPr lang="zh-CN" altLang="en-US" dirty="0">
+              <a:latin typeface="Times New Roman" panose="02020603050405020304" pitchFamily="18" charset="0"/>
+              <a:cs typeface="Times New Roman" panose="02020603050405020304" pitchFamily="18" charset="0"/>
+            </a:endParaRPr>
+          </a:p>
+        </p:txBody>
+      </p:sp>
+      <p:sp>
+        <p:nvSpPr>
+          <p:cNvPr id="19" name="文本框 18"/>
+          <p:cNvSpPr txBox="1"/>
+          <p:nvPr/>
+        </p:nvSpPr>
+        <p:spPr>
+          <a:xfrm>
+            <a:off x="3735628" y="1011412"/>
+            <a:ext cx="300082" cy="369332"/>
+          </a:xfrm>
+          <a:prstGeom prst="rect">
+            <a:avLst/>
+          </a:prstGeom>
+          <a:noFill/>
+        </p:spPr>
+        <p:txBody>
+          <a:bodyPr wrap="none" rtlCol="0">
+            <a:spAutoFit/>
+          </a:bodyPr>
+          <a:lstStyle/>
+          <a:p>
+            <a:r>
+              <a:rPr lang="en-US" altLang="zh-CN" dirty="0" smtClean="0">
+                <a:latin typeface="Times New Roman" panose="02020603050405020304" pitchFamily="18" charset="0"/>
+                <a:cs typeface="Times New Roman" panose="02020603050405020304" pitchFamily="18" charset="0"/>
+              </a:rPr>
+              <a:t>5</a:t>
+            </a:r>
+            <a:endParaRPr lang="zh-CN" altLang="en-US" dirty="0">
+              <a:latin typeface="Times New Roman" panose="02020603050405020304" pitchFamily="18" charset="0"/>
+              <a:cs typeface="Times New Roman" panose="02020603050405020304" pitchFamily="18" charset="0"/>
+            </a:endParaRPr>
+          </a:p>
+        </p:txBody>
+      </p:sp>
+      <p:sp>
+        <p:nvSpPr>
+          <p:cNvPr id="20" name="文本框 19"/>
+          <p:cNvSpPr txBox="1"/>
+          <p:nvPr/>
+        </p:nvSpPr>
+        <p:spPr>
+          <a:xfrm>
+            <a:off x="4180952" y="1011412"/>
+            <a:ext cx="300082" cy="369332"/>
+          </a:xfrm>
+          <a:prstGeom prst="rect">
+            <a:avLst/>
+          </a:prstGeom>
+          <a:noFill/>
+        </p:spPr>
+        <p:txBody>
+          <a:bodyPr wrap="none" rtlCol="0">
+            <a:spAutoFit/>
+          </a:bodyPr>
+          <a:lstStyle/>
+          <a:p>
+            <a:r>
+              <a:rPr lang="en-US" altLang="zh-CN" dirty="0">
+                <a:latin typeface="Times New Roman" panose="02020603050405020304" pitchFamily="18" charset="0"/>
+                <a:cs typeface="Times New Roman" panose="02020603050405020304" pitchFamily="18" charset="0"/>
+              </a:rPr>
+              <a:t>6</a:t>
+            </a:r>
+            <a:endParaRPr lang="zh-CN" altLang="en-US" dirty="0">
+              <a:latin typeface="Times New Roman" panose="02020603050405020304" pitchFamily="18" charset="0"/>
+              <a:cs typeface="Times New Roman" panose="02020603050405020304" pitchFamily="18" charset="0"/>
+            </a:endParaRPr>
+          </a:p>
+        </p:txBody>
+      </p:sp>
+      <p:sp>
+        <p:nvSpPr>
+          <p:cNvPr id="21" name="文本框 20"/>
+          <p:cNvSpPr txBox="1"/>
+          <p:nvPr/>
+        </p:nvSpPr>
+        <p:spPr>
+          <a:xfrm>
+            <a:off x="4626276" y="1011412"/>
+            <a:ext cx="300082" cy="369332"/>
+          </a:xfrm>
+          <a:prstGeom prst="rect">
+            <a:avLst/>
+          </a:prstGeom>
+          <a:noFill/>
+        </p:spPr>
+        <p:txBody>
+          <a:bodyPr wrap="none" rtlCol="0">
+            <a:spAutoFit/>
+          </a:bodyPr>
+          <a:lstStyle/>
+          <a:p>
+            <a:r>
+              <a:rPr lang="en-US" altLang="zh-CN" dirty="0" smtClean="0">
+                <a:latin typeface="Times New Roman" panose="02020603050405020304" pitchFamily="18" charset="0"/>
+                <a:cs typeface="Times New Roman" panose="02020603050405020304" pitchFamily="18" charset="0"/>
+              </a:rPr>
+              <a:t>7</a:t>
+            </a:r>
+            <a:endParaRPr lang="zh-CN" altLang="en-US" dirty="0">
+              <a:latin typeface="Times New Roman" panose="02020603050405020304" pitchFamily="18" charset="0"/>
+              <a:cs typeface="Times New Roman" panose="02020603050405020304" pitchFamily="18" charset="0"/>
+            </a:endParaRPr>
+          </a:p>
+        </p:txBody>
+      </p:sp>
+      <p:sp>
+        <p:nvSpPr>
+          <p:cNvPr id="22" name="文本框 21"/>
+          <p:cNvSpPr txBox="1"/>
+          <p:nvPr/>
+        </p:nvSpPr>
+        <p:spPr>
+          <a:xfrm>
+            <a:off x="5052307" y="1011412"/>
+            <a:ext cx="300082" cy="369332"/>
+          </a:xfrm>
+          <a:prstGeom prst="rect">
+            <a:avLst/>
+          </a:prstGeom>
+          <a:noFill/>
+        </p:spPr>
+        <p:txBody>
+          <a:bodyPr wrap="none" rtlCol="0">
+            <a:spAutoFit/>
+          </a:bodyPr>
+          <a:lstStyle/>
+          <a:p>
+            <a:r>
+              <a:rPr lang="en-US" altLang="zh-CN" dirty="0">
+                <a:latin typeface="Times New Roman" panose="02020603050405020304" pitchFamily="18" charset="0"/>
+                <a:cs typeface="Times New Roman" panose="02020603050405020304" pitchFamily="18" charset="0"/>
+              </a:rPr>
+              <a:t>8</a:t>
+            </a:r>
+            <a:endParaRPr lang="zh-CN" altLang="en-US" dirty="0">
+              <a:latin typeface="Times New Roman" panose="02020603050405020304" pitchFamily="18" charset="0"/>
+              <a:cs typeface="Times New Roman" panose="02020603050405020304" pitchFamily="18" charset="0"/>
+            </a:endParaRPr>
+          </a:p>
+        </p:txBody>
+      </p:sp>
+      <p:sp>
+        <p:nvSpPr>
+          <p:cNvPr id="23" name="文本框 22"/>
+          <p:cNvSpPr txBox="1"/>
+          <p:nvPr/>
+        </p:nvSpPr>
+        <p:spPr>
+          <a:xfrm>
+            <a:off x="5494065" y="1011412"/>
+            <a:ext cx="300082" cy="369332"/>
+          </a:xfrm>
+          <a:prstGeom prst="rect">
+            <a:avLst/>
+          </a:prstGeom>
+          <a:noFill/>
+        </p:spPr>
+        <p:txBody>
+          <a:bodyPr wrap="none" rtlCol="0">
+            <a:spAutoFit/>
+          </a:bodyPr>
+          <a:lstStyle/>
+          <a:p>
+            <a:r>
+              <a:rPr lang="en-US" altLang="zh-CN" dirty="0" smtClean="0">
+                <a:latin typeface="Times New Roman" panose="02020603050405020304" pitchFamily="18" charset="0"/>
+                <a:cs typeface="Times New Roman" panose="02020603050405020304" pitchFamily="18" charset="0"/>
+              </a:rPr>
+              <a:t>9</a:t>
+            </a:r>
+            <a:endParaRPr lang="zh-CN" altLang="en-US" dirty="0">
+              <a:latin typeface="Times New Roman" panose="02020603050405020304" pitchFamily="18" charset="0"/>
+              <a:cs typeface="Times New Roman" panose="02020603050405020304" pitchFamily="18" charset="0"/>
+            </a:endParaRPr>
+          </a:p>
+        </p:txBody>
+      </p:sp>
+      <p:sp>
+        <p:nvSpPr>
+          <p:cNvPr id="24" name="矩形 23"/>
+          <p:cNvSpPr/>
+          <p:nvPr/>
+        </p:nvSpPr>
+        <p:spPr>
+          <a:xfrm>
+            <a:off x="5852160" y="1362456"/>
+            <a:ext cx="438912" cy="438912"/>
+          </a:xfrm>
+          <a:prstGeom prst="rect">
+            <a:avLst/>
+          </a:prstGeom>
+          <a:ln>
+            <a:prstDash val="sysDash"/>
+            <a:headEnd type="none" w="med" len="med"/>
+            <a:tailEnd type="none" w="med" len="med"/>
+          </a:ln>
+        </p:spPr>
+        <p:style>
+          <a:lnRef idx="2">
+            <a:schemeClr val="accent3"/>
+          </a:lnRef>
+          <a:fillRef idx="1">
+            <a:schemeClr val="lt1"/>
+          </a:fillRef>
+          <a:effectRef idx="0">
+            <a:schemeClr val="accent3"/>
+          </a:effectRef>
+          <a:fontRef idx="minor">
+            <a:schemeClr val="dk1"/>
+          </a:fontRef>
+        </p:style>
+        <p:txBody>
+          <a:bodyPr rtlCol="0" anchor="ctr"/>
+          <a:lstStyle/>
+          <a:p>
+            <a:pPr algn="ctr"/>
+            <a:endParaRPr lang="zh-CN" altLang="en-US"/>
+          </a:p>
+        </p:txBody>
+      </p:sp>
+      <p:sp>
+        <p:nvSpPr>
+          <p:cNvPr id="25" name="文本框 24"/>
+          <p:cNvSpPr txBox="1"/>
+          <p:nvPr/>
+        </p:nvSpPr>
+        <p:spPr>
+          <a:xfrm>
+            <a:off x="5875574" y="1011412"/>
+            <a:ext cx="415498" cy="369332"/>
+          </a:xfrm>
+          <a:prstGeom prst="rect">
+            <a:avLst/>
+          </a:prstGeom>
+          <a:noFill/>
+        </p:spPr>
+        <p:txBody>
+          <a:bodyPr wrap="none" rtlCol="0">
+            <a:spAutoFit/>
+          </a:bodyPr>
+          <a:lstStyle/>
+          <a:p>
+            <a:r>
+              <a:rPr lang="en-US" altLang="zh-CN" dirty="0" smtClean="0">
+                <a:latin typeface="Times New Roman" panose="02020603050405020304" pitchFamily="18" charset="0"/>
+                <a:cs typeface="Times New Roman" panose="02020603050405020304" pitchFamily="18" charset="0"/>
+              </a:rPr>
+              <a:t>10</a:t>
+            </a:r>
+            <a:endParaRPr lang="zh-CN" altLang="en-US" dirty="0">
+              <a:latin typeface="Times New Roman" panose="02020603050405020304" pitchFamily="18" charset="0"/>
+              <a:cs typeface="Times New Roman" panose="02020603050405020304" pitchFamily="18" charset="0"/>
+            </a:endParaRPr>
+          </a:p>
+        </p:txBody>
+      </p:sp>
+      <p:cxnSp>
+        <p:nvCxnSpPr>
+          <p:cNvPr id="26" name="直接箭头连接符 25"/>
+          <p:cNvCxnSpPr/>
+          <p:nvPr/>
+        </p:nvCxnSpPr>
+        <p:spPr>
+          <a:xfrm flipV="1">
+            <a:off x="6163056" y="1791430"/>
+            <a:ext cx="0" cy="638686"/>
+          </a:xfrm>
+          <a:prstGeom prst="straightConnector1">
+            <a:avLst/>
+          </a:prstGeom>
+          <a:ln w="19050">
+            <a:tailEnd type="triangle"/>
+          </a:ln>
+        </p:spPr>
+        <p:style>
+          <a:lnRef idx="1">
+            <a:schemeClr val="accent1"/>
+          </a:lnRef>
+          <a:fillRef idx="0">
+            <a:schemeClr val="accent1"/>
+          </a:fillRef>
+          <a:effectRef idx="0">
+            <a:schemeClr val="accent1"/>
+          </a:effectRef>
+          <a:fontRef idx="minor">
+            <a:schemeClr val="tx1"/>
+          </a:fontRef>
+        </p:style>
+      </p:cxnSp>
+      <p:sp>
+        <p:nvSpPr>
+          <p:cNvPr id="28" name="圆角矩形 27"/>
+          <p:cNvSpPr/>
+          <p:nvPr/>
+        </p:nvSpPr>
+        <p:spPr>
+          <a:xfrm>
+            <a:off x="1397975" y="2454968"/>
+            <a:ext cx="536713" cy="387625"/>
+          </a:xfrm>
+          <a:prstGeom prst="roundRect">
+            <a:avLst/>
+          </a:prstGeom>
+        </p:spPr>
+        <p:style>
+          <a:lnRef idx="0">
+            <a:schemeClr val="accent6"/>
+          </a:lnRef>
+          <a:fillRef idx="3">
+            <a:schemeClr val="accent6"/>
+          </a:fillRef>
+          <a:effectRef idx="3">
+            <a:schemeClr val="accent6"/>
+          </a:effectRef>
+          <a:fontRef idx="minor">
+            <a:schemeClr val="lt1"/>
+          </a:fontRef>
+        </p:style>
+        <p:txBody>
+          <a:bodyPr rtlCol="0" anchor="ctr"/>
+          <a:lstStyle/>
+          <a:p>
+            <a:pPr algn="ctr"/>
+            <a:r>
+              <a:rPr lang="en-US" altLang="zh-CN" sz="1600" dirty="0" smtClean="0">
+                <a:latin typeface="Times New Roman" panose="02020603050405020304" pitchFamily="18" charset="0"/>
+                <a:cs typeface="Times New Roman" panose="02020603050405020304" pitchFamily="18" charset="0"/>
+              </a:rPr>
+              <a:t>-1</a:t>
+            </a:r>
+            <a:endParaRPr lang="zh-CN" altLang="en-US" sz="1600" dirty="0">
+              <a:latin typeface="Times New Roman" panose="02020603050405020304" pitchFamily="18" charset="0"/>
+              <a:cs typeface="Times New Roman" panose="02020603050405020304" pitchFamily="18" charset="0"/>
+            </a:endParaRPr>
+          </a:p>
+        </p:txBody>
+      </p:sp>
+      <p:sp>
+        <p:nvSpPr>
+          <p:cNvPr id="29" name="圆角矩形 28"/>
+          <p:cNvSpPr/>
+          <p:nvPr/>
+        </p:nvSpPr>
+        <p:spPr>
+          <a:xfrm>
+            <a:off x="2649119" y="2440054"/>
+            <a:ext cx="536713" cy="387625"/>
+          </a:xfrm>
+          <a:prstGeom prst="roundRect">
+            <a:avLst/>
+          </a:prstGeom>
+        </p:spPr>
+        <p:style>
+          <a:lnRef idx="0">
+            <a:schemeClr val="accent6"/>
+          </a:lnRef>
+          <a:fillRef idx="3">
+            <a:schemeClr val="accent6"/>
+          </a:fillRef>
+          <a:effectRef idx="3">
+            <a:schemeClr val="accent6"/>
+          </a:effectRef>
+          <a:fontRef idx="minor">
+            <a:schemeClr val="lt1"/>
+          </a:fontRef>
+        </p:style>
+        <p:txBody>
+          <a:bodyPr rtlCol="0" anchor="ctr"/>
+          <a:lstStyle/>
+          <a:p>
+            <a:pPr algn="ctr"/>
+            <a:r>
+              <a:rPr lang="en-US" altLang="zh-CN" sz="1600" dirty="0">
+                <a:latin typeface="Times New Roman" panose="02020603050405020304" pitchFamily="18" charset="0"/>
+                <a:cs typeface="Times New Roman" panose="02020603050405020304" pitchFamily="18" charset="0"/>
+              </a:rPr>
+              <a:t>2</a:t>
+            </a:r>
+            <a:endParaRPr lang="zh-CN" altLang="en-US" sz="1600" dirty="0">
+              <a:latin typeface="Times New Roman" panose="02020603050405020304" pitchFamily="18" charset="0"/>
+              <a:cs typeface="Times New Roman" panose="02020603050405020304" pitchFamily="18" charset="0"/>
+            </a:endParaRPr>
+          </a:p>
+        </p:txBody>
+      </p:sp>
+      <p:sp>
+        <p:nvSpPr>
+          <p:cNvPr id="30" name="圆角矩形 29"/>
+          <p:cNvSpPr/>
+          <p:nvPr/>
+        </p:nvSpPr>
+        <p:spPr>
+          <a:xfrm>
+            <a:off x="5803259" y="2440054"/>
+            <a:ext cx="536713" cy="387625"/>
+          </a:xfrm>
+          <a:prstGeom prst="roundRect">
+            <a:avLst/>
+          </a:prstGeom>
+        </p:spPr>
+        <p:style>
+          <a:lnRef idx="0">
+            <a:schemeClr val="accent6"/>
+          </a:lnRef>
+          <a:fillRef idx="3">
+            <a:schemeClr val="accent6"/>
+          </a:fillRef>
+          <a:effectRef idx="3">
+            <a:schemeClr val="accent6"/>
+          </a:effectRef>
+          <a:fontRef idx="minor">
+            <a:schemeClr val="lt1"/>
+          </a:fontRef>
+        </p:style>
+        <p:txBody>
+          <a:bodyPr rtlCol="0" anchor="ctr"/>
+          <a:lstStyle/>
+          <a:p>
+            <a:pPr algn="ctr"/>
+            <a:r>
+              <a:rPr lang="en-US" altLang="zh-CN" sz="1600" dirty="0" smtClean="0">
+                <a:latin typeface="Times New Roman" panose="02020603050405020304" pitchFamily="18" charset="0"/>
+                <a:cs typeface="Times New Roman" panose="02020603050405020304" pitchFamily="18" charset="0"/>
+              </a:rPr>
+              <a:t>10</a:t>
+            </a:r>
+            <a:endParaRPr lang="zh-CN" altLang="en-US" sz="1600" dirty="0">
+              <a:latin typeface="Times New Roman" panose="02020603050405020304" pitchFamily="18" charset="0"/>
+              <a:cs typeface="Times New Roman" panose="02020603050405020304" pitchFamily="18" charset="0"/>
+            </a:endParaRPr>
+          </a:p>
+        </p:txBody>
+      </p:sp>
+      <p:sp>
+        <p:nvSpPr>
+          <p:cNvPr id="31" name="圆角矩形 30"/>
+          <p:cNvSpPr/>
+          <p:nvPr/>
+        </p:nvSpPr>
+        <p:spPr>
+          <a:xfrm>
+            <a:off x="4526262" y="2430116"/>
+            <a:ext cx="536713" cy="387625"/>
+          </a:xfrm>
+          <a:prstGeom prst="roundRect">
+            <a:avLst/>
+          </a:prstGeom>
+        </p:spPr>
+        <p:style>
+          <a:lnRef idx="0">
+            <a:schemeClr val="accent6"/>
+          </a:lnRef>
+          <a:fillRef idx="3">
+            <a:schemeClr val="accent6"/>
+          </a:fillRef>
+          <a:effectRef idx="3">
+            <a:schemeClr val="accent6"/>
+          </a:effectRef>
+          <a:fontRef idx="minor">
+            <a:schemeClr val="lt1"/>
+          </a:fontRef>
+        </p:style>
+        <p:txBody>
+          <a:bodyPr rtlCol="0" anchor="ctr"/>
+          <a:lstStyle/>
+          <a:p>
+            <a:pPr algn="ctr"/>
+            <a:r>
+              <a:rPr lang="en-US" altLang="zh-CN" sz="1600" dirty="0">
+                <a:latin typeface="Times New Roman" panose="02020603050405020304" pitchFamily="18" charset="0"/>
+                <a:cs typeface="Times New Roman" panose="02020603050405020304" pitchFamily="18" charset="0"/>
+              </a:rPr>
+              <a:t>5</a:t>
+            </a:r>
+            <a:endParaRPr lang="zh-CN" altLang="en-US" sz="1600" dirty="0">
+              <a:latin typeface="Times New Roman" panose="02020603050405020304" pitchFamily="18" charset="0"/>
+              <a:cs typeface="Times New Roman" panose="02020603050405020304" pitchFamily="18" charset="0"/>
+            </a:endParaRPr>
+          </a:p>
+        </p:txBody>
+      </p:sp>
+      <p:sp>
+        <p:nvSpPr>
+          <p:cNvPr id="32" name="文本框 31"/>
+          <p:cNvSpPr txBox="1"/>
+          <p:nvPr/>
+        </p:nvSpPr>
+        <p:spPr>
+          <a:xfrm>
+            <a:off x="1325532" y="2961862"/>
+            <a:ext cx="681597" cy="338554"/>
+          </a:xfrm>
+          <a:prstGeom prst="rect">
+            <a:avLst/>
+          </a:prstGeom>
+          <a:noFill/>
+        </p:spPr>
+        <p:txBody>
+          <a:bodyPr wrap="square" rtlCol="0">
+            <a:spAutoFit/>
+          </a:bodyPr>
+          <a:lstStyle/>
+          <a:p>
+            <a:r>
+              <a:rPr lang="en-US" altLang="zh-CN" sz="1600" dirty="0" smtClean="0">
+                <a:latin typeface="Times New Roman" panose="02020603050405020304" pitchFamily="18" charset="0"/>
+                <a:cs typeface="Times New Roman" panose="02020603050405020304" pitchFamily="18" charset="0"/>
+              </a:rPr>
+              <a:t>mark</a:t>
+            </a:r>
+            <a:endParaRPr lang="zh-CN" altLang="en-US" sz="1600" dirty="0">
+              <a:latin typeface="Times New Roman" panose="02020603050405020304" pitchFamily="18" charset="0"/>
+              <a:cs typeface="Times New Roman" panose="02020603050405020304" pitchFamily="18" charset="0"/>
+            </a:endParaRPr>
+          </a:p>
+        </p:txBody>
+      </p:sp>
+      <p:sp>
+        <p:nvSpPr>
+          <p:cNvPr id="33" name="文本框 32"/>
+          <p:cNvSpPr txBox="1"/>
+          <p:nvPr/>
+        </p:nvSpPr>
+        <p:spPr>
+          <a:xfrm>
+            <a:off x="2527194" y="2932039"/>
+            <a:ext cx="926547" cy="338554"/>
+          </a:xfrm>
+          <a:prstGeom prst="rect">
+            <a:avLst/>
+          </a:prstGeom>
+          <a:noFill/>
+        </p:spPr>
+        <p:txBody>
+          <a:bodyPr wrap="square" rtlCol="0">
+            <a:spAutoFit/>
+          </a:bodyPr>
+          <a:lstStyle/>
+          <a:p>
+            <a:r>
+              <a:rPr lang="en-US" altLang="zh-CN" sz="1600" dirty="0" smtClean="0">
+                <a:latin typeface="Times New Roman" panose="02020603050405020304" pitchFamily="18" charset="0"/>
+                <a:cs typeface="Times New Roman" panose="02020603050405020304" pitchFamily="18" charset="0"/>
+              </a:rPr>
+              <a:t>position</a:t>
+            </a:r>
+            <a:endParaRPr lang="zh-CN" altLang="en-US" sz="1600" dirty="0">
+              <a:latin typeface="Times New Roman" panose="02020603050405020304" pitchFamily="18" charset="0"/>
+              <a:cs typeface="Times New Roman" panose="02020603050405020304" pitchFamily="18" charset="0"/>
+            </a:endParaRPr>
+          </a:p>
+        </p:txBody>
+      </p:sp>
+      <p:sp>
+        <p:nvSpPr>
+          <p:cNvPr id="34" name="文本框 33"/>
+          <p:cNvSpPr txBox="1"/>
+          <p:nvPr/>
+        </p:nvSpPr>
+        <p:spPr>
+          <a:xfrm>
+            <a:off x="4504811" y="2951923"/>
+            <a:ext cx="659130" cy="338554"/>
+          </a:xfrm>
+          <a:prstGeom prst="rect">
+            <a:avLst/>
+          </a:prstGeom>
+          <a:noFill/>
+        </p:spPr>
+        <p:txBody>
+          <a:bodyPr wrap="square" rtlCol="0">
+            <a:spAutoFit/>
+          </a:bodyPr>
+          <a:lstStyle/>
+          <a:p>
+            <a:r>
+              <a:rPr lang="en-US" altLang="zh-CN" sz="1600" dirty="0" smtClean="0">
+                <a:latin typeface="Times New Roman" panose="02020603050405020304" pitchFamily="18" charset="0"/>
+                <a:cs typeface="Times New Roman" panose="02020603050405020304" pitchFamily="18" charset="0"/>
+              </a:rPr>
+              <a:t>limit</a:t>
+            </a:r>
+            <a:endParaRPr lang="zh-CN" altLang="en-US" sz="1600" dirty="0">
+              <a:latin typeface="Times New Roman" panose="02020603050405020304" pitchFamily="18" charset="0"/>
+              <a:cs typeface="Times New Roman" panose="02020603050405020304" pitchFamily="18" charset="0"/>
+            </a:endParaRPr>
+          </a:p>
+        </p:txBody>
+      </p:sp>
+      <p:sp>
+        <p:nvSpPr>
+          <p:cNvPr id="35" name="文本框 34"/>
+          <p:cNvSpPr txBox="1"/>
+          <p:nvPr/>
+        </p:nvSpPr>
+        <p:spPr>
+          <a:xfrm>
+            <a:off x="5650367" y="2951923"/>
+            <a:ext cx="955155" cy="338554"/>
+          </a:xfrm>
+          <a:prstGeom prst="rect">
+            <a:avLst/>
+          </a:prstGeom>
+          <a:noFill/>
+        </p:spPr>
+        <p:txBody>
+          <a:bodyPr wrap="square" rtlCol="0">
+            <a:spAutoFit/>
+          </a:bodyPr>
+          <a:lstStyle/>
+          <a:p>
+            <a:r>
+              <a:rPr lang="en-US" altLang="zh-CN" sz="1600" dirty="0" smtClean="0">
+                <a:latin typeface="Times New Roman" panose="02020603050405020304" pitchFamily="18" charset="0"/>
+                <a:cs typeface="Times New Roman" panose="02020603050405020304" pitchFamily="18" charset="0"/>
+              </a:rPr>
+              <a:t>capacity</a:t>
+            </a:r>
+            <a:endParaRPr lang="zh-CN" altLang="en-US" sz="1600" dirty="0">
+              <a:latin typeface="Times New Roman" panose="02020603050405020304" pitchFamily="18" charset="0"/>
+              <a:cs typeface="Times New Roman" panose="02020603050405020304" pitchFamily="18" charset="0"/>
+            </a:endParaRPr>
+          </a:p>
+        </p:txBody>
+      </p:sp>
+      <p:cxnSp>
+        <p:nvCxnSpPr>
+          <p:cNvPr id="37" name="肘形连接符 36"/>
+          <p:cNvCxnSpPr>
+            <a:stCxn id="29" idx="0"/>
+          </p:cNvCxnSpPr>
+          <p:nvPr/>
+        </p:nvCxnSpPr>
+        <p:spPr>
+          <a:xfrm rot="16200000" flipV="1">
+            <a:off x="2420730" y="1943307"/>
+            <a:ext cx="659951" cy="333543"/>
+          </a:xfrm>
+          <a:prstGeom prst="bentConnector3">
+            <a:avLst/>
+          </a:prstGeom>
+          <a:ln w="19050">
+            <a:tailEnd type="triangle"/>
+          </a:ln>
+        </p:spPr>
+        <p:style>
+          <a:lnRef idx="1">
+            <a:schemeClr val="accent1"/>
+          </a:lnRef>
+          <a:fillRef idx="0">
+            <a:schemeClr val="accent1"/>
+          </a:fillRef>
+          <a:effectRef idx="0">
+            <a:schemeClr val="accent1"/>
+          </a:effectRef>
+          <a:fontRef idx="minor">
+            <a:schemeClr val="tx1"/>
+          </a:fontRef>
+        </p:style>
+      </p:cxnSp>
+      <p:cxnSp>
+        <p:nvCxnSpPr>
+          <p:cNvPr id="39" name="肘形连接符 38"/>
+          <p:cNvCxnSpPr>
+            <a:stCxn id="31" idx="0"/>
+            <a:endCxn id="24" idx="2"/>
+          </p:cNvCxnSpPr>
+          <p:nvPr/>
+        </p:nvCxnSpPr>
+        <p:spPr>
+          <a:xfrm rot="5400000" flipH="1" flipV="1">
+            <a:off x="5118743" y="1477244"/>
+            <a:ext cx="628748" cy="1276997"/>
+          </a:xfrm>
+          <a:prstGeom prst="bentConnector3">
+            <a:avLst/>
+          </a:prstGeom>
+          <a:ln w="19050">
+            <a:tailEnd type="triangle"/>
+          </a:ln>
+        </p:spPr>
+        <p:style>
+          <a:lnRef idx="1">
+            <a:schemeClr val="accent1"/>
+          </a:lnRef>
+          <a:fillRef idx="0">
+            <a:schemeClr val="accent1"/>
+          </a:fillRef>
+          <a:effectRef idx="0">
+            <a:schemeClr val="accent1"/>
+          </a:effectRef>
+          <a:fontRef idx="minor">
+            <a:schemeClr val="tx1"/>
+          </a:fontRef>
+        </p:style>
+      </p:cxnSp>
+      <p:sp>
+        <p:nvSpPr>
+          <p:cNvPr id="38" name="矩形 37"/>
+          <p:cNvSpPr/>
+          <p:nvPr/>
+        </p:nvSpPr>
+        <p:spPr>
+          <a:xfrm>
+            <a:off x="1463040" y="4181808"/>
+            <a:ext cx="438912" cy="438912"/>
+          </a:xfrm>
+          <a:prstGeom prst="rect">
+            <a:avLst/>
+          </a:prstGeom>
+          <a:ln>
+            <a:headEnd type="none" w="med" len="med"/>
+            <a:tailEnd type="none" w="med" len="med"/>
+          </a:ln>
+        </p:spPr>
+        <p:style>
+          <a:lnRef idx="2">
+            <a:schemeClr val="accent2">
+              <a:shade val="50000"/>
+            </a:schemeClr>
+          </a:lnRef>
+          <a:fillRef idx="1">
+            <a:schemeClr val="accent2"/>
+          </a:fillRef>
+          <a:effectRef idx="0">
+            <a:schemeClr val="accent2"/>
+          </a:effectRef>
+          <a:fontRef idx="minor">
+            <a:schemeClr val="lt1"/>
+          </a:fontRef>
+        </p:style>
+        <p:txBody>
+          <a:bodyPr rtlCol="0" anchor="ctr"/>
+          <a:lstStyle/>
+          <a:p>
+            <a:pPr algn="ctr"/>
+            <a:r>
+              <a:rPr lang="en-US" altLang="zh-CN" dirty="0">
+                <a:latin typeface="Times New Roman" panose="02020603050405020304" pitchFamily="18" charset="0"/>
+                <a:cs typeface="Times New Roman" panose="02020603050405020304" pitchFamily="18" charset="0"/>
+              </a:rPr>
+              <a:t>c</a:t>
+            </a:r>
+            <a:endParaRPr lang="zh-CN" altLang="en-US" dirty="0">
+              <a:latin typeface="Times New Roman" panose="02020603050405020304" pitchFamily="18" charset="0"/>
+              <a:cs typeface="Times New Roman" panose="02020603050405020304" pitchFamily="18" charset="0"/>
+            </a:endParaRPr>
+          </a:p>
+        </p:txBody>
+      </p:sp>
+      <p:sp>
+        <p:nvSpPr>
+          <p:cNvPr id="40" name="矩形 39"/>
+          <p:cNvSpPr/>
+          <p:nvPr/>
+        </p:nvSpPr>
+        <p:spPr>
+          <a:xfrm>
+            <a:off x="1901952" y="4181808"/>
+            <a:ext cx="438912" cy="438912"/>
+          </a:xfrm>
+          <a:prstGeom prst="rect">
+            <a:avLst/>
+          </a:prstGeom>
+          <a:ln>
+            <a:headEnd type="none" w="med" len="med"/>
+            <a:tailEnd type="none" w="med" len="med"/>
+          </a:ln>
+        </p:spPr>
+        <p:style>
+          <a:lnRef idx="2">
+            <a:schemeClr val="accent2">
+              <a:shade val="50000"/>
+            </a:schemeClr>
+          </a:lnRef>
+          <a:fillRef idx="1">
+            <a:schemeClr val="accent2"/>
+          </a:fillRef>
+          <a:effectRef idx="0">
+            <a:schemeClr val="accent2"/>
+          </a:effectRef>
+          <a:fontRef idx="minor">
+            <a:schemeClr val="lt1"/>
+          </a:fontRef>
+        </p:style>
+        <p:txBody>
+          <a:bodyPr rtlCol="0" anchor="ctr"/>
+          <a:lstStyle/>
+          <a:p>
+            <a:pPr algn="ctr"/>
+            <a:r>
+              <a:rPr lang="en-US" altLang="zh-CN" dirty="0">
+                <a:latin typeface="Times New Roman" panose="02020603050405020304" pitchFamily="18" charset="0"/>
+                <a:cs typeface="Times New Roman" panose="02020603050405020304" pitchFamily="18" charset="0"/>
+              </a:rPr>
+              <a:t>d</a:t>
+            </a:r>
+            <a:endParaRPr lang="zh-CN" altLang="en-US" dirty="0">
+              <a:latin typeface="Times New Roman" panose="02020603050405020304" pitchFamily="18" charset="0"/>
+              <a:cs typeface="Times New Roman" panose="02020603050405020304" pitchFamily="18" charset="0"/>
+            </a:endParaRPr>
+          </a:p>
+        </p:txBody>
+      </p:sp>
+      <p:sp>
+        <p:nvSpPr>
+          <p:cNvPr id="41" name="矩形 40"/>
+          <p:cNvSpPr/>
+          <p:nvPr/>
+        </p:nvSpPr>
+        <p:spPr>
+          <a:xfrm>
+            <a:off x="2340864" y="4181808"/>
+            <a:ext cx="438912" cy="438912"/>
+          </a:xfrm>
+          <a:prstGeom prst="rect">
+            <a:avLst/>
+          </a:prstGeom>
+          <a:ln>
+            <a:headEnd type="none" w="med" len="med"/>
+            <a:tailEnd type="none" w="med" len="med"/>
+          </a:ln>
+        </p:spPr>
+        <p:style>
+          <a:lnRef idx="2">
+            <a:schemeClr val="accent2">
+              <a:shade val="50000"/>
+            </a:schemeClr>
+          </a:lnRef>
+          <a:fillRef idx="1">
+            <a:schemeClr val="accent2"/>
+          </a:fillRef>
+          <a:effectRef idx="0">
+            <a:schemeClr val="accent2"/>
+          </a:effectRef>
+          <a:fontRef idx="minor">
+            <a:schemeClr val="lt1"/>
+          </a:fontRef>
+        </p:style>
+        <p:txBody>
+          <a:bodyPr rtlCol="0" anchor="ctr"/>
+          <a:lstStyle/>
+          <a:p>
+            <a:pPr algn="ctr"/>
+            <a:r>
+              <a:rPr lang="en-US" altLang="zh-CN" dirty="0">
+                <a:latin typeface="Times New Roman" panose="02020603050405020304" pitchFamily="18" charset="0"/>
+                <a:cs typeface="Times New Roman" panose="02020603050405020304" pitchFamily="18" charset="0"/>
+              </a:rPr>
+              <a:t>e</a:t>
+            </a:r>
+            <a:endParaRPr lang="zh-CN" altLang="en-US" dirty="0">
+              <a:latin typeface="Times New Roman" panose="02020603050405020304" pitchFamily="18" charset="0"/>
+              <a:cs typeface="Times New Roman" panose="02020603050405020304" pitchFamily="18" charset="0"/>
+            </a:endParaRPr>
+          </a:p>
+        </p:txBody>
+      </p:sp>
+      <p:sp>
+        <p:nvSpPr>
+          <p:cNvPr id="43" name="矩形 42"/>
+          <p:cNvSpPr/>
+          <p:nvPr/>
+        </p:nvSpPr>
+        <p:spPr>
+          <a:xfrm>
+            <a:off x="3218688" y="4181808"/>
+            <a:ext cx="438912" cy="438912"/>
+          </a:xfrm>
+          <a:prstGeom prst="rect">
+            <a:avLst/>
+          </a:prstGeom>
+          <a:ln>
+            <a:headEnd type="none" w="med" len="med"/>
+            <a:tailEnd type="none" w="med" len="med"/>
+          </a:ln>
+        </p:spPr>
+        <p:style>
+          <a:lnRef idx="2">
+            <a:schemeClr val="accent2">
+              <a:shade val="50000"/>
+            </a:schemeClr>
+          </a:lnRef>
+          <a:fillRef idx="1">
+            <a:schemeClr val="accent2"/>
+          </a:fillRef>
+          <a:effectRef idx="0">
+            <a:schemeClr val="accent2"/>
+          </a:effectRef>
+          <a:fontRef idx="minor">
+            <a:schemeClr val="lt1"/>
+          </a:fontRef>
+        </p:style>
+        <p:txBody>
+          <a:bodyPr rtlCol="0" anchor="ctr"/>
+          <a:lstStyle/>
+          <a:p>
+            <a:pPr algn="ctr"/>
+            <a:r>
+              <a:rPr lang="en-US" altLang="zh-CN" dirty="0" smtClean="0">
+                <a:latin typeface="Times New Roman" panose="02020603050405020304" pitchFamily="18" charset="0"/>
+                <a:cs typeface="Times New Roman" panose="02020603050405020304" pitchFamily="18" charset="0"/>
+              </a:rPr>
+              <a:t>e</a:t>
+            </a:r>
+            <a:endParaRPr lang="zh-CN" altLang="en-US" dirty="0">
+              <a:latin typeface="Times New Roman" panose="02020603050405020304" pitchFamily="18" charset="0"/>
+              <a:cs typeface="Times New Roman" panose="02020603050405020304" pitchFamily="18" charset="0"/>
+            </a:endParaRPr>
+          </a:p>
+        </p:txBody>
+      </p:sp>
+      <p:sp>
+        <p:nvSpPr>
+          <p:cNvPr id="44" name="矩形 43"/>
+          <p:cNvSpPr/>
+          <p:nvPr/>
+        </p:nvSpPr>
+        <p:spPr>
+          <a:xfrm>
+            <a:off x="3657600" y="4181808"/>
+            <a:ext cx="438912" cy="438912"/>
+          </a:xfrm>
+          <a:prstGeom prst="rect">
+            <a:avLst/>
+          </a:prstGeom>
+          <a:noFill/>
+          <a:ln w="9525" cap="flat" cmpd="sng" algn="ctr">
+            <a:solidFill>
+              <a:schemeClr val="accent2"/>
+            </a:solidFill>
+            <a:prstDash val="solid"/>
+            <a:round/>
+            <a:headEnd type="none" w="med" len="med"/>
+            <a:tailEnd type="none" w="med" len="med"/>
+          </a:ln>
+        </p:spPr>
+        <p:style>
+          <a:lnRef idx="0">
+            <a:scrgbClr r="0" g="0" b="0"/>
+          </a:lnRef>
+          <a:fillRef idx="0">
+            <a:scrgbClr r="0" g="0" b="0"/>
+          </a:fillRef>
+          <a:effectRef idx="0">
+            <a:scrgbClr r="0" g="0" b="0"/>
+          </a:effectRef>
+          <a:fontRef idx="minor">
+            <a:schemeClr val="accent2"/>
+          </a:fontRef>
+        </p:style>
+        <p:txBody>
+          <a:bodyPr rtlCol="0" anchor="ctr"/>
+          <a:lstStyle/>
+          <a:p>
+            <a:pPr algn="ctr"/>
+            <a:endParaRPr lang="zh-CN" altLang="en-US"/>
+          </a:p>
+        </p:txBody>
+      </p:sp>
+      <p:sp>
+        <p:nvSpPr>
+          <p:cNvPr id="45" name="矩形 44"/>
+          <p:cNvSpPr/>
+          <p:nvPr/>
+        </p:nvSpPr>
+        <p:spPr>
+          <a:xfrm>
+            <a:off x="4096512" y="4181808"/>
+            <a:ext cx="438912" cy="438912"/>
+          </a:xfrm>
+          <a:prstGeom prst="rect">
+            <a:avLst/>
+          </a:prstGeom>
+          <a:noFill/>
+          <a:ln w="9525" cap="flat" cmpd="sng" algn="ctr">
+            <a:solidFill>
+              <a:schemeClr val="accent2"/>
+            </a:solidFill>
+            <a:prstDash val="solid"/>
+            <a:round/>
+            <a:headEnd type="none" w="med" len="med"/>
+            <a:tailEnd type="none" w="med" len="med"/>
+          </a:ln>
+        </p:spPr>
+        <p:style>
+          <a:lnRef idx="0">
+            <a:scrgbClr r="0" g="0" b="0"/>
+          </a:lnRef>
+          <a:fillRef idx="0">
+            <a:scrgbClr r="0" g="0" b="0"/>
+          </a:fillRef>
+          <a:effectRef idx="0">
+            <a:scrgbClr r="0" g="0" b="0"/>
+          </a:effectRef>
+          <a:fontRef idx="minor">
+            <a:schemeClr val="accent2"/>
+          </a:fontRef>
+        </p:style>
+        <p:txBody>
+          <a:bodyPr rtlCol="0" anchor="ctr"/>
+          <a:lstStyle/>
+          <a:p>
+            <a:pPr algn="ctr"/>
+            <a:endParaRPr lang="zh-CN" altLang="en-US"/>
+          </a:p>
+        </p:txBody>
+      </p:sp>
+      <p:sp>
+        <p:nvSpPr>
+          <p:cNvPr id="46" name="矩形 45"/>
+          <p:cNvSpPr/>
+          <p:nvPr/>
+        </p:nvSpPr>
+        <p:spPr>
+          <a:xfrm>
+            <a:off x="4535424" y="4181808"/>
+            <a:ext cx="438912" cy="438912"/>
+          </a:xfrm>
+          <a:prstGeom prst="rect">
+            <a:avLst/>
+          </a:prstGeom>
+          <a:noFill/>
+          <a:ln w="9525" cap="flat" cmpd="sng" algn="ctr">
+            <a:solidFill>
+              <a:schemeClr val="accent2"/>
+            </a:solidFill>
+            <a:prstDash val="solid"/>
+            <a:round/>
+            <a:headEnd type="none" w="med" len="med"/>
+            <a:tailEnd type="none" w="med" len="med"/>
+          </a:ln>
+        </p:spPr>
+        <p:style>
+          <a:lnRef idx="0">
+            <a:scrgbClr r="0" g="0" b="0"/>
+          </a:lnRef>
+          <a:fillRef idx="0">
+            <a:scrgbClr r="0" g="0" b="0"/>
+          </a:fillRef>
+          <a:effectRef idx="0">
+            <a:scrgbClr r="0" g="0" b="0"/>
+          </a:effectRef>
+          <a:fontRef idx="minor">
+            <a:schemeClr val="accent2"/>
+          </a:fontRef>
+        </p:style>
+        <p:txBody>
+          <a:bodyPr rtlCol="0" anchor="ctr"/>
+          <a:lstStyle/>
+          <a:p>
+            <a:pPr algn="ctr"/>
+            <a:endParaRPr lang="zh-CN" altLang="en-US"/>
+          </a:p>
+        </p:txBody>
+      </p:sp>
+      <p:sp>
+        <p:nvSpPr>
+          <p:cNvPr id="47" name="矩形 46"/>
+          <p:cNvSpPr/>
+          <p:nvPr/>
+        </p:nvSpPr>
+        <p:spPr>
+          <a:xfrm>
+            <a:off x="4974336" y="4181808"/>
+            <a:ext cx="438912" cy="438912"/>
+          </a:xfrm>
+          <a:prstGeom prst="rect">
+            <a:avLst/>
+          </a:prstGeom>
+          <a:noFill/>
+          <a:ln w="9525" cap="flat" cmpd="sng" algn="ctr">
+            <a:solidFill>
+              <a:schemeClr val="accent2"/>
+            </a:solidFill>
+            <a:prstDash val="solid"/>
+            <a:round/>
+            <a:headEnd type="none" w="med" len="med"/>
+            <a:tailEnd type="none" w="med" len="med"/>
+          </a:ln>
+        </p:spPr>
+        <p:style>
+          <a:lnRef idx="0">
+            <a:scrgbClr r="0" g="0" b="0"/>
+          </a:lnRef>
+          <a:fillRef idx="0">
+            <a:scrgbClr r="0" g="0" b="0"/>
+          </a:fillRef>
+          <a:effectRef idx="0">
+            <a:scrgbClr r="0" g="0" b="0"/>
+          </a:effectRef>
+          <a:fontRef idx="minor">
+            <a:schemeClr val="accent2"/>
+          </a:fontRef>
+        </p:style>
+        <p:txBody>
+          <a:bodyPr rtlCol="0" anchor="ctr"/>
+          <a:lstStyle/>
+          <a:p>
+            <a:pPr algn="ctr"/>
+            <a:endParaRPr lang="zh-CN" altLang="en-US"/>
+          </a:p>
+        </p:txBody>
+      </p:sp>
+      <p:sp>
+        <p:nvSpPr>
+          <p:cNvPr id="48" name="矩形 47"/>
+          <p:cNvSpPr/>
+          <p:nvPr/>
+        </p:nvSpPr>
+        <p:spPr>
+          <a:xfrm>
+            <a:off x="5413248" y="4181808"/>
+            <a:ext cx="438912" cy="438912"/>
+          </a:xfrm>
+          <a:prstGeom prst="rect">
+            <a:avLst/>
+          </a:prstGeom>
+          <a:noFill/>
+          <a:ln w="9525" cap="flat" cmpd="sng" algn="ctr">
+            <a:solidFill>
+              <a:schemeClr val="accent2"/>
+            </a:solidFill>
+            <a:prstDash val="solid"/>
+            <a:round/>
+            <a:headEnd type="none" w="med" len="med"/>
+            <a:tailEnd type="none" w="med" len="med"/>
+          </a:ln>
+        </p:spPr>
+        <p:style>
+          <a:lnRef idx="0">
+            <a:scrgbClr r="0" g="0" b="0"/>
+          </a:lnRef>
+          <a:fillRef idx="0">
+            <a:scrgbClr r="0" g="0" b="0"/>
+          </a:fillRef>
+          <a:effectRef idx="0">
+            <a:scrgbClr r="0" g="0" b="0"/>
+          </a:effectRef>
+          <a:fontRef idx="minor">
+            <a:schemeClr val="accent2"/>
+          </a:fontRef>
+        </p:style>
+        <p:txBody>
+          <a:bodyPr rtlCol="0" anchor="ctr"/>
+          <a:lstStyle/>
+          <a:p>
+            <a:pPr algn="ctr"/>
+            <a:endParaRPr lang="zh-CN" altLang="en-US"/>
+          </a:p>
+        </p:txBody>
+      </p:sp>
+      <p:sp>
+        <p:nvSpPr>
+          <p:cNvPr id="49" name="文本框 48"/>
+          <p:cNvSpPr txBox="1"/>
+          <p:nvPr/>
+        </p:nvSpPr>
+        <p:spPr>
+          <a:xfrm>
+            <a:off x="1529249" y="3830764"/>
+            <a:ext cx="306494" cy="369332"/>
+          </a:xfrm>
+          <a:prstGeom prst="rect">
+            <a:avLst/>
+          </a:prstGeom>
+          <a:noFill/>
+        </p:spPr>
+        <p:txBody>
+          <a:bodyPr wrap="none" rtlCol="0">
+            <a:spAutoFit/>
+          </a:bodyPr>
+          <a:lstStyle/>
+          <a:p>
+            <a:r>
+              <a:rPr lang="en-US" altLang="zh-CN" dirty="0" smtClean="0">
+                <a:latin typeface="Times New Roman" panose="02020603050405020304" pitchFamily="18" charset="0"/>
+                <a:cs typeface="Times New Roman" panose="02020603050405020304" pitchFamily="18" charset="0"/>
+              </a:rPr>
+              <a:t>0</a:t>
+            </a:r>
+            <a:endParaRPr lang="zh-CN" altLang="en-US" dirty="0">
+              <a:latin typeface="Times New Roman" panose="02020603050405020304" pitchFamily="18" charset="0"/>
+              <a:cs typeface="Times New Roman" panose="02020603050405020304" pitchFamily="18" charset="0"/>
+            </a:endParaRPr>
+          </a:p>
+        </p:txBody>
+      </p:sp>
+      <p:sp>
+        <p:nvSpPr>
+          <p:cNvPr id="50" name="文本框 49"/>
+          <p:cNvSpPr txBox="1"/>
+          <p:nvPr/>
+        </p:nvSpPr>
+        <p:spPr>
+          <a:xfrm>
+            <a:off x="1968161" y="3830764"/>
+            <a:ext cx="300082" cy="369332"/>
+          </a:xfrm>
+          <a:prstGeom prst="rect">
+            <a:avLst/>
+          </a:prstGeom>
+          <a:noFill/>
+        </p:spPr>
+        <p:txBody>
+          <a:bodyPr wrap="none" rtlCol="0">
+            <a:spAutoFit/>
+          </a:bodyPr>
+          <a:lstStyle/>
+          <a:p>
+            <a:r>
+              <a:rPr lang="en-US" altLang="zh-CN" dirty="0">
+                <a:latin typeface="Times New Roman" panose="02020603050405020304" pitchFamily="18" charset="0"/>
+                <a:cs typeface="Times New Roman" panose="02020603050405020304" pitchFamily="18" charset="0"/>
+              </a:rPr>
+              <a:t>1</a:t>
+            </a:r>
+            <a:endParaRPr lang="zh-CN" altLang="en-US" dirty="0">
+              <a:latin typeface="Times New Roman" panose="02020603050405020304" pitchFamily="18" charset="0"/>
+              <a:cs typeface="Times New Roman" panose="02020603050405020304" pitchFamily="18" charset="0"/>
+            </a:endParaRPr>
+          </a:p>
+        </p:txBody>
+      </p:sp>
+      <p:sp>
+        <p:nvSpPr>
+          <p:cNvPr id="51" name="文本框 50"/>
+          <p:cNvSpPr txBox="1"/>
+          <p:nvPr/>
+        </p:nvSpPr>
+        <p:spPr>
+          <a:xfrm>
+            <a:off x="2413485" y="3830764"/>
+            <a:ext cx="300082" cy="369332"/>
+          </a:xfrm>
+          <a:prstGeom prst="rect">
+            <a:avLst/>
+          </a:prstGeom>
+          <a:noFill/>
+        </p:spPr>
+        <p:txBody>
+          <a:bodyPr wrap="none" rtlCol="0">
+            <a:spAutoFit/>
+          </a:bodyPr>
+          <a:lstStyle/>
+          <a:p>
+            <a:r>
+              <a:rPr lang="en-US" altLang="zh-CN" dirty="0" smtClean="0">
+                <a:latin typeface="Times New Roman" panose="02020603050405020304" pitchFamily="18" charset="0"/>
+                <a:cs typeface="Times New Roman" panose="02020603050405020304" pitchFamily="18" charset="0"/>
+              </a:rPr>
+              <a:t>2</a:t>
+            </a:r>
+            <a:endParaRPr lang="zh-CN" altLang="en-US" dirty="0">
+              <a:latin typeface="Times New Roman" panose="02020603050405020304" pitchFamily="18" charset="0"/>
+              <a:cs typeface="Times New Roman" panose="02020603050405020304" pitchFamily="18" charset="0"/>
+            </a:endParaRPr>
+          </a:p>
+        </p:txBody>
+      </p:sp>
+      <p:sp>
+        <p:nvSpPr>
+          <p:cNvPr id="52" name="文本框 51"/>
+          <p:cNvSpPr txBox="1"/>
+          <p:nvPr/>
+        </p:nvSpPr>
+        <p:spPr>
+          <a:xfrm>
+            <a:off x="2858809" y="3830764"/>
+            <a:ext cx="300082" cy="369332"/>
+          </a:xfrm>
+          <a:prstGeom prst="rect">
+            <a:avLst/>
+          </a:prstGeom>
+          <a:noFill/>
+        </p:spPr>
+        <p:txBody>
+          <a:bodyPr wrap="none" rtlCol="0">
+            <a:spAutoFit/>
+          </a:bodyPr>
+          <a:lstStyle/>
+          <a:p>
+            <a:r>
+              <a:rPr lang="en-US" altLang="zh-CN" dirty="0">
+                <a:latin typeface="Times New Roman" panose="02020603050405020304" pitchFamily="18" charset="0"/>
+                <a:cs typeface="Times New Roman" panose="02020603050405020304" pitchFamily="18" charset="0"/>
+              </a:rPr>
+              <a:t>3</a:t>
+            </a:r>
+            <a:endParaRPr lang="zh-CN" altLang="en-US" dirty="0">
+              <a:latin typeface="Times New Roman" panose="02020603050405020304" pitchFamily="18" charset="0"/>
+              <a:cs typeface="Times New Roman" panose="02020603050405020304" pitchFamily="18" charset="0"/>
+            </a:endParaRPr>
+          </a:p>
+        </p:txBody>
+      </p:sp>
+      <p:sp>
+        <p:nvSpPr>
+          <p:cNvPr id="53" name="文本框 52"/>
+          <p:cNvSpPr txBox="1"/>
+          <p:nvPr/>
+        </p:nvSpPr>
+        <p:spPr>
+          <a:xfrm>
+            <a:off x="3296716" y="3830764"/>
+            <a:ext cx="300082" cy="369332"/>
+          </a:xfrm>
+          <a:prstGeom prst="rect">
+            <a:avLst/>
+          </a:prstGeom>
+          <a:noFill/>
+        </p:spPr>
+        <p:txBody>
+          <a:bodyPr wrap="none" rtlCol="0">
+            <a:spAutoFit/>
+          </a:bodyPr>
+          <a:lstStyle/>
+          <a:p>
+            <a:r>
+              <a:rPr lang="en-US" altLang="zh-CN" dirty="0" smtClean="0">
+                <a:latin typeface="Times New Roman" panose="02020603050405020304" pitchFamily="18" charset="0"/>
+                <a:cs typeface="Times New Roman" panose="02020603050405020304" pitchFamily="18" charset="0"/>
+              </a:rPr>
+              <a:t>4</a:t>
+            </a:r>
+            <a:endParaRPr lang="zh-CN" altLang="en-US" dirty="0">
+              <a:latin typeface="Times New Roman" panose="02020603050405020304" pitchFamily="18" charset="0"/>
+              <a:cs typeface="Times New Roman" panose="02020603050405020304" pitchFamily="18" charset="0"/>
+            </a:endParaRPr>
+          </a:p>
+        </p:txBody>
+      </p:sp>
+      <p:sp>
+        <p:nvSpPr>
+          <p:cNvPr id="54" name="文本框 53"/>
+          <p:cNvSpPr txBox="1"/>
+          <p:nvPr/>
+        </p:nvSpPr>
+        <p:spPr>
+          <a:xfrm>
+            <a:off x="3735628" y="3830764"/>
+            <a:ext cx="300082" cy="369332"/>
+          </a:xfrm>
+          <a:prstGeom prst="rect">
+            <a:avLst/>
+          </a:prstGeom>
+          <a:noFill/>
+        </p:spPr>
+        <p:txBody>
+          <a:bodyPr wrap="none" rtlCol="0">
+            <a:spAutoFit/>
+          </a:bodyPr>
+          <a:lstStyle/>
+          <a:p>
+            <a:r>
+              <a:rPr lang="en-US" altLang="zh-CN" dirty="0" smtClean="0">
+                <a:latin typeface="Times New Roman" panose="02020603050405020304" pitchFamily="18" charset="0"/>
+                <a:cs typeface="Times New Roman" panose="02020603050405020304" pitchFamily="18" charset="0"/>
+              </a:rPr>
+              <a:t>5</a:t>
+            </a:r>
+            <a:endParaRPr lang="zh-CN" altLang="en-US" dirty="0">
+              <a:latin typeface="Times New Roman" panose="02020603050405020304" pitchFamily="18" charset="0"/>
+              <a:cs typeface="Times New Roman" panose="02020603050405020304" pitchFamily="18" charset="0"/>
+            </a:endParaRPr>
+          </a:p>
+        </p:txBody>
+      </p:sp>
+      <p:sp>
+        <p:nvSpPr>
+          <p:cNvPr id="55" name="文本框 54"/>
+          <p:cNvSpPr txBox="1"/>
+          <p:nvPr/>
+        </p:nvSpPr>
+        <p:spPr>
+          <a:xfrm>
+            <a:off x="4180952" y="3830764"/>
+            <a:ext cx="300082" cy="369332"/>
+          </a:xfrm>
+          <a:prstGeom prst="rect">
+            <a:avLst/>
+          </a:prstGeom>
+          <a:noFill/>
+        </p:spPr>
+        <p:txBody>
+          <a:bodyPr wrap="none" rtlCol="0">
+            <a:spAutoFit/>
+          </a:bodyPr>
+          <a:lstStyle/>
+          <a:p>
+            <a:r>
+              <a:rPr lang="en-US" altLang="zh-CN" dirty="0">
+                <a:latin typeface="Times New Roman" panose="02020603050405020304" pitchFamily="18" charset="0"/>
+                <a:cs typeface="Times New Roman" panose="02020603050405020304" pitchFamily="18" charset="0"/>
+              </a:rPr>
+              <a:t>6</a:t>
+            </a:r>
+            <a:endParaRPr lang="zh-CN" altLang="en-US" dirty="0">
+              <a:latin typeface="Times New Roman" panose="02020603050405020304" pitchFamily="18" charset="0"/>
+              <a:cs typeface="Times New Roman" panose="02020603050405020304" pitchFamily="18" charset="0"/>
+            </a:endParaRPr>
+          </a:p>
+        </p:txBody>
+      </p:sp>
+      <p:sp>
+        <p:nvSpPr>
+          <p:cNvPr id="56" name="文本框 55"/>
+          <p:cNvSpPr txBox="1"/>
+          <p:nvPr/>
+        </p:nvSpPr>
+        <p:spPr>
+          <a:xfrm>
+            <a:off x="4626276" y="3830764"/>
+            <a:ext cx="300082" cy="369332"/>
+          </a:xfrm>
+          <a:prstGeom prst="rect">
+            <a:avLst/>
+          </a:prstGeom>
+          <a:noFill/>
+        </p:spPr>
+        <p:txBody>
+          <a:bodyPr wrap="none" rtlCol="0">
+            <a:spAutoFit/>
+          </a:bodyPr>
+          <a:lstStyle/>
+          <a:p>
+            <a:r>
+              <a:rPr lang="en-US" altLang="zh-CN" dirty="0" smtClean="0">
+                <a:latin typeface="Times New Roman" panose="02020603050405020304" pitchFamily="18" charset="0"/>
+                <a:cs typeface="Times New Roman" panose="02020603050405020304" pitchFamily="18" charset="0"/>
+              </a:rPr>
+              <a:t>7</a:t>
+            </a:r>
+            <a:endParaRPr lang="zh-CN" altLang="en-US" dirty="0">
+              <a:latin typeface="Times New Roman" panose="02020603050405020304" pitchFamily="18" charset="0"/>
+              <a:cs typeface="Times New Roman" panose="02020603050405020304" pitchFamily="18" charset="0"/>
+            </a:endParaRPr>
+          </a:p>
+        </p:txBody>
+      </p:sp>
+      <p:sp>
+        <p:nvSpPr>
+          <p:cNvPr id="57" name="文本框 56"/>
+          <p:cNvSpPr txBox="1"/>
+          <p:nvPr/>
+        </p:nvSpPr>
+        <p:spPr>
+          <a:xfrm>
+            <a:off x="5052307" y="3830764"/>
+            <a:ext cx="300082" cy="369332"/>
+          </a:xfrm>
+          <a:prstGeom prst="rect">
+            <a:avLst/>
+          </a:prstGeom>
+          <a:noFill/>
+        </p:spPr>
+        <p:txBody>
+          <a:bodyPr wrap="none" rtlCol="0">
+            <a:spAutoFit/>
+          </a:bodyPr>
+          <a:lstStyle/>
+          <a:p>
+            <a:r>
+              <a:rPr lang="en-US" altLang="zh-CN" dirty="0">
+                <a:latin typeface="Times New Roman" panose="02020603050405020304" pitchFamily="18" charset="0"/>
+                <a:cs typeface="Times New Roman" panose="02020603050405020304" pitchFamily="18" charset="0"/>
+              </a:rPr>
+              <a:t>8</a:t>
+            </a:r>
+            <a:endParaRPr lang="zh-CN" altLang="en-US" dirty="0">
+              <a:latin typeface="Times New Roman" panose="02020603050405020304" pitchFamily="18" charset="0"/>
+              <a:cs typeface="Times New Roman" panose="02020603050405020304" pitchFamily="18" charset="0"/>
+            </a:endParaRPr>
+          </a:p>
+        </p:txBody>
+      </p:sp>
+      <p:sp>
+        <p:nvSpPr>
+          <p:cNvPr id="58" name="文本框 57"/>
+          <p:cNvSpPr txBox="1"/>
+          <p:nvPr/>
+        </p:nvSpPr>
+        <p:spPr>
+          <a:xfrm>
+            <a:off x="5494065" y="3830764"/>
+            <a:ext cx="300082" cy="369332"/>
+          </a:xfrm>
+          <a:prstGeom prst="rect">
+            <a:avLst/>
+          </a:prstGeom>
+          <a:noFill/>
+        </p:spPr>
+        <p:txBody>
+          <a:bodyPr wrap="none" rtlCol="0">
+            <a:spAutoFit/>
+          </a:bodyPr>
+          <a:lstStyle/>
+          <a:p>
+            <a:r>
+              <a:rPr lang="en-US" altLang="zh-CN" dirty="0" smtClean="0">
+                <a:latin typeface="Times New Roman" panose="02020603050405020304" pitchFamily="18" charset="0"/>
+                <a:cs typeface="Times New Roman" panose="02020603050405020304" pitchFamily="18" charset="0"/>
+              </a:rPr>
+              <a:t>9</a:t>
+            </a:r>
+            <a:endParaRPr lang="zh-CN" altLang="en-US" dirty="0">
+              <a:latin typeface="Times New Roman" panose="02020603050405020304" pitchFamily="18" charset="0"/>
+              <a:cs typeface="Times New Roman" panose="02020603050405020304" pitchFamily="18" charset="0"/>
+            </a:endParaRPr>
+          </a:p>
+        </p:txBody>
+      </p:sp>
+      <p:sp>
+        <p:nvSpPr>
+          <p:cNvPr id="59" name="矩形 58"/>
+          <p:cNvSpPr/>
+          <p:nvPr/>
+        </p:nvSpPr>
+        <p:spPr>
+          <a:xfrm>
+            <a:off x="5852160" y="4181808"/>
+            <a:ext cx="438912" cy="438912"/>
+          </a:xfrm>
+          <a:prstGeom prst="rect">
+            <a:avLst/>
+          </a:prstGeom>
+          <a:ln>
+            <a:prstDash val="sysDash"/>
+            <a:headEnd type="none" w="med" len="med"/>
+            <a:tailEnd type="none" w="med" len="med"/>
+          </a:ln>
+        </p:spPr>
+        <p:style>
+          <a:lnRef idx="2">
+            <a:schemeClr val="accent3"/>
+          </a:lnRef>
+          <a:fillRef idx="1">
+            <a:schemeClr val="lt1"/>
+          </a:fillRef>
+          <a:effectRef idx="0">
+            <a:schemeClr val="accent3"/>
+          </a:effectRef>
+          <a:fontRef idx="minor">
+            <a:schemeClr val="dk1"/>
+          </a:fontRef>
+        </p:style>
+        <p:txBody>
+          <a:bodyPr rtlCol="0" anchor="ctr"/>
+          <a:lstStyle/>
+          <a:p>
+            <a:pPr algn="ctr"/>
+            <a:endParaRPr lang="zh-CN" altLang="en-US"/>
+          </a:p>
+        </p:txBody>
+      </p:sp>
+      <p:sp>
+        <p:nvSpPr>
+          <p:cNvPr id="60" name="文本框 59"/>
+          <p:cNvSpPr txBox="1"/>
+          <p:nvPr/>
+        </p:nvSpPr>
+        <p:spPr>
+          <a:xfrm>
+            <a:off x="5875574" y="3830764"/>
+            <a:ext cx="415498" cy="369332"/>
+          </a:xfrm>
+          <a:prstGeom prst="rect">
+            <a:avLst/>
+          </a:prstGeom>
+          <a:noFill/>
+        </p:spPr>
+        <p:txBody>
+          <a:bodyPr wrap="none" rtlCol="0">
+            <a:spAutoFit/>
+          </a:bodyPr>
+          <a:lstStyle/>
+          <a:p>
+            <a:r>
+              <a:rPr lang="en-US" altLang="zh-CN" dirty="0" smtClean="0">
+                <a:latin typeface="Times New Roman" panose="02020603050405020304" pitchFamily="18" charset="0"/>
+                <a:cs typeface="Times New Roman" panose="02020603050405020304" pitchFamily="18" charset="0"/>
+              </a:rPr>
+              <a:t>10</a:t>
+            </a:r>
+            <a:endParaRPr lang="zh-CN" altLang="en-US" dirty="0">
+              <a:latin typeface="Times New Roman" panose="02020603050405020304" pitchFamily="18" charset="0"/>
+              <a:cs typeface="Times New Roman" panose="02020603050405020304" pitchFamily="18" charset="0"/>
+            </a:endParaRPr>
+          </a:p>
+        </p:txBody>
+      </p:sp>
+      <p:cxnSp>
+        <p:nvCxnSpPr>
+          <p:cNvPr id="61" name="直接箭头连接符 60"/>
+          <p:cNvCxnSpPr/>
+          <p:nvPr/>
+        </p:nvCxnSpPr>
+        <p:spPr>
+          <a:xfrm flipV="1">
+            <a:off x="6163056" y="4610782"/>
+            <a:ext cx="0" cy="638686"/>
+          </a:xfrm>
+          <a:prstGeom prst="straightConnector1">
+            <a:avLst/>
+          </a:prstGeom>
+          <a:ln w="19050">
+            <a:tailEnd type="triangle"/>
+          </a:ln>
+        </p:spPr>
+        <p:style>
+          <a:lnRef idx="1">
+            <a:schemeClr val="accent1"/>
+          </a:lnRef>
+          <a:fillRef idx="0">
+            <a:schemeClr val="accent1"/>
+          </a:fillRef>
+          <a:effectRef idx="0">
+            <a:schemeClr val="accent1"/>
+          </a:effectRef>
+          <a:fontRef idx="minor">
+            <a:schemeClr val="tx1"/>
+          </a:fontRef>
+        </p:style>
+      </p:cxnSp>
+      <p:sp>
+        <p:nvSpPr>
+          <p:cNvPr id="62" name="圆角矩形 61"/>
+          <p:cNvSpPr/>
+          <p:nvPr/>
+        </p:nvSpPr>
+        <p:spPr>
+          <a:xfrm>
+            <a:off x="1397975" y="5274320"/>
+            <a:ext cx="536713" cy="387625"/>
+          </a:xfrm>
+          <a:prstGeom prst="roundRect">
+            <a:avLst/>
+          </a:prstGeom>
+        </p:spPr>
+        <p:style>
+          <a:lnRef idx="0">
+            <a:schemeClr val="accent6"/>
+          </a:lnRef>
+          <a:fillRef idx="3">
+            <a:schemeClr val="accent6"/>
+          </a:fillRef>
+          <a:effectRef idx="3">
+            <a:schemeClr val="accent6"/>
+          </a:effectRef>
+          <a:fontRef idx="minor">
+            <a:schemeClr val="lt1"/>
+          </a:fontRef>
+        </p:style>
+        <p:txBody>
+          <a:bodyPr rtlCol="0" anchor="ctr"/>
+          <a:lstStyle/>
+          <a:p>
+            <a:pPr algn="ctr"/>
+            <a:r>
+              <a:rPr lang="en-US" altLang="zh-CN" sz="1600" dirty="0" smtClean="0">
+                <a:latin typeface="Times New Roman" panose="02020603050405020304" pitchFamily="18" charset="0"/>
+                <a:cs typeface="Times New Roman" panose="02020603050405020304" pitchFamily="18" charset="0"/>
+              </a:rPr>
+              <a:t>-1</a:t>
+            </a:r>
+            <a:endParaRPr lang="zh-CN" altLang="en-US" sz="1600" dirty="0">
+              <a:latin typeface="Times New Roman" panose="02020603050405020304" pitchFamily="18" charset="0"/>
+              <a:cs typeface="Times New Roman" panose="02020603050405020304" pitchFamily="18" charset="0"/>
+            </a:endParaRPr>
+          </a:p>
+        </p:txBody>
+      </p:sp>
+      <p:sp>
+        <p:nvSpPr>
+          <p:cNvPr id="63" name="圆角矩形 62"/>
+          <p:cNvSpPr/>
+          <p:nvPr/>
+        </p:nvSpPr>
+        <p:spPr>
+          <a:xfrm>
+            <a:off x="2649119" y="5259406"/>
+            <a:ext cx="536713" cy="387625"/>
+          </a:xfrm>
+          <a:prstGeom prst="roundRect">
+            <a:avLst/>
+          </a:prstGeom>
+        </p:spPr>
+        <p:style>
+          <a:lnRef idx="0">
+            <a:schemeClr val="accent6"/>
+          </a:lnRef>
+          <a:fillRef idx="3">
+            <a:schemeClr val="accent6"/>
+          </a:fillRef>
+          <a:effectRef idx="3">
+            <a:schemeClr val="accent6"/>
+          </a:effectRef>
+          <a:fontRef idx="minor">
+            <a:schemeClr val="lt1"/>
+          </a:fontRef>
+        </p:style>
+        <p:txBody>
+          <a:bodyPr rtlCol="0" anchor="ctr"/>
+          <a:lstStyle/>
+          <a:p>
+            <a:pPr algn="ctr"/>
+            <a:r>
+              <a:rPr lang="en-US" altLang="zh-CN" sz="1600" dirty="0">
+                <a:latin typeface="Times New Roman" panose="02020603050405020304" pitchFamily="18" charset="0"/>
+                <a:cs typeface="Times New Roman" panose="02020603050405020304" pitchFamily="18" charset="0"/>
+              </a:rPr>
+              <a:t>3</a:t>
+            </a:r>
+            <a:endParaRPr lang="zh-CN" altLang="en-US" sz="1600" dirty="0">
+              <a:latin typeface="Times New Roman" panose="02020603050405020304" pitchFamily="18" charset="0"/>
+              <a:cs typeface="Times New Roman" panose="02020603050405020304" pitchFamily="18" charset="0"/>
+            </a:endParaRPr>
+          </a:p>
+        </p:txBody>
+      </p:sp>
+      <p:sp>
+        <p:nvSpPr>
+          <p:cNvPr id="64" name="圆角矩形 63"/>
+          <p:cNvSpPr/>
+          <p:nvPr/>
+        </p:nvSpPr>
+        <p:spPr>
+          <a:xfrm>
+            <a:off x="5803259" y="5259406"/>
+            <a:ext cx="536713" cy="387625"/>
+          </a:xfrm>
+          <a:prstGeom prst="roundRect">
+            <a:avLst/>
+          </a:prstGeom>
+        </p:spPr>
+        <p:style>
+          <a:lnRef idx="0">
+            <a:schemeClr val="accent6"/>
+          </a:lnRef>
+          <a:fillRef idx="3">
+            <a:schemeClr val="accent6"/>
+          </a:fillRef>
+          <a:effectRef idx="3">
+            <a:schemeClr val="accent6"/>
+          </a:effectRef>
+          <a:fontRef idx="minor">
+            <a:schemeClr val="lt1"/>
+          </a:fontRef>
+        </p:style>
+        <p:txBody>
+          <a:bodyPr rtlCol="0" anchor="ctr"/>
+          <a:lstStyle/>
+          <a:p>
+            <a:pPr algn="ctr"/>
+            <a:r>
+              <a:rPr lang="en-US" altLang="zh-CN" sz="1600" dirty="0" smtClean="0">
+                <a:latin typeface="Times New Roman" panose="02020603050405020304" pitchFamily="18" charset="0"/>
+                <a:cs typeface="Times New Roman" panose="02020603050405020304" pitchFamily="18" charset="0"/>
+              </a:rPr>
+              <a:t>10</a:t>
+            </a:r>
+            <a:endParaRPr lang="zh-CN" altLang="en-US" sz="1600" dirty="0">
+              <a:latin typeface="Times New Roman" panose="02020603050405020304" pitchFamily="18" charset="0"/>
+              <a:cs typeface="Times New Roman" panose="02020603050405020304" pitchFamily="18" charset="0"/>
+            </a:endParaRPr>
+          </a:p>
+        </p:txBody>
+      </p:sp>
+      <p:sp>
+        <p:nvSpPr>
+          <p:cNvPr id="65" name="圆角矩形 64"/>
+          <p:cNvSpPr/>
+          <p:nvPr/>
+        </p:nvSpPr>
+        <p:spPr>
+          <a:xfrm>
+            <a:off x="4526262" y="5249468"/>
+            <a:ext cx="536713" cy="387625"/>
+          </a:xfrm>
+          <a:prstGeom prst="roundRect">
+            <a:avLst/>
+          </a:prstGeom>
+        </p:spPr>
+        <p:style>
+          <a:lnRef idx="0">
+            <a:schemeClr val="accent6"/>
+          </a:lnRef>
+          <a:fillRef idx="3">
+            <a:schemeClr val="accent6"/>
+          </a:fillRef>
+          <a:effectRef idx="3">
+            <a:schemeClr val="accent6"/>
+          </a:effectRef>
+          <a:fontRef idx="minor">
+            <a:schemeClr val="lt1"/>
+          </a:fontRef>
+        </p:style>
+        <p:txBody>
+          <a:bodyPr rtlCol="0" anchor="ctr"/>
+          <a:lstStyle/>
+          <a:p>
+            <a:pPr algn="ctr"/>
+            <a:r>
+              <a:rPr lang="en-US" altLang="zh-CN" sz="1600" dirty="0">
+                <a:latin typeface="Times New Roman" panose="02020603050405020304" pitchFamily="18" charset="0"/>
+                <a:cs typeface="Times New Roman" panose="02020603050405020304" pitchFamily="18" charset="0"/>
+              </a:rPr>
+              <a:t>5</a:t>
+            </a:r>
+            <a:endParaRPr lang="zh-CN" altLang="en-US" sz="1600" dirty="0">
+              <a:latin typeface="Times New Roman" panose="02020603050405020304" pitchFamily="18" charset="0"/>
+              <a:cs typeface="Times New Roman" panose="02020603050405020304" pitchFamily="18" charset="0"/>
+            </a:endParaRPr>
+          </a:p>
+        </p:txBody>
+      </p:sp>
+      <p:sp>
+        <p:nvSpPr>
+          <p:cNvPr id="66" name="文本框 65"/>
+          <p:cNvSpPr txBox="1"/>
+          <p:nvPr/>
+        </p:nvSpPr>
+        <p:spPr>
+          <a:xfrm>
+            <a:off x="1325532" y="5781214"/>
+            <a:ext cx="681597" cy="338554"/>
+          </a:xfrm>
+          <a:prstGeom prst="rect">
+            <a:avLst/>
+          </a:prstGeom>
+          <a:noFill/>
+        </p:spPr>
+        <p:txBody>
+          <a:bodyPr wrap="square" rtlCol="0">
+            <a:spAutoFit/>
+          </a:bodyPr>
+          <a:lstStyle/>
+          <a:p>
+            <a:r>
+              <a:rPr lang="en-US" altLang="zh-CN" sz="1600" dirty="0" smtClean="0">
+                <a:latin typeface="Times New Roman" panose="02020603050405020304" pitchFamily="18" charset="0"/>
+                <a:cs typeface="Times New Roman" panose="02020603050405020304" pitchFamily="18" charset="0"/>
+              </a:rPr>
+              <a:t>mark</a:t>
+            </a:r>
+            <a:endParaRPr lang="zh-CN" altLang="en-US" sz="1600" dirty="0">
+              <a:latin typeface="Times New Roman" panose="02020603050405020304" pitchFamily="18" charset="0"/>
+              <a:cs typeface="Times New Roman" panose="02020603050405020304" pitchFamily="18" charset="0"/>
+            </a:endParaRPr>
+          </a:p>
+        </p:txBody>
+      </p:sp>
+      <p:sp>
+        <p:nvSpPr>
+          <p:cNvPr id="67" name="文本框 66"/>
+          <p:cNvSpPr txBox="1"/>
+          <p:nvPr/>
+        </p:nvSpPr>
+        <p:spPr>
+          <a:xfrm>
+            <a:off x="2527194" y="5751391"/>
+            <a:ext cx="926547" cy="338554"/>
+          </a:xfrm>
+          <a:prstGeom prst="rect">
+            <a:avLst/>
+          </a:prstGeom>
+          <a:noFill/>
+        </p:spPr>
+        <p:txBody>
+          <a:bodyPr wrap="square" rtlCol="0">
+            <a:spAutoFit/>
+          </a:bodyPr>
+          <a:lstStyle/>
+          <a:p>
+            <a:r>
+              <a:rPr lang="en-US" altLang="zh-CN" sz="1600" dirty="0" smtClean="0">
+                <a:latin typeface="Times New Roman" panose="02020603050405020304" pitchFamily="18" charset="0"/>
+                <a:cs typeface="Times New Roman" panose="02020603050405020304" pitchFamily="18" charset="0"/>
+              </a:rPr>
+              <a:t>position</a:t>
+            </a:r>
+            <a:endParaRPr lang="zh-CN" altLang="en-US" sz="1600" dirty="0">
+              <a:latin typeface="Times New Roman" panose="02020603050405020304" pitchFamily="18" charset="0"/>
+              <a:cs typeface="Times New Roman" panose="02020603050405020304" pitchFamily="18" charset="0"/>
+            </a:endParaRPr>
+          </a:p>
+        </p:txBody>
+      </p:sp>
+      <p:sp>
+        <p:nvSpPr>
+          <p:cNvPr id="68" name="文本框 67"/>
+          <p:cNvSpPr txBox="1"/>
+          <p:nvPr/>
+        </p:nvSpPr>
+        <p:spPr>
+          <a:xfrm>
+            <a:off x="4504811" y="5771275"/>
+            <a:ext cx="659130" cy="338554"/>
+          </a:xfrm>
+          <a:prstGeom prst="rect">
+            <a:avLst/>
+          </a:prstGeom>
+          <a:noFill/>
+        </p:spPr>
+        <p:txBody>
+          <a:bodyPr wrap="square" rtlCol="0">
+            <a:spAutoFit/>
+          </a:bodyPr>
+          <a:lstStyle/>
+          <a:p>
+            <a:r>
+              <a:rPr lang="en-US" altLang="zh-CN" sz="1600" dirty="0" smtClean="0">
+                <a:latin typeface="Times New Roman" panose="02020603050405020304" pitchFamily="18" charset="0"/>
+                <a:cs typeface="Times New Roman" panose="02020603050405020304" pitchFamily="18" charset="0"/>
+              </a:rPr>
+              <a:t>limit</a:t>
+            </a:r>
+            <a:endParaRPr lang="zh-CN" altLang="en-US" sz="1600" dirty="0">
+              <a:latin typeface="Times New Roman" panose="02020603050405020304" pitchFamily="18" charset="0"/>
+              <a:cs typeface="Times New Roman" panose="02020603050405020304" pitchFamily="18" charset="0"/>
+            </a:endParaRPr>
+          </a:p>
+        </p:txBody>
+      </p:sp>
+      <p:sp>
+        <p:nvSpPr>
+          <p:cNvPr id="69" name="文本框 68"/>
+          <p:cNvSpPr txBox="1"/>
+          <p:nvPr/>
+        </p:nvSpPr>
+        <p:spPr>
+          <a:xfrm>
+            <a:off x="5650367" y="5771275"/>
+            <a:ext cx="955155" cy="338554"/>
+          </a:xfrm>
+          <a:prstGeom prst="rect">
+            <a:avLst/>
+          </a:prstGeom>
+          <a:noFill/>
+        </p:spPr>
+        <p:txBody>
+          <a:bodyPr wrap="square" rtlCol="0">
+            <a:spAutoFit/>
+          </a:bodyPr>
+          <a:lstStyle/>
+          <a:p>
+            <a:r>
+              <a:rPr lang="en-US" altLang="zh-CN" sz="1600" dirty="0" smtClean="0">
+                <a:latin typeface="Times New Roman" panose="02020603050405020304" pitchFamily="18" charset="0"/>
+                <a:cs typeface="Times New Roman" panose="02020603050405020304" pitchFamily="18" charset="0"/>
+              </a:rPr>
+              <a:t>capacity</a:t>
+            </a:r>
+            <a:endParaRPr lang="zh-CN" altLang="en-US" sz="1600" dirty="0">
+              <a:latin typeface="Times New Roman" panose="02020603050405020304" pitchFamily="18" charset="0"/>
+              <a:cs typeface="Times New Roman" panose="02020603050405020304" pitchFamily="18" charset="0"/>
+            </a:endParaRPr>
+          </a:p>
+        </p:txBody>
+      </p:sp>
+      <p:cxnSp>
+        <p:nvCxnSpPr>
+          <p:cNvPr id="70" name="肘形连接符 69"/>
+          <p:cNvCxnSpPr>
+            <a:stCxn id="63" idx="0"/>
+            <a:endCxn id="42" idx="2"/>
+          </p:cNvCxnSpPr>
+          <p:nvPr/>
+        </p:nvCxnSpPr>
+        <p:spPr>
+          <a:xfrm rot="5400000" flipH="1" flipV="1">
+            <a:off x="2639011" y="4899185"/>
+            <a:ext cx="638686" cy="81756"/>
+          </a:xfrm>
+          <a:prstGeom prst="bentConnector3">
+            <a:avLst/>
+          </a:prstGeom>
+          <a:ln w="19050">
+            <a:tailEnd type="triangle"/>
+          </a:ln>
+        </p:spPr>
+        <p:style>
+          <a:lnRef idx="1">
+            <a:schemeClr val="accent1"/>
+          </a:lnRef>
+          <a:fillRef idx="0">
+            <a:schemeClr val="accent1"/>
+          </a:fillRef>
+          <a:effectRef idx="0">
+            <a:schemeClr val="accent1"/>
+          </a:effectRef>
+          <a:fontRef idx="minor">
+            <a:schemeClr val="tx1"/>
+          </a:fontRef>
+        </p:style>
+      </p:cxnSp>
+      <p:cxnSp>
+        <p:nvCxnSpPr>
+          <p:cNvPr id="71" name="肘形连接符 70"/>
+          <p:cNvCxnSpPr>
+            <a:stCxn id="65" idx="0"/>
+            <a:endCxn id="59" idx="2"/>
+          </p:cNvCxnSpPr>
+          <p:nvPr/>
+        </p:nvCxnSpPr>
+        <p:spPr>
+          <a:xfrm rot="5400000" flipH="1" flipV="1">
+            <a:off x="5118743" y="4296596"/>
+            <a:ext cx="628748" cy="1276997"/>
+          </a:xfrm>
+          <a:prstGeom prst="bentConnector3">
+            <a:avLst/>
+          </a:prstGeom>
+          <a:ln w="19050">
+            <a:tailEnd type="triangle"/>
+          </a:ln>
+        </p:spPr>
+        <p:style>
+          <a:lnRef idx="1">
+            <a:schemeClr val="accent1"/>
+          </a:lnRef>
+          <a:fillRef idx="0">
+            <a:schemeClr val="accent1"/>
+          </a:fillRef>
+          <a:effectRef idx="0">
+            <a:schemeClr val="accent1"/>
+          </a:effectRef>
+          <a:fontRef idx="minor">
+            <a:schemeClr val="tx1"/>
+          </a:fontRef>
+        </p:style>
+      </p:cxnSp>
+      <p:sp>
+        <p:nvSpPr>
+          <p:cNvPr id="3" name="下箭头 2"/>
+          <p:cNvSpPr/>
+          <p:nvPr/>
+        </p:nvSpPr>
+        <p:spPr>
+          <a:xfrm>
+            <a:off x="3745110" y="3270593"/>
+            <a:ext cx="282757" cy="560171"/>
+          </a:xfrm>
+          <a:prstGeom prst="downArrow">
+            <a:avLst/>
+          </a:prstGeom>
+        </p:spPr>
+        <p:style>
+          <a:lnRef idx="2">
+            <a:schemeClr val="accent1">
+              <a:shade val="50000"/>
+            </a:schemeClr>
+          </a:lnRef>
+          <a:fillRef idx="1">
+            <a:schemeClr val="accent1"/>
+          </a:fillRef>
+          <a:effectRef idx="0">
+            <a:schemeClr val="accent1"/>
+          </a:effectRef>
+          <a:fontRef idx="minor">
+            <a:schemeClr val="lt1"/>
+          </a:fontRef>
+        </p:style>
+        <p:txBody>
+          <a:bodyPr rtlCol="0" anchor="ctr"/>
+          <a:lstStyle/>
+          <a:p>
+            <a:pPr algn="ctr"/>
+            <a:endParaRPr lang="zh-CN" altLang="en-US"/>
+          </a:p>
+        </p:txBody>
+      </p:sp>
+      <p:sp>
+        <p:nvSpPr>
+          <p:cNvPr id="36" name="文本框 35"/>
+          <p:cNvSpPr txBox="1"/>
+          <p:nvPr/>
+        </p:nvSpPr>
+        <p:spPr>
+          <a:xfrm>
+            <a:off x="3946026" y="3345131"/>
+            <a:ext cx="966931" cy="369332"/>
+          </a:xfrm>
+          <a:prstGeom prst="rect">
+            <a:avLst/>
+          </a:prstGeom>
+          <a:noFill/>
+        </p:spPr>
+        <p:txBody>
+          <a:bodyPr wrap="none" rtlCol="0">
+            <a:spAutoFit/>
+          </a:bodyPr>
+          <a:lstStyle/>
+          <a:p>
+            <a:r>
+              <a:rPr lang="en-US" altLang="zh-CN" dirty="0" smtClean="0">
+                <a:latin typeface="Times New Roman" panose="02020603050405020304" pitchFamily="18" charset="0"/>
+                <a:cs typeface="Times New Roman" panose="02020603050405020304" pitchFamily="18" charset="0"/>
+              </a:rPr>
+              <a:t>compact</a:t>
+            </a:r>
+            <a:endParaRPr lang="zh-CN" altLang="en-US" dirty="0">
+              <a:latin typeface="Times New Roman" panose="02020603050405020304" pitchFamily="18" charset="0"/>
+              <a:cs typeface="Times New Roman" panose="02020603050405020304" pitchFamily="18" charset="0"/>
+            </a:endParaRPr>
+          </a:p>
+        </p:txBody>
+      </p:sp>
+      <p:sp>
+        <p:nvSpPr>
+          <p:cNvPr id="76" name="左箭头 75"/>
+          <p:cNvSpPr/>
+          <p:nvPr/>
+        </p:nvSpPr>
+        <p:spPr>
+          <a:xfrm>
+            <a:off x="1529249" y="888759"/>
+            <a:ext cx="997946" cy="122652"/>
+          </a:xfrm>
+          <a:prstGeom prst="leftArrow">
+            <a:avLst/>
+          </a:prstGeom>
+        </p:spPr>
+        <p:style>
+          <a:lnRef idx="2">
+            <a:schemeClr val="accent1">
+              <a:shade val="50000"/>
+            </a:schemeClr>
+          </a:lnRef>
+          <a:fillRef idx="1">
+            <a:schemeClr val="accent1"/>
+          </a:fillRef>
+          <a:effectRef idx="0">
+            <a:schemeClr val="accent1"/>
+          </a:effectRef>
+          <a:fontRef idx="minor">
+            <a:schemeClr val="lt1"/>
+          </a:fontRef>
+        </p:style>
+        <p:txBody>
+          <a:bodyPr rtlCol="0" anchor="ctr"/>
+          <a:lstStyle/>
+          <a:p>
+            <a:pPr algn="ctr"/>
+            <a:endParaRPr lang="zh-CN" altLang="en-US"/>
+          </a:p>
+        </p:txBody>
+      </p:sp>
+    </p:spTree>
+    <p:extLst>
+      <p:ext uri="{BB962C8B-B14F-4D97-AF65-F5344CB8AC3E}">
+        <p14:creationId xmlns:p14="http://schemas.microsoft.com/office/powerpoint/2010/main" val="3441277420"/>
       </p:ext>
     </p:extLst>
   </p:cSld>

--- a/chart/java/nio.pptx
+++ b/chart/java/nio.pptx
@@ -247,7 +247,7 @@
           <a:p>
             <a:fld id="{9E5A76C5-1BB4-4671-835E-8D6893F4EAE4}" type="datetimeFigureOut">
               <a:rPr lang="zh-CN" altLang="en-US" smtClean="0"/>
-              <a:t>2017/5/9</a:t>
+              <a:t>2017/5/10</a:t>
             </a:fld>
             <a:endParaRPr lang="zh-CN" altLang="en-US"/>
           </a:p>
@@ -417,7 +417,7 @@
           <a:p>
             <a:fld id="{9E5A76C5-1BB4-4671-835E-8D6893F4EAE4}" type="datetimeFigureOut">
               <a:rPr lang="zh-CN" altLang="en-US" smtClean="0"/>
-              <a:t>2017/5/9</a:t>
+              <a:t>2017/5/10</a:t>
             </a:fld>
             <a:endParaRPr lang="zh-CN" altLang="en-US"/>
           </a:p>
@@ -597,7 +597,7 @@
           <a:p>
             <a:fld id="{9E5A76C5-1BB4-4671-835E-8D6893F4EAE4}" type="datetimeFigureOut">
               <a:rPr lang="zh-CN" altLang="en-US" smtClean="0"/>
-              <a:t>2017/5/9</a:t>
+              <a:t>2017/5/10</a:t>
             </a:fld>
             <a:endParaRPr lang="zh-CN" altLang="en-US"/>
           </a:p>
@@ -767,7 +767,7 @@
           <a:p>
             <a:fld id="{9E5A76C5-1BB4-4671-835E-8D6893F4EAE4}" type="datetimeFigureOut">
               <a:rPr lang="zh-CN" altLang="en-US" smtClean="0"/>
-              <a:t>2017/5/9</a:t>
+              <a:t>2017/5/10</a:t>
             </a:fld>
             <a:endParaRPr lang="zh-CN" altLang="en-US"/>
           </a:p>
@@ -1013,7 +1013,7 @@
           <a:p>
             <a:fld id="{9E5A76C5-1BB4-4671-835E-8D6893F4EAE4}" type="datetimeFigureOut">
               <a:rPr lang="zh-CN" altLang="en-US" smtClean="0"/>
-              <a:t>2017/5/9</a:t>
+              <a:t>2017/5/10</a:t>
             </a:fld>
             <a:endParaRPr lang="zh-CN" altLang="en-US"/>
           </a:p>
@@ -1245,7 +1245,7 @@
           <a:p>
             <a:fld id="{9E5A76C5-1BB4-4671-835E-8D6893F4EAE4}" type="datetimeFigureOut">
               <a:rPr lang="zh-CN" altLang="en-US" smtClean="0"/>
-              <a:t>2017/5/9</a:t>
+              <a:t>2017/5/10</a:t>
             </a:fld>
             <a:endParaRPr lang="zh-CN" altLang="en-US"/>
           </a:p>
@@ -1612,7 +1612,7 @@
           <a:p>
             <a:fld id="{9E5A76C5-1BB4-4671-835E-8D6893F4EAE4}" type="datetimeFigureOut">
               <a:rPr lang="zh-CN" altLang="en-US" smtClean="0"/>
-              <a:t>2017/5/9</a:t>
+              <a:t>2017/5/10</a:t>
             </a:fld>
             <a:endParaRPr lang="zh-CN" altLang="en-US"/>
           </a:p>
@@ -1730,7 +1730,7 @@
           <a:p>
             <a:fld id="{9E5A76C5-1BB4-4671-835E-8D6893F4EAE4}" type="datetimeFigureOut">
               <a:rPr lang="zh-CN" altLang="en-US" smtClean="0"/>
-              <a:t>2017/5/9</a:t>
+              <a:t>2017/5/10</a:t>
             </a:fld>
             <a:endParaRPr lang="zh-CN" altLang="en-US"/>
           </a:p>
@@ -1825,7 +1825,7 @@
           <a:p>
             <a:fld id="{9E5A76C5-1BB4-4671-835E-8D6893F4EAE4}" type="datetimeFigureOut">
               <a:rPr lang="zh-CN" altLang="en-US" smtClean="0"/>
-              <a:t>2017/5/9</a:t>
+              <a:t>2017/5/10</a:t>
             </a:fld>
             <a:endParaRPr lang="zh-CN" altLang="en-US"/>
           </a:p>
@@ -2102,7 +2102,7 @@
           <a:p>
             <a:fld id="{9E5A76C5-1BB4-4671-835E-8D6893F4EAE4}" type="datetimeFigureOut">
               <a:rPr lang="zh-CN" altLang="en-US" smtClean="0"/>
-              <a:t>2017/5/9</a:t>
+              <a:t>2017/5/10</a:t>
             </a:fld>
             <a:endParaRPr lang="zh-CN" altLang="en-US"/>
           </a:p>
@@ -2355,7 +2355,7 @@
           <a:p>
             <a:fld id="{9E5A76C5-1BB4-4671-835E-8D6893F4EAE4}" type="datetimeFigureOut">
               <a:rPr lang="zh-CN" altLang="en-US" smtClean="0"/>
-              <a:t>2017/5/9</a:t>
+              <a:t>2017/5/10</a:t>
             </a:fld>
             <a:endParaRPr lang="zh-CN" altLang="en-US"/>
           </a:p>
@@ -2568,7 +2568,7 @@
           <a:p>
             <a:fld id="{9E5A76C5-1BB4-4671-835E-8D6893F4EAE4}" type="datetimeFigureOut">
               <a:rPr lang="zh-CN" altLang="en-US" smtClean="0"/>
-              <a:t>2017/5/9</a:t>
+              <a:t>2017/5/10</a:t>
             </a:fld>
             <a:endParaRPr lang="zh-CN" altLang="en-US"/>
           </a:p>
@@ -8404,11 +8404,11 @@
           <a:p>
             <a:pPr algn="ctr"/>
             <a:r>
-              <a:rPr lang="en-US" altLang="zh-CN" sz="1600" dirty="0">
-                <a:latin typeface="Times New Roman" panose="02020603050405020304" pitchFamily="18" charset="0"/>
-                <a:cs typeface="Times New Roman" panose="02020603050405020304" pitchFamily="18" charset="0"/>
-              </a:rPr>
-              <a:t>5</a:t>
+              <a:rPr lang="en-US" altLang="zh-CN" sz="1600" smtClean="0">
+                <a:latin typeface="Times New Roman" panose="02020603050405020304" pitchFamily="18" charset="0"/>
+                <a:cs typeface="Times New Roman" panose="02020603050405020304" pitchFamily="18" charset="0"/>
+              </a:rPr>
+              <a:t>10</a:t>
             </a:r>
             <a:endParaRPr lang="zh-CN" altLang="en-US" sz="1600" dirty="0">
               <a:latin typeface="Times New Roman" panose="02020603050405020304" pitchFamily="18" charset="0"/>
@@ -10153,14 +10153,14 @@
           <p:cNvPr id="39" name="肘形连接符 38"/>
           <p:cNvCxnSpPr>
             <a:stCxn id="31" idx="0"/>
-            <a:endCxn id="24" idx="2"/>
+            <a:endCxn id="9" idx="2"/>
           </p:cNvCxnSpPr>
           <p:nvPr/>
         </p:nvCxnSpPr>
         <p:spPr>
-          <a:xfrm rot="5400000" flipH="1" flipV="1">
-            <a:off x="5118743" y="1477244"/>
-            <a:ext cx="628748" cy="1276997"/>
+          <a:xfrm rot="16200000" flipV="1">
+            <a:off x="4021464" y="1656960"/>
+            <a:ext cx="628748" cy="917563"/>
           </a:xfrm>
           <a:prstGeom prst="bentConnector3">
             <a:avLst/>
@@ -11291,11 +11291,11 @@
           <a:p>
             <a:pPr algn="ctr"/>
             <a:r>
-              <a:rPr lang="en-US" altLang="zh-CN" sz="1600" dirty="0">
-                <a:latin typeface="Times New Roman" panose="02020603050405020304" pitchFamily="18" charset="0"/>
-                <a:cs typeface="Times New Roman" panose="02020603050405020304" pitchFamily="18" charset="0"/>
-              </a:rPr>
-              <a:t>5</a:t>
+              <a:rPr lang="en-US" altLang="zh-CN" sz="1600" dirty="0" smtClean="0">
+                <a:latin typeface="Times New Roman" panose="02020603050405020304" pitchFamily="18" charset="0"/>
+                <a:cs typeface="Times New Roman" panose="02020603050405020304" pitchFamily="18" charset="0"/>
+              </a:rPr>
+              <a:t>10</a:t>
             </a:r>
             <a:endParaRPr lang="zh-CN" altLang="en-US" sz="1600" dirty="0">
               <a:latin typeface="Times New Roman" panose="02020603050405020304" pitchFamily="18" charset="0"/>
